--- a/presentatie/Raytracing.pptx
+++ b/presentatie/Raytracing.pptx
@@ -1,48 +1,143 @@
 
 <file path=ppt/presentation.xml><?xml version="1.0" encoding="utf-8"?>
-<p:presentation xmlns:a="http://schemas.openxmlformats.org/drawingml/2006/main" xmlns:p="http://schemas.openxmlformats.org/presentationml/2006/main" xmlns:r="http://schemas.openxmlformats.org/officeDocument/2006/relationships">
+<p:presentation xmlns:a="http://schemas.openxmlformats.org/drawingml/2006/main" xmlns:r="http://schemas.openxmlformats.org/officeDocument/2006/relationships" xmlns:p="http://schemas.openxmlformats.org/presentationml/2006/main">
   <p:sldMasterIdLst>
-    <p:sldMasterId id="2147483648" r:id="rId2"/>
-    <p:sldMasterId id="2147483661" r:id="rId3"/>
+    <p:sldMasterId id="2147483648" r:id="rId1"/>
+    <p:sldMasterId id="2147483661" r:id="rId2"/>
   </p:sldMasterIdLst>
   <p:sldIdLst>
-    <p:sldId id="256" r:id="rId4"/>
-    <p:sldId id="257" r:id="rId5"/>
-    <p:sldId id="258" r:id="rId6"/>
-    <p:sldId id="259" r:id="rId7"/>
-    <p:sldId id="260" r:id="rId8"/>
-    <p:sldId id="261" r:id="rId9"/>
-    <p:sldId id="262" r:id="rId10"/>
-    <p:sldId id="263" r:id="rId11"/>
-    <p:sldId id="264" r:id="rId12"/>
-    <p:sldId id="265" r:id="rId13"/>
-    <p:sldId id="266" r:id="rId14"/>
-    <p:sldId id="267" r:id="rId15"/>
-    <p:sldId id="268" r:id="rId16"/>
-    <p:sldId id="269" r:id="rId17"/>
-    <p:sldId id="270" r:id="rId18"/>
-    <p:sldId id="271" r:id="rId19"/>
-    <p:sldId id="272" r:id="rId20"/>
-    <p:sldId id="273" r:id="rId21"/>
-    <p:sldId id="274" r:id="rId22"/>
-    <p:sldId id="275" r:id="rId23"/>
-    <p:sldId id="276" r:id="rId24"/>
-    <p:sldId id="277" r:id="rId25"/>
-    <p:sldId id="278" r:id="rId26"/>
-    <p:sldId id="279" r:id="rId27"/>
-    <p:sldId id="280" r:id="rId28"/>
-    <p:sldId id="281" r:id="rId29"/>
-    <p:sldId id="282" r:id="rId30"/>
-    <p:sldId id="283" r:id="rId31"/>
-    <p:sldId id="284" r:id="rId32"/>
+    <p:sldId id="256" r:id="rId3"/>
+    <p:sldId id="257" r:id="rId4"/>
+    <p:sldId id="258" r:id="rId5"/>
+    <p:sldId id="259" r:id="rId6"/>
+    <p:sldId id="260" r:id="rId7"/>
+    <p:sldId id="261" r:id="rId8"/>
+    <p:sldId id="262" r:id="rId9"/>
+    <p:sldId id="263" r:id="rId10"/>
+    <p:sldId id="264" r:id="rId11"/>
+    <p:sldId id="265" r:id="rId12"/>
+    <p:sldId id="266" r:id="rId13"/>
+    <p:sldId id="267" r:id="rId14"/>
+    <p:sldId id="268" r:id="rId15"/>
+    <p:sldId id="269" r:id="rId16"/>
+    <p:sldId id="270" r:id="rId17"/>
+    <p:sldId id="271" r:id="rId18"/>
+    <p:sldId id="272" r:id="rId19"/>
+    <p:sldId id="273" r:id="rId20"/>
+    <p:sldId id="274" r:id="rId21"/>
+    <p:sldId id="275" r:id="rId22"/>
+    <p:sldId id="276" r:id="rId23"/>
+    <p:sldId id="277" r:id="rId24"/>
+    <p:sldId id="278" r:id="rId25"/>
+    <p:sldId id="279" r:id="rId26"/>
+    <p:sldId id="280" r:id="rId27"/>
+    <p:sldId id="281" r:id="rId28"/>
+    <p:sldId id="282" r:id="rId29"/>
+    <p:sldId id="283" r:id="rId30"/>
+    <p:sldId id="284" r:id="rId31"/>
   </p:sldIdLst>
-  <p:sldSz cx="9144000" cy="6858000"/>
-  <p:notesSz cx="7559675" cy="10691812"/>
+  <p:sldSz cx="9144000" cy="6858000" type="screen4x3"/>
+  <p:notesSz cx="7559675" cy="10691813"/>
+  <p:defaultTextStyle>
+    <a:defPPr>
+      <a:defRPr lang="nl-NL"/>
+    </a:defPPr>
+    <a:lvl1pPr marL="0" algn="l" defTabSz="914400" rtl="0" eaLnBrk="1" latinLnBrk="0" hangingPunct="1">
+      <a:defRPr sz="1800" kern="1200">
+        <a:solidFill>
+          <a:schemeClr val="tx1"/>
+        </a:solidFill>
+        <a:latin typeface="+mn-lt"/>
+        <a:ea typeface="+mn-ea"/>
+        <a:cs typeface="+mn-cs"/>
+      </a:defRPr>
+    </a:lvl1pPr>
+    <a:lvl2pPr marL="457200" algn="l" defTabSz="914400" rtl="0" eaLnBrk="1" latinLnBrk="0" hangingPunct="1">
+      <a:defRPr sz="1800" kern="1200">
+        <a:solidFill>
+          <a:schemeClr val="tx1"/>
+        </a:solidFill>
+        <a:latin typeface="+mn-lt"/>
+        <a:ea typeface="+mn-ea"/>
+        <a:cs typeface="+mn-cs"/>
+      </a:defRPr>
+    </a:lvl2pPr>
+    <a:lvl3pPr marL="914400" algn="l" defTabSz="914400" rtl="0" eaLnBrk="1" latinLnBrk="0" hangingPunct="1">
+      <a:defRPr sz="1800" kern="1200">
+        <a:solidFill>
+          <a:schemeClr val="tx1"/>
+        </a:solidFill>
+        <a:latin typeface="+mn-lt"/>
+        <a:ea typeface="+mn-ea"/>
+        <a:cs typeface="+mn-cs"/>
+      </a:defRPr>
+    </a:lvl3pPr>
+    <a:lvl4pPr marL="1371600" algn="l" defTabSz="914400" rtl="0" eaLnBrk="1" latinLnBrk="0" hangingPunct="1">
+      <a:defRPr sz="1800" kern="1200">
+        <a:solidFill>
+          <a:schemeClr val="tx1"/>
+        </a:solidFill>
+        <a:latin typeface="+mn-lt"/>
+        <a:ea typeface="+mn-ea"/>
+        <a:cs typeface="+mn-cs"/>
+      </a:defRPr>
+    </a:lvl4pPr>
+    <a:lvl5pPr marL="1828800" algn="l" defTabSz="914400" rtl="0" eaLnBrk="1" latinLnBrk="0" hangingPunct="1">
+      <a:defRPr sz="1800" kern="1200">
+        <a:solidFill>
+          <a:schemeClr val="tx1"/>
+        </a:solidFill>
+        <a:latin typeface="+mn-lt"/>
+        <a:ea typeface="+mn-ea"/>
+        <a:cs typeface="+mn-cs"/>
+      </a:defRPr>
+    </a:lvl5pPr>
+    <a:lvl6pPr marL="2286000" algn="l" defTabSz="914400" rtl="0" eaLnBrk="1" latinLnBrk="0" hangingPunct="1">
+      <a:defRPr sz="1800" kern="1200">
+        <a:solidFill>
+          <a:schemeClr val="tx1"/>
+        </a:solidFill>
+        <a:latin typeface="+mn-lt"/>
+        <a:ea typeface="+mn-ea"/>
+        <a:cs typeface="+mn-cs"/>
+      </a:defRPr>
+    </a:lvl6pPr>
+    <a:lvl7pPr marL="2743200" algn="l" defTabSz="914400" rtl="0" eaLnBrk="1" latinLnBrk="0" hangingPunct="1">
+      <a:defRPr sz="1800" kern="1200">
+        <a:solidFill>
+          <a:schemeClr val="tx1"/>
+        </a:solidFill>
+        <a:latin typeface="+mn-lt"/>
+        <a:ea typeface="+mn-ea"/>
+        <a:cs typeface="+mn-cs"/>
+      </a:defRPr>
+    </a:lvl7pPr>
+    <a:lvl8pPr marL="3200400" algn="l" defTabSz="914400" rtl="0" eaLnBrk="1" latinLnBrk="0" hangingPunct="1">
+      <a:defRPr sz="1800" kern="1200">
+        <a:solidFill>
+          <a:schemeClr val="tx1"/>
+        </a:solidFill>
+        <a:latin typeface="+mn-lt"/>
+        <a:ea typeface="+mn-ea"/>
+        <a:cs typeface="+mn-cs"/>
+      </a:defRPr>
+    </a:lvl8pPr>
+    <a:lvl9pPr marL="3657600" algn="l" defTabSz="914400" rtl="0" eaLnBrk="1" latinLnBrk="0" hangingPunct="1">
+      <a:defRPr sz="1800" kern="1200">
+        <a:solidFill>
+          <a:schemeClr val="tx1"/>
+        </a:solidFill>
+        <a:latin typeface="+mn-lt"/>
+        <a:ea typeface="+mn-ea"/>
+        <a:cs typeface="+mn-cs"/>
+      </a:defRPr>
+    </a:lvl9pPr>
+  </p:defaultTextStyle>
 </p:presentation>
 </file>
 
 <file path=ppt/slideLayouts/slideLayout1.xml><?xml version="1.0" encoding="utf-8"?>
-<p:sldLayout xmlns:a="http://schemas.openxmlformats.org/drawingml/2006/main" xmlns:p="http://schemas.openxmlformats.org/presentationml/2006/main" xmlns:r="http://schemas.openxmlformats.org/officeDocument/2006/relationships" type="blank" preserve="1">
+<p:sldLayout xmlns:a="http://schemas.openxmlformats.org/drawingml/2006/main" xmlns:r="http://schemas.openxmlformats.org/officeDocument/2006/relationships" xmlns:p="http://schemas.openxmlformats.org/presentationml/2006/main" type="blank" preserve="1">
   <p:cSld name="Blank Slide">
     <p:spTree>
       <p:nvGrpSpPr>
@@ -60,11 +155,14 @@
       </p:grpSpPr>
     </p:spTree>
   </p:cSld>
+  <p:clrMapOvr>
+    <a:masterClrMapping/>
+  </p:clrMapOvr>
 </p:sldLayout>
 </file>
 
 <file path=ppt/slideLayouts/slideLayout10.xml><?xml version="1.0" encoding="utf-8"?>
-<p:sldLayout xmlns:a="http://schemas.openxmlformats.org/drawingml/2006/main" xmlns:p="http://schemas.openxmlformats.org/presentationml/2006/main" xmlns:r="http://schemas.openxmlformats.org/officeDocument/2006/relationships" type="objOverTx" preserve="1">
+<p:sldLayout xmlns:a="http://schemas.openxmlformats.org/drawingml/2006/main" xmlns:r="http://schemas.openxmlformats.org/officeDocument/2006/relationships" xmlns:p="http://schemas.openxmlformats.org/presentationml/2006/main" type="objOverTx" preserve="1">
   <p:cSld name="Title, Content over Content">
     <p:spTree>
       <p:nvGrpSpPr>
@@ -100,7 +198,8 @@
           </a:prstGeom>
         </p:spPr>
         <p:txBody>
-          <a:bodyPr lIns="0" rIns="0" tIns="0" bIns="0" anchor="ctr"/>
+          <a:bodyPr lIns="0" tIns="0" rIns="0" bIns="0" anchor="ctr"/>
+          <a:lstStyle/>
           <a:p>
             <a:endParaRPr/>
           </a:p>
@@ -126,7 +225,8 @@
           </a:prstGeom>
         </p:spPr>
         <p:txBody>
-          <a:bodyPr lIns="0" rIns="0" tIns="0" bIns="0"/>
+          <a:bodyPr lIns="0" tIns="0" rIns="0" bIns="0"/>
+          <a:lstStyle/>
           <a:p>
             <a:endParaRPr/>
           </a:p>
@@ -152,7 +252,8 @@
           </a:prstGeom>
         </p:spPr>
         <p:txBody>
-          <a:bodyPr lIns="0" rIns="0" tIns="0" bIns="0"/>
+          <a:bodyPr lIns="0" tIns="0" rIns="0" bIns="0"/>
+          <a:lstStyle/>
           <a:p>
             <a:endParaRPr/>
           </a:p>
@@ -160,11 +261,14 @@
       </p:sp>
     </p:spTree>
   </p:cSld>
+  <p:clrMapOvr>
+    <a:masterClrMapping/>
+  </p:clrMapOvr>
 </p:sldLayout>
 </file>
 
 <file path=ppt/slideLayouts/slideLayout11.xml><?xml version="1.0" encoding="utf-8"?>
-<p:sldLayout xmlns:a="http://schemas.openxmlformats.org/drawingml/2006/main" xmlns:p="http://schemas.openxmlformats.org/presentationml/2006/main" xmlns:r="http://schemas.openxmlformats.org/officeDocument/2006/relationships" type="fourObj" preserve="1">
+<p:sldLayout xmlns:a="http://schemas.openxmlformats.org/drawingml/2006/main" xmlns:r="http://schemas.openxmlformats.org/officeDocument/2006/relationships" xmlns:p="http://schemas.openxmlformats.org/presentationml/2006/main" type="fourObj" preserve="1">
   <p:cSld name="Title, 4 Content">
     <p:spTree>
       <p:nvGrpSpPr>
@@ -200,7 +304,8 @@
           </a:prstGeom>
         </p:spPr>
         <p:txBody>
-          <a:bodyPr lIns="0" rIns="0" tIns="0" bIns="0" anchor="ctr"/>
+          <a:bodyPr lIns="0" tIns="0" rIns="0" bIns="0" anchor="ctr"/>
+          <a:lstStyle/>
           <a:p>
             <a:endParaRPr/>
           </a:p>
@@ -226,7 +331,8 @@
           </a:prstGeom>
         </p:spPr>
         <p:txBody>
-          <a:bodyPr lIns="0" rIns="0" tIns="0" bIns="0"/>
+          <a:bodyPr lIns="0" tIns="0" rIns="0" bIns="0"/>
+          <a:lstStyle/>
           <a:p>
             <a:endParaRPr/>
           </a:p>
@@ -252,7 +358,8 @@
           </a:prstGeom>
         </p:spPr>
         <p:txBody>
-          <a:bodyPr lIns="0" rIns="0" tIns="0" bIns="0"/>
+          <a:bodyPr lIns="0" tIns="0" rIns="0" bIns="0"/>
+          <a:lstStyle/>
           <a:p>
             <a:endParaRPr/>
           </a:p>
@@ -278,7 +385,8 @@
           </a:prstGeom>
         </p:spPr>
         <p:txBody>
-          <a:bodyPr lIns="0" rIns="0" tIns="0" bIns="0"/>
+          <a:bodyPr lIns="0" tIns="0" rIns="0" bIns="0"/>
+          <a:lstStyle/>
           <a:p>
             <a:endParaRPr/>
           </a:p>
@@ -304,7 +412,8 @@
           </a:prstGeom>
         </p:spPr>
         <p:txBody>
-          <a:bodyPr lIns="0" rIns="0" tIns="0" bIns="0"/>
+          <a:bodyPr lIns="0" tIns="0" rIns="0" bIns="0"/>
+          <a:lstStyle/>
           <a:p>
             <a:endParaRPr/>
           </a:p>
@@ -312,11 +421,14 @@
       </p:sp>
     </p:spTree>
   </p:cSld>
+  <p:clrMapOvr>
+    <a:masterClrMapping/>
+  </p:clrMapOvr>
 </p:sldLayout>
 </file>
 
 <file path=ppt/slideLayouts/slideLayout12.xml><?xml version="1.0" encoding="utf-8"?>
-<p:sldLayout xmlns:a="http://schemas.openxmlformats.org/drawingml/2006/main" xmlns:p="http://schemas.openxmlformats.org/presentationml/2006/main" xmlns:r="http://schemas.openxmlformats.org/officeDocument/2006/relationships" type="blank" preserve="1">
+<p:sldLayout xmlns:a="http://schemas.openxmlformats.org/drawingml/2006/main" xmlns:r="http://schemas.openxmlformats.org/officeDocument/2006/relationships" xmlns:p="http://schemas.openxmlformats.org/presentationml/2006/main" type="blank" preserve="1">
   <p:cSld name="Title, 6 Content">
     <p:spTree>
       <p:nvGrpSpPr>
@@ -352,7 +464,8 @@
           </a:prstGeom>
         </p:spPr>
         <p:txBody>
-          <a:bodyPr lIns="0" rIns="0" tIns="0" bIns="0" anchor="ctr"/>
+          <a:bodyPr lIns="0" tIns="0" rIns="0" bIns="0" anchor="ctr"/>
+          <a:lstStyle/>
           <a:p>
             <a:endParaRPr/>
           </a:p>
@@ -378,7 +491,8 @@
           </a:prstGeom>
         </p:spPr>
         <p:txBody>
-          <a:bodyPr lIns="0" rIns="0" tIns="0" bIns="0"/>
+          <a:bodyPr lIns="0" tIns="0" rIns="0" bIns="0"/>
+          <a:lstStyle/>
           <a:p>
             <a:endParaRPr/>
           </a:p>
@@ -404,7 +518,8 @@
           </a:prstGeom>
         </p:spPr>
         <p:txBody>
-          <a:bodyPr lIns="0" rIns="0" tIns="0" bIns="0"/>
+          <a:bodyPr lIns="0" tIns="0" rIns="0" bIns="0"/>
+          <a:lstStyle/>
           <a:p>
             <a:endParaRPr/>
           </a:p>
@@ -412,7 +527,7 @@
       </p:sp>
       <p:pic>
         <p:nvPicPr>
-          <p:cNvPr id="37" name="" descr=""/>
+          <p:cNvPr id="37" name="Picture 36"/>
           <p:cNvPicPr/>
           <p:nvPr/>
         </p:nvPicPr>
@@ -437,12 +552,12 @@
       </p:pic>
       <p:pic>
         <p:nvPicPr>
-          <p:cNvPr id="38" name="" descr=""/>
+          <p:cNvPr id="38" name="Picture 37"/>
           <p:cNvPicPr/>
           <p:nvPr/>
         </p:nvPicPr>
         <p:blipFill>
-          <a:blip r:embed="rId3"/>
+          <a:blip r:embed="rId2"/>
           <a:stretch>
             <a:fillRect/>
           </a:stretch>
@@ -462,11 +577,14 @@
       </p:pic>
     </p:spTree>
   </p:cSld>
+  <p:clrMapOvr>
+    <a:masterClrMapping/>
+  </p:clrMapOvr>
 </p:sldLayout>
 </file>
 
 <file path=ppt/slideLayouts/slideLayout13.xml><?xml version="1.0" encoding="utf-8"?>
-<p:sldLayout xmlns:a="http://schemas.openxmlformats.org/drawingml/2006/main" xmlns:p="http://schemas.openxmlformats.org/presentationml/2006/main" xmlns:r="http://schemas.openxmlformats.org/officeDocument/2006/relationships" type="blank" preserve="1">
+<p:sldLayout xmlns:a="http://schemas.openxmlformats.org/drawingml/2006/main" xmlns:r="http://schemas.openxmlformats.org/officeDocument/2006/relationships" xmlns:p="http://schemas.openxmlformats.org/presentationml/2006/main" type="blank" preserve="1">
   <p:cSld name="Blank Slide">
     <p:spTree>
       <p:nvGrpSpPr>
@@ -484,11 +602,14 @@
       </p:grpSpPr>
     </p:spTree>
   </p:cSld>
+  <p:clrMapOvr>
+    <a:masterClrMapping/>
+  </p:clrMapOvr>
 </p:sldLayout>
 </file>
 
 <file path=ppt/slideLayouts/slideLayout14.xml><?xml version="1.0" encoding="utf-8"?>
-<p:sldLayout xmlns:a="http://schemas.openxmlformats.org/drawingml/2006/main" xmlns:p="http://schemas.openxmlformats.org/presentationml/2006/main" xmlns:r="http://schemas.openxmlformats.org/officeDocument/2006/relationships" type="tx" preserve="1">
+<p:sldLayout xmlns:a="http://schemas.openxmlformats.org/drawingml/2006/main" xmlns:r="http://schemas.openxmlformats.org/officeDocument/2006/relationships" xmlns:p="http://schemas.openxmlformats.org/presentationml/2006/main" type="tx" preserve="1">
   <p:cSld name="Title Slide">
     <p:spTree>
       <p:nvGrpSpPr>
@@ -524,7 +645,8 @@
           </a:prstGeom>
         </p:spPr>
         <p:txBody>
-          <a:bodyPr lIns="0" rIns="0" tIns="0" bIns="0" anchor="ctr"/>
+          <a:bodyPr lIns="0" tIns="0" rIns="0" bIns="0" anchor="ctr"/>
+          <a:lstStyle/>
           <a:p>
             <a:endParaRPr/>
           </a:p>
@@ -550,7 +672,8 @@
           </a:prstGeom>
         </p:spPr>
         <p:txBody>
-          <a:bodyPr lIns="0" rIns="0" tIns="0" bIns="0" anchor="ctr"/>
+          <a:bodyPr lIns="0" tIns="0" rIns="0" bIns="0" anchor="ctr"/>
+          <a:lstStyle/>
           <a:p>
             <a:pPr algn="ctr"/>
             <a:endParaRPr/>
@@ -559,11 +682,14 @@
       </p:sp>
     </p:spTree>
   </p:cSld>
+  <p:clrMapOvr>
+    <a:masterClrMapping/>
+  </p:clrMapOvr>
 </p:sldLayout>
 </file>
 
 <file path=ppt/slideLayouts/slideLayout15.xml><?xml version="1.0" encoding="utf-8"?>
-<p:sldLayout xmlns:a="http://schemas.openxmlformats.org/drawingml/2006/main" xmlns:p="http://schemas.openxmlformats.org/presentationml/2006/main" xmlns:r="http://schemas.openxmlformats.org/officeDocument/2006/relationships" type="obj" preserve="1">
+<p:sldLayout xmlns:a="http://schemas.openxmlformats.org/drawingml/2006/main" xmlns:r="http://schemas.openxmlformats.org/officeDocument/2006/relationships" xmlns:p="http://schemas.openxmlformats.org/presentationml/2006/main" type="obj" preserve="1">
   <p:cSld name="Title, Content">
     <p:spTree>
       <p:nvGrpSpPr>
@@ -599,7 +725,8 @@
           </a:prstGeom>
         </p:spPr>
         <p:txBody>
-          <a:bodyPr lIns="0" rIns="0" tIns="0" bIns="0" anchor="ctr"/>
+          <a:bodyPr lIns="0" tIns="0" rIns="0" bIns="0" anchor="ctr"/>
+          <a:lstStyle/>
           <a:p>
             <a:endParaRPr/>
           </a:p>
@@ -625,7 +752,8 @@
           </a:prstGeom>
         </p:spPr>
         <p:txBody>
-          <a:bodyPr lIns="0" rIns="0" tIns="0" bIns="0"/>
+          <a:bodyPr lIns="0" tIns="0" rIns="0" bIns="0"/>
+          <a:lstStyle/>
           <a:p>
             <a:endParaRPr/>
           </a:p>
@@ -633,11 +761,14 @@
       </p:sp>
     </p:spTree>
   </p:cSld>
+  <p:clrMapOvr>
+    <a:masterClrMapping/>
+  </p:clrMapOvr>
 </p:sldLayout>
 </file>
 
 <file path=ppt/slideLayouts/slideLayout16.xml><?xml version="1.0" encoding="utf-8"?>
-<p:sldLayout xmlns:a="http://schemas.openxmlformats.org/drawingml/2006/main" xmlns:p="http://schemas.openxmlformats.org/presentationml/2006/main" xmlns:r="http://schemas.openxmlformats.org/officeDocument/2006/relationships" type="twoObj" preserve="1">
+<p:sldLayout xmlns:a="http://schemas.openxmlformats.org/drawingml/2006/main" xmlns:r="http://schemas.openxmlformats.org/officeDocument/2006/relationships" xmlns:p="http://schemas.openxmlformats.org/presentationml/2006/main" type="twoObj" preserve="1">
   <p:cSld name="Title, 2 Content">
     <p:spTree>
       <p:nvGrpSpPr>
@@ -673,7 +804,8 @@
           </a:prstGeom>
         </p:spPr>
         <p:txBody>
-          <a:bodyPr lIns="0" rIns="0" tIns="0" bIns="0" anchor="ctr"/>
+          <a:bodyPr lIns="0" tIns="0" rIns="0" bIns="0" anchor="ctr"/>
+          <a:lstStyle/>
           <a:p>
             <a:endParaRPr/>
           </a:p>
@@ -699,7 +831,8 @@
           </a:prstGeom>
         </p:spPr>
         <p:txBody>
-          <a:bodyPr lIns="0" rIns="0" tIns="0" bIns="0"/>
+          <a:bodyPr lIns="0" tIns="0" rIns="0" bIns="0"/>
+          <a:lstStyle/>
           <a:p>
             <a:endParaRPr/>
           </a:p>
@@ -725,7 +858,8 @@
           </a:prstGeom>
         </p:spPr>
         <p:txBody>
-          <a:bodyPr lIns="0" rIns="0" tIns="0" bIns="0"/>
+          <a:bodyPr lIns="0" tIns="0" rIns="0" bIns="0"/>
+          <a:lstStyle/>
           <a:p>
             <a:endParaRPr/>
           </a:p>
@@ -733,11 +867,14 @@
       </p:sp>
     </p:spTree>
   </p:cSld>
+  <p:clrMapOvr>
+    <a:masterClrMapping/>
+  </p:clrMapOvr>
 </p:sldLayout>
 </file>
 
 <file path=ppt/slideLayouts/slideLayout17.xml><?xml version="1.0" encoding="utf-8"?>
-<p:sldLayout xmlns:a="http://schemas.openxmlformats.org/drawingml/2006/main" xmlns:p="http://schemas.openxmlformats.org/presentationml/2006/main" xmlns:r="http://schemas.openxmlformats.org/officeDocument/2006/relationships" type="titleOnly" preserve="1">
+<p:sldLayout xmlns:a="http://schemas.openxmlformats.org/drawingml/2006/main" xmlns:r="http://schemas.openxmlformats.org/officeDocument/2006/relationships" xmlns:p="http://schemas.openxmlformats.org/presentationml/2006/main" type="titleOnly" preserve="1">
   <p:cSld name="Title Only">
     <p:spTree>
       <p:nvGrpSpPr>
@@ -773,7 +910,8 @@
           </a:prstGeom>
         </p:spPr>
         <p:txBody>
-          <a:bodyPr lIns="0" rIns="0" tIns="0" bIns="0" anchor="ctr"/>
+          <a:bodyPr lIns="0" tIns="0" rIns="0" bIns="0" anchor="ctr"/>
+          <a:lstStyle/>
           <a:p>
             <a:endParaRPr/>
           </a:p>
@@ -781,11 +919,14 @@
       </p:sp>
     </p:spTree>
   </p:cSld>
+  <p:clrMapOvr>
+    <a:masterClrMapping/>
+  </p:clrMapOvr>
 </p:sldLayout>
 </file>
 
 <file path=ppt/slideLayouts/slideLayout18.xml><?xml version="1.0" encoding="utf-8"?>
-<p:sldLayout xmlns:a="http://schemas.openxmlformats.org/drawingml/2006/main" xmlns:p="http://schemas.openxmlformats.org/presentationml/2006/main" xmlns:r="http://schemas.openxmlformats.org/officeDocument/2006/relationships" type="objOnly" preserve="1">
+<p:sldLayout xmlns:a="http://schemas.openxmlformats.org/drawingml/2006/main" xmlns:r="http://schemas.openxmlformats.org/officeDocument/2006/relationships" xmlns:p="http://schemas.openxmlformats.org/presentationml/2006/main" type="objOnly" preserve="1">
   <p:cSld name="Centered Text">
     <p:spTree>
       <p:nvGrpSpPr>
@@ -821,7 +962,8 @@
           </a:prstGeom>
         </p:spPr>
         <p:txBody>
-          <a:bodyPr lIns="0" rIns="0" tIns="0" bIns="0" anchor="ctr"/>
+          <a:bodyPr lIns="0" tIns="0" rIns="0" bIns="0" anchor="ctr"/>
+          <a:lstStyle/>
           <a:p>
             <a:pPr algn="ctr"/>
             <a:endParaRPr/>
@@ -830,11 +972,14 @@
       </p:sp>
     </p:spTree>
   </p:cSld>
+  <p:clrMapOvr>
+    <a:masterClrMapping/>
+  </p:clrMapOvr>
 </p:sldLayout>
 </file>
 
 <file path=ppt/slideLayouts/slideLayout19.xml><?xml version="1.0" encoding="utf-8"?>
-<p:sldLayout xmlns:a="http://schemas.openxmlformats.org/drawingml/2006/main" xmlns:p="http://schemas.openxmlformats.org/presentationml/2006/main" xmlns:r="http://schemas.openxmlformats.org/officeDocument/2006/relationships" type="twoObjAndObj" preserve="1">
+<p:sldLayout xmlns:a="http://schemas.openxmlformats.org/drawingml/2006/main" xmlns:r="http://schemas.openxmlformats.org/officeDocument/2006/relationships" xmlns:p="http://schemas.openxmlformats.org/presentationml/2006/main" type="twoObjAndObj" preserve="1">
   <p:cSld name="Title, 2 Content and Content">
     <p:spTree>
       <p:nvGrpSpPr>
@@ -870,7 +1015,8 @@
           </a:prstGeom>
         </p:spPr>
         <p:txBody>
-          <a:bodyPr lIns="0" rIns="0" tIns="0" bIns="0" anchor="ctr"/>
+          <a:bodyPr lIns="0" tIns="0" rIns="0" bIns="0" anchor="ctr"/>
+          <a:lstStyle/>
           <a:p>
             <a:endParaRPr/>
           </a:p>
@@ -896,7 +1042,8 @@
           </a:prstGeom>
         </p:spPr>
         <p:txBody>
-          <a:bodyPr lIns="0" rIns="0" tIns="0" bIns="0"/>
+          <a:bodyPr lIns="0" tIns="0" rIns="0" bIns="0"/>
+          <a:lstStyle/>
           <a:p>
             <a:endParaRPr/>
           </a:p>
@@ -922,7 +1069,8 @@
           </a:prstGeom>
         </p:spPr>
         <p:txBody>
-          <a:bodyPr lIns="0" rIns="0" tIns="0" bIns="0"/>
+          <a:bodyPr lIns="0" tIns="0" rIns="0" bIns="0"/>
+          <a:lstStyle/>
           <a:p>
             <a:endParaRPr/>
           </a:p>
@@ -948,7 +1096,8 @@
           </a:prstGeom>
         </p:spPr>
         <p:txBody>
-          <a:bodyPr lIns="0" rIns="0" tIns="0" bIns="0"/>
+          <a:bodyPr lIns="0" tIns="0" rIns="0" bIns="0"/>
+          <a:lstStyle/>
           <a:p>
             <a:endParaRPr/>
           </a:p>
@@ -956,11 +1105,14 @@
       </p:sp>
     </p:spTree>
   </p:cSld>
+  <p:clrMapOvr>
+    <a:masterClrMapping/>
+  </p:clrMapOvr>
 </p:sldLayout>
 </file>
 
 <file path=ppt/slideLayouts/slideLayout2.xml><?xml version="1.0" encoding="utf-8"?>
-<p:sldLayout xmlns:a="http://schemas.openxmlformats.org/drawingml/2006/main" xmlns:p="http://schemas.openxmlformats.org/presentationml/2006/main" xmlns:r="http://schemas.openxmlformats.org/officeDocument/2006/relationships" type="tx" preserve="1">
+<p:sldLayout xmlns:a="http://schemas.openxmlformats.org/drawingml/2006/main" xmlns:r="http://schemas.openxmlformats.org/officeDocument/2006/relationships" xmlns:p="http://schemas.openxmlformats.org/presentationml/2006/main" type="tx" preserve="1">
   <p:cSld name="Title Slide">
     <p:spTree>
       <p:nvGrpSpPr>
@@ -996,7 +1148,8 @@
           </a:prstGeom>
         </p:spPr>
         <p:txBody>
-          <a:bodyPr lIns="0" rIns="0" tIns="0" bIns="0" anchor="ctr"/>
+          <a:bodyPr lIns="0" tIns="0" rIns="0" bIns="0" anchor="ctr"/>
+          <a:lstStyle/>
           <a:p>
             <a:endParaRPr/>
           </a:p>
@@ -1022,7 +1175,8 @@
           </a:prstGeom>
         </p:spPr>
         <p:txBody>
-          <a:bodyPr lIns="0" rIns="0" tIns="0" bIns="0" anchor="ctr"/>
+          <a:bodyPr lIns="0" tIns="0" rIns="0" bIns="0" anchor="ctr"/>
+          <a:lstStyle/>
           <a:p>
             <a:pPr algn="ctr"/>
             <a:endParaRPr/>
@@ -1031,11 +1185,14 @@
       </p:sp>
     </p:spTree>
   </p:cSld>
+  <p:clrMapOvr>
+    <a:masterClrMapping/>
+  </p:clrMapOvr>
 </p:sldLayout>
 </file>
 
 <file path=ppt/slideLayouts/slideLayout20.xml><?xml version="1.0" encoding="utf-8"?>
-<p:sldLayout xmlns:a="http://schemas.openxmlformats.org/drawingml/2006/main" xmlns:p="http://schemas.openxmlformats.org/presentationml/2006/main" xmlns:r="http://schemas.openxmlformats.org/officeDocument/2006/relationships" type="objAndTwoObj" preserve="1">
+<p:sldLayout xmlns:a="http://schemas.openxmlformats.org/drawingml/2006/main" xmlns:r="http://schemas.openxmlformats.org/officeDocument/2006/relationships" xmlns:p="http://schemas.openxmlformats.org/presentationml/2006/main" type="objAndTwoObj" preserve="1">
   <p:cSld name="Title Content and 2 Content">
     <p:spTree>
       <p:nvGrpSpPr>
@@ -1071,7 +1228,8 @@
           </a:prstGeom>
         </p:spPr>
         <p:txBody>
-          <a:bodyPr lIns="0" rIns="0" tIns="0" bIns="0" anchor="ctr"/>
+          <a:bodyPr lIns="0" tIns="0" rIns="0" bIns="0" anchor="ctr"/>
+          <a:lstStyle/>
           <a:p>
             <a:endParaRPr/>
           </a:p>
@@ -1097,7 +1255,8 @@
           </a:prstGeom>
         </p:spPr>
         <p:txBody>
-          <a:bodyPr lIns="0" rIns="0" tIns="0" bIns="0"/>
+          <a:bodyPr lIns="0" tIns="0" rIns="0" bIns="0"/>
+          <a:lstStyle/>
           <a:p>
             <a:endParaRPr/>
           </a:p>
@@ -1123,7 +1282,8 @@
           </a:prstGeom>
         </p:spPr>
         <p:txBody>
-          <a:bodyPr lIns="0" rIns="0" tIns="0" bIns="0"/>
+          <a:bodyPr lIns="0" tIns="0" rIns="0" bIns="0"/>
+          <a:lstStyle/>
           <a:p>
             <a:endParaRPr/>
           </a:p>
@@ -1149,7 +1309,8 @@
           </a:prstGeom>
         </p:spPr>
         <p:txBody>
-          <a:bodyPr lIns="0" rIns="0" tIns="0" bIns="0"/>
+          <a:bodyPr lIns="0" tIns="0" rIns="0" bIns="0"/>
+          <a:lstStyle/>
           <a:p>
             <a:endParaRPr/>
           </a:p>
@@ -1157,11 +1318,14 @@
       </p:sp>
     </p:spTree>
   </p:cSld>
+  <p:clrMapOvr>
+    <a:masterClrMapping/>
+  </p:clrMapOvr>
 </p:sldLayout>
 </file>
 
 <file path=ppt/slideLayouts/slideLayout21.xml><?xml version="1.0" encoding="utf-8"?>
-<p:sldLayout xmlns:a="http://schemas.openxmlformats.org/drawingml/2006/main" xmlns:p="http://schemas.openxmlformats.org/presentationml/2006/main" xmlns:r="http://schemas.openxmlformats.org/officeDocument/2006/relationships" type="twoObjOverTx" preserve="1">
+<p:sldLayout xmlns:a="http://schemas.openxmlformats.org/drawingml/2006/main" xmlns:r="http://schemas.openxmlformats.org/officeDocument/2006/relationships" xmlns:p="http://schemas.openxmlformats.org/presentationml/2006/main" type="twoObjOverTx" preserve="1">
   <p:cSld name="Title, 2 Content over Content">
     <p:spTree>
       <p:nvGrpSpPr>
@@ -1197,7 +1361,8 @@
           </a:prstGeom>
         </p:spPr>
         <p:txBody>
-          <a:bodyPr lIns="0" rIns="0" tIns="0" bIns="0" anchor="ctr"/>
+          <a:bodyPr lIns="0" tIns="0" rIns="0" bIns="0" anchor="ctr"/>
+          <a:lstStyle/>
           <a:p>
             <a:endParaRPr/>
           </a:p>
@@ -1223,7 +1388,8 @@
           </a:prstGeom>
         </p:spPr>
         <p:txBody>
-          <a:bodyPr lIns="0" rIns="0" tIns="0" bIns="0"/>
+          <a:bodyPr lIns="0" tIns="0" rIns="0" bIns="0"/>
+          <a:lstStyle/>
           <a:p>
             <a:endParaRPr/>
           </a:p>
@@ -1249,7 +1415,8 @@
           </a:prstGeom>
         </p:spPr>
         <p:txBody>
-          <a:bodyPr lIns="0" rIns="0" tIns="0" bIns="0"/>
+          <a:bodyPr lIns="0" tIns="0" rIns="0" bIns="0"/>
+          <a:lstStyle/>
           <a:p>
             <a:endParaRPr/>
           </a:p>
@@ -1275,7 +1442,8 @@
           </a:prstGeom>
         </p:spPr>
         <p:txBody>
-          <a:bodyPr lIns="0" rIns="0" tIns="0" bIns="0"/>
+          <a:bodyPr lIns="0" tIns="0" rIns="0" bIns="0"/>
+          <a:lstStyle/>
           <a:p>
             <a:endParaRPr/>
           </a:p>
@@ -1283,11 +1451,14 @@
       </p:sp>
     </p:spTree>
   </p:cSld>
+  <p:clrMapOvr>
+    <a:masterClrMapping/>
+  </p:clrMapOvr>
 </p:sldLayout>
 </file>
 
 <file path=ppt/slideLayouts/slideLayout22.xml><?xml version="1.0" encoding="utf-8"?>
-<p:sldLayout xmlns:a="http://schemas.openxmlformats.org/drawingml/2006/main" xmlns:p="http://schemas.openxmlformats.org/presentationml/2006/main" xmlns:r="http://schemas.openxmlformats.org/officeDocument/2006/relationships" type="objOverTx" preserve="1">
+<p:sldLayout xmlns:a="http://schemas.openxmlformats.org/drawingml/2006/main" xmlns:r="http://schemas.openxmlformats.org/officeDocument/2006/relationships" xmlns:p="http://schemas.openxmlformats.org/presentationml/2006/main" type="objOverTx" preserve="1">
   <p:cSld name="Title, Content over Content">
     <p:spTree>
       <p:nvGrpSpPr>
@@ -1323,7 +1494,8 @@
           </a:prstGeom>
         </p:spPr>
         <p:txBody>
-          <a:bodyPr lIns="0" rIns="0" tIns="0" bIns="0" anchor="ctr"/>
+          <a:bodyPr lIns="0" tIns="0" rIns="0" bIns="0" anchor="ctr"/>
+          <a:lstStyle/>
           <a:p>
             <a:endParaRPr/>
           </a:p>
@@ -1349,7 +1521,8 @@
           </a:prstGeom>
         </p:spPr>
         <p:txBody>
-          <a:bodyPr lIns="0" rIns="0" tIns="0" bIns="0"/>
+          <a:bodyPr lIns="0" tIns="0" rIns="0" bIns="0"/>
+          <a:lstStyle/>
           <a:p>
             <a:endParaRPr/>
           </a:p>
@@ -1375,7 +1548,8 @@
           </a:prstGeom>
         </p:spPr>
         <p:txBody>
-          <a:bodyPr lIns="0" rIns="0" tIns="0" bIns="0"/>
+          <a:bodyPr lIns="0" tIns="0" rIns="0" bIns="0"/>
+          <a:lstStyle/>
           <a:p>
             <a:endParaRPr/>
           </a:p>
@@ -1383,11 +1557,14 @@
       </p:sp>
     </p:spTree>
   </p:cSld>
+  <p:clrMapOvr>
+    <a:masterClrMapping/>
+  </p:clrMapOvr>
 </p:sldLayout>
 </file>
 
 <file path=ppt/slideLayouts/slideLayout23.xml><?xml version="1.0" encoding="utf-8"?>
-<p:sldLayout xmlns:a="http://schemas.openxmlformats.org/drawingml/2006/main" xmlns:p="http://schemas.openxmlformats.org/presentationml/2006/main" xmlns:r="http://schemas.openxmlformats.org/officeDocument/2006/relationships" type="fourObj" preserve="1">
+<p:sldLayout xmlns:a="http://schemas.openxmlformats.org/drawingml/2006/main" xmlns:r="http://schemas.openxmlformats.org/officeDocument/2006/relationships" xmlns:p="http://schemas.openxmlformats.org/presentationml/2006/main" type="fourObj" preserve="1">
   <p:cSld name="Title, 4 Content">
     <p:spTree>
       <p:nvGrpSpPr>
@@ -1423,7 +1600,8 @@
           </a:prstGeom>
         </p:spPr>
         <p:txBody>
-          <a:bodyPr lIns="0" rIns="0" tIns="0" bIns="0" anchor="ctr"/>
+          <a:bodyPr lIns="0" tIns="0" rIns="0" bIns="0" anchor="ctr"/>
+          <a:lstStyle/>
           <a:p>
             <a:endParaRPr/>
           </a:p>
@@ -1449,7 +1627,8 @@
           </a:prstGeom>
         </p:spPr>
         <p:txBody>
-          <a:bodyPr lIns="0" rIns="0" tIns="0" bIns="0"/>
+          <a:bodyPr lIns="0" tIns="0" rIns="0" bIns="0"/>
+          <a:lstStyle/>
           <a:p>
             <a:endParaRPr/>
           </a:p>
@@ -1475,7 +1654,8 @@
           </a:prstGeom>
         </p:spPr>
         <p:txBody>
-          <a:bodyPr lIns="0" rIns="0" tIns="0" bIns="0"/>
+          <a:bodyPr lIns="0" tIns="0" rIns="0" bIns="0"/>
+          <a:lstStyle/>
           <a:p>
             <a:endParaRPr/>
           </a:p>
@@ -1501,7 +1681,8 @@
           </a:prstGeom>
         </p:spPr>
         <p:txBody>
-          <a:bodyPr lIns="0" rIns="0" tIns="0" bIns="0"/>
+          <a:bodyPr lIns="0" tIns="0" rIns="0" bIns="0"/>
+          <a:lstStyle/>
           <a:p>
             <a:endParaRPr/>
           </a:p>
@@ -1527,7 +1708,8 @@
           </a:prstGeom>
         </p:spPr>
         <p:txBody>
-          <a:bodyPr lIns="0" rIns="0" tIns="0" bIns="0"/>
+          <a:bodyPr lIns="0" tIns="0" rIns="0" bIns="0"/>
+          <a:lstStyle/>
           <a:p>
             <a:endParaRPr/>
           </a:p>
@@ -1535,11 +1717,14 @@
       </p:sp>
     </p:spTree>
   </p:cSld>
+  <p:clrMapOvr>
+    <a:masterClrMapping/>
+  </p:clrMapOvr>
 </p:sldLayout>
 </file>
 
 <file path=ppt/slideLayouts/slideLayout24.xml><?xml version="1.0" encoding="utf-8"?>
-<p:sldLayout xmlns:a="http://schemas.openxmlformats.org/drawingml/2006/main" xmlns:p="http://schemas.openxmlformats.org/presentationml/2006/main" xmlns:r="http://schemas.openxmlformats.org/officeDocument/2006/relationships" type="blank" preserve="1">
+<p:sldLayout xmlns:a="http://schemas.openxmlformats.org/drawingml/2006/main" xmlns:r="http://schemas.openxmlformats.org/officeDocument/2006/relationships" xmlns:p="http://schemas.openxmlformats.org/presentationml/2006/main" type="blank" preserve="1">
   <p:cSld name="Title, 6 Content">
     <p:spTree>
       <p:nvGrpSpPr>
@@ -1575,7 +1760,8 @@
           </a:prstGeom>
         </p:spPr>
         <p:txBody>
-          <a:bodyPr lIns="0" rIns="0" tIns="0" bIns="0" anchor="ctr"/>
+          <a:bodyPr lIns="0" tIns="0" rIns="0" bIns="0" anchor="ctr"/>
+          <a:lstStyle/>
           <a:p>
             <a:endParaRPr/>
           </a:p>
@@ -1601,7 +1787,8 @@
           </a:prstGeom>
         </p:spPr>
         <p:txBody>
-          <a:bodyPr lIns="0" rIns="0" tIns="0" bIns="0"/>
+          <a:bodyPr lIns="0" tIns="0" rIns="0" bIns="0"/>
+          <a:lstStyle/>
           <a:p>
             <a:endParaRPr/>
           </a:p>
@@ -1627,7 +1814,8 @@
           </a:prstGeom>
         </p:spPr>
         <p:txBody>
-          <a:bodyPr lIns="0" rIns="0" tIns="0" bIns="0"/>
+          <a:bodyPr lIns="0" tIns="0" rIns="0" bIns="0"/>
+          <a:lstStyle/>
           <a:p>
             <a:endParaRPr/>
           </a:p>
@@ -1635,7 +1823,7 @@
       </p:sp>
       <p:pic>
         <p:nvPicPr>
-          <p:cNvPr id="76" name="" descr=""/>
+          <p:cNvPr id="76" name="Picture 75"/>
           <p:cNvPicPr/>
           <p:nvPr/>
         </p:nvPicPr>
@@ -1660,12 +1848,12 @@
       </p:pic>
       <p:pic>
         <p:nvPicPr>
-          <p:cNvPr id="77" name="" descr=""/>
+          <p:cNvPr id="77" name="Picture 76"/>
           <p:cNvPicPr/>
           <p:nvPr/>
         </p:nvPicPr>
         <p:blipFill>
-          <a:blip r:embed="rId3"/>
+          <a:blip r:embed="rId2"/>
           <a:stretch>
             <a:fillRect/>
           </a:stretch>
@@ -1685,11 +1873,14 @@
       </p:pic>
     </p:spTree>
   </p:cSld>
+  <p:clrMapOvr>
+    <a:masterClrMapping/>
+  </p:clrMapOvr>
 </p:sldLayout>
 </file>
 
 <file path=ppt/slideLayouts/slideLayout3.xml><?xml version="1.0" encoding="utf-8"?>
-<p:sldLayout xmlns:a="http://schemas.openxmlformats.org/drawingml/2006/main" xmlns:p="http://schemas.openxmlformats.org/presentationml/2006/main" xmlns:r="http://schemas.openxmlformats.org/officeDocument/2006/relationships" type="obj" preserve="1">
+<p:sldLayout xmlns:a="http://schemas.openxmlformats.org/drawingml/2006/main" xmlns:r="http://schemas.openxmlformats.org/officeDocument/2006/relationships" xmlns:p="http://schemas.openxmlformats.org/presentationml/2006/main" type="obj" preserve="1">
   <p:cSld name="Title, Content">
     <p:spTree>
       <p:nvGrpSpPr>
@@ -1725,7 +1916,8 @@
           </a:prstGeom>
         </p:spPr>
         <p:txBody>
-          <a:bodyPr lIns="0" rIns="0" tIns="0" bIns="0" anchor="ctr"/>
+          <a:bodyPr lIns="0" tIns="0" rIns="0" bIns="0" anchor="ctr"/>
+          <a:lstStyle/>
           <a:p>
             <a:endParaRPr/>
           </a:p>
@@ -1751,7 +1943,8 @@
           </a:prstGeom>
         </p:spPr>
         <p:txBody>
-          <a:bodyPr lIns="0" rIns="0" tIns="0" bIns="0"/>
+          <a:bodyPr lIns="0" tIns="0" rIns="0" bIns="0"/>
+          <a:lstStyle/>
           <a:p>
             <a:endParaRPr/>
           </a:p>
@@ -1759,11 +1952,14 @@
       </p:sp>
     </p:spTree>
   </p:cSld>
+  <p:clrMapOvr>
+    <a:masterClrMapping/>
+  </p:clrMapOvr>
 </p:sldLayout>
 </file>
 
 <file path=ppt/slideLayouts/slideLayout4.xml><?xml version="1.0" encoding="utf-8"?>
-<p:sldLayout xmlns:a="http://schemas.openxmlformats.org/drawingml/2006/main" xmlns:p="http://schemas.openxmlformats.org/presentationml/2006/main" xmlns:r="http://schemas.openxmlformats.org/officeDocument/2006/relationships" type="twoObj" preserve="1">
+<p:sldLayout xmlns:a="http://schemas.openxmlformats.org/drawingml/2006/main" xmlns:r="http://schemas.openxmlformats.org/officeDocument/2006/relationships" xmlns:p="http://schemas.openxmlformats.org/presentationml/2006/main" type="twoObj" preserve="1">
   <p:cSld name="Title, 2 Content">
     <p:spTree>
       <p:nvGrpSpPr>
@@ -1799,7 +1995,8 @@
           </a:prstGeom>
         </p:spPr>
         <p:txBody>
-          <a:bodyPr lIns="0" rIns="0" tIns="0" bIns="0" anchor="ctr"/>
+          <a:bodyPr lIns="0" tIns="0" rIns="0" bIns="0" anchor="ctr"/>
+          <a:lstStyle/>
           <a:p>
             <a:endParaRPr/>
           </a:p>
@@ -1825,7 +2022,8 @@
           </a:prstGeom>
         </p:spPr>
         <p:txBody>
-          <a:bodyPr lIns="0" rIns="0" tIns="0" bIns="0"/>
+          <a:bodyPr lIns="0" tIns="0" rIns="0" bIns="0"/>
+          <a:lstStyle/>
           <a:p>
             <a:endParaRPr/>
           </a:p>
@@ -1851,7 +2049,8 @@
           </a:prstGeom>
         </p:spPr>
         <p:txBody>
-          <a:bodyPr lIns="0" rIns="0" tIns="0" bIns="0"/>
+          <a:bodyPr lIns="0" tIns="0" rIns="0" bIns="0"/>
+          <a:lstStyle/>
           <a:p>
             <a:endParaRPr/>
           </a:p>
@@ -1859,11 +2058,14 @@
       </p:sp>
     </p:spTree>
   </p:cSld>
+  <p:clrMapOvr>
+    <a:masterClrMapping/>
+  </p:clrMapOvr>
 </p:sldLayout>
 </file>
 
 <file path=ppt/slideLayouts/slideLayout5.xml><?xml version="1.0" encoding="utf-8"?>
-<p:sldLayout xmlns:a="http://schemas.openxmlformats.org/drawingml/2006/main" xmlns:p="http://schemas.openxmlformats.org/presentationml/2006/main" xmlns:r="http://schemas.openxmlformats.org/officeDocument/2006/relationships" type="titleOnly" preserve="1">
+<p:sldLayout xmlns:a="http://schemas.openxmlformats.org/drawingml/2006/main" xmlns:r="http://schemas.openxmlformats.org/officeDocument/2006/relationships" xmlns:p="http://schemas.openxmlformats.org/presentationml/2006/main" type="titleOnly" preserve="1">
   <p:cSld name="Title Only">
     <p:spTree>
       <p:nvGrpSpPr>
@@ -1899,7 +2101,8 @@
           </a:prstGeom>
         </p:spPr>
         <p:txBody>
-          <a:bodyPr lIns="0" rIns="0" tIns="0" bIns="0" anchor="ctr"/>
+          <a:bodyPr lIns="0" tIns="0" rIns="0" bIns="0" anchor="ctr"/>
+          <a:lstStyle/>
           <a:p>
             <a:endParaRPr/>
           </a:p>
@@ -1907,11 +2110,14 @@
       </p:sp>
     </p:spTree>
   </p:cSld>
+  <p:clrMapOvr>
+    <a:masterClrMapping/>
+  </p:clrMapOvr>
 </p:sldLayout>
 </file>
 
 <file path=ppt/slideLayouts/slideLayout6.xml><?xml version="1.0" encoding="utf-8"?>
-<p:sldLayout xmlns:a="http://schemas.openxmlformats.org/drawingml/2006/main" xmlns:p="http://schemas.openxmlformats.org/presentationml/2006/main" xmlns:r="http://schemas.openxmlformats.org/officeDocument/2006/relationships" type="objOnly" preserve="1">
+<p:sldLayout xmlns:a="http://schemas.openxmlformats.org/drawingml/2006/main" xmlns:r="http://schemas.openxmlformats.org/officeDocument/2006/relationships" xmlns:p="http://schemas.openxmlformats.org/presentationml/2006/main" type="objOnly" preserve="1">
   <p:cSld name="Centered Text">
     <p:spTree>
       <p:nvGrpSpPr>
@@ -1947,7 +2153,8 @@
           </a:prstGeom>
         </p:spPr>
         <p:txBody>
-          <a:bodyPr lIns="0" rIns="0" tIns="0" bIns="0" anchor="ctr"/>
+          <a:bodyPr lIns="0" tIns="0" rIns="0" bIns="0" anchor="ctr"/>
+          <a:lstStyle/>
           <a:p>
             <a:pPr algn="ctr"/>
             <a:endParaRPr/>
@@ -1956,11 +2163,14 @@
       </p:sp>
     </p:spTree>
   </p:cSld>
+  <p:clrMapOvr>
+    <a:masterClrMapping/>
+  </p:clrMapOvr>
 </p:sldLayout>
 </file>
 
 <file path=ppt/slideLayouts/slideLayout7.xml><?xml version="1.0" encoding="utf-8"?>
-<p:sldLayout xmlns:a="http://schemas.openxmlformats.org/drawingml/2006/main" xmlns:p="http://schemas.openxmlformats.org/presentationml/2006/main" xmlns:r="http://schemas.openxmlformats.org/officeDocument/2006/relationships" type="twoObjAndObj" preserve="1">
+<p:sldLayout xmlns:a="http://schemas.openxmlformats.org/drawingml/2006/main" xmlns:r="http://schemas.openxmlformats.org/officeDocument/2006/relationships" xmlns:p="http://schemas.openxmlformats.org/presentationml/2006/main" type="twoObjAndObj" preserve="1">
   <p:cSld name="Title, 2 Content and Content">
     <p:spTree>
       <p:nvGrpSpPr>
@@ -1996,7 +2206,8 @@
           </a:prstGeom>
         </p:spPr>
         <p:txBody>
-          <a:bodyPr lIns="0" rIns="0" tIns="0" bIns="0" anchor="ctr"/>
+          <a:bodyPr lIns="0" tIns="0" rIns="0" bIns="0" anchor="ctr"/>
+          <a:lstStyle/>
           <a:p>
             <a:endParaRPr/>
           </a:p>
@@ -2022,7 +2233,8 @@
           </a:prstGeom>
         </p:spPr>
         <p:txBody>
-          <a:bodyPr lIns="0" rIns="0" tIns="0" bIns="0"/>
+          <a:bodyPr lIns="0" tIns="0" rIns="0" bIns="0"/>
+          <a:lstStyle/>
           <a:p>
             <a:endParaRPr/>
           </a:p>
@@ -2048,7 +2260,8 @@
           </a:prstGeom>
         </p:spPr>
         <p:txBody>
-          <a:bodyPr lIns="0" rIns="0" tIns="0" bIns="0"/>
+          <a:bodyPr lIns="0" tIns="0" rIns="0" bIns="0"/>
+          <a:lstStyle/>
           <a:p>
             <a:endParaRPr/>
           </a:p>
@@ -2074,7 +2287,8 @@
           </a:prstGeom>
         </p:spPr>
         <p:txBody>
-          <a:bodyPr lIns="0" rIns="0" tIns="0" bIns="0"/>
+          <a:bodyPr lIns="0" tIns="0" rIns="0" bIns="0"/>
+          <a:lstStyle/>
           <a:p>
             <a:endParaRPr/>
           </a:p>
@@ -2082,11 +2296,14 @@
       </p:sp>
     </p:spTree>
   </p:cSld>
+  <p:clrMapOvr>
+    <a:masterClrMapping/>
+  </p:clrMapOvr>
 </p:sldLayout>
 </file>
 
 <file path=ppt/slideLayouts/slideLayout8.xml><?xml version="1.0" encoding="utf-8"?>
-<p:sldLayout xmlns:a="http://schemas.openxmlformats.org/drawingml/2006/main" xmlns:p="http://schemas.openxmlformats.org/presentationml/2006/main" xmlns:r="http://schemas.openxmlformats.org/officeDocument/2006/relationships" type="objAndTwoObj" preserve="1">
+<p:sldLayout xmlns:a="http://schemas.openxmlformats.org/drawingml/2006/main" xmlns:r="http://schemas.openxmlformats.org/officeDocument/2006/relationships" xmlns:p="http://schemas.openxmlformats.org/presentationml/2006/main" type="objAndTwoObj" preserve="1">
   <p:cSld name="Title Content and 2 Content">
     <p:spTree>
       <p:nvGrpSpPr>
@@ -2122,7 +2339,8 @@
           </a:prstGeom>
         </p:spPr>
         <p:txBody>
-          <a:bodyPr lIns="0" rIns="0" tIns="0" bIns="0" anchor="ctr"/>
+          <a:bodyPr lIns="0" tIns="0" rIns="0" bIns="0" anchor="ctr"/>
+          <a:lstStyle/>
           <a:p>
             <a:endParaRPr/>
           </a:p>
@@ -2148,7 +2366,8 @@
           </a:prstGeom>
         </p:spPr>
         <p:txBody>
-          <a:bodyPr lIns="0" rIns="0" tIns="0" bIns="0"/>
+          <a:bodyPr lIns="0" tIns="0" rIns="0" bIns="0"/>
+          <a:lstStyle/>
           <a:p>
             <a:endParaRPr/>
           </a:p>
@@ -2174,7 +2393,8 @@
           </a:prstGeom>
         </p:spPr>
         <p:txBody>
-          <a:bodyPr lIns="0" rIns="0" tIns="0" bIns="0"/>
+          <a:bodyPr lIns="0" tIns="0" rIns="0" bIns="0"/>
+          <a:lstStyle/>
           <a:p>
             <a:endParaRPr/>
           </a:p>
@@ -2200,7 +2420,8 @@
           </a:prstGeom>
         </p:spPr>
         <p:txBody>
-          <a:bodyPr lIns="0" rIns="0" tIns="0" bIns="0"/>
+          <a:bodyPr lIns="0" tIns="0" rIns="0" bIns="0"/>
+          <a:lstStyle/>
           <a:p>
             <a:endParaRPr/>
           </a:p>
@@ -2208,11 +2429,14 @@
       </p:sp>
     </p:spTree>
   </p:cSld>
+  <p:clrMapOvr>
+    <a:masterClrMapping/>
+  </p:clrMapOvr>
 </p:sldLayout>
 </file>
 
 <file path=ppt/slideLayouts/slideLayout9.xml><?xml version="1.0" encoding="utf-8"?>
-<p:sldLayout xmlns:a="http://schemas.openxmlformats.org/drawingml/2006/main" xmlns:p="http://schemas.openxmlformats.org/presentationml/2006/main" xmlns:r="http://schemas.openxmlformats.org/officeDocument/2006/relationships" type="twoObjOverTx" preserve="1">
+<p:sldLayout xmlns:a="http://schemas.openxmlformats.org/drawingml/2006/main" xmlns:r="http://schemas.openxmlformats.org/officeDocument/2006/relationships" xmlns:p="http://schemas.openxmlformats.org/presentationml/2006/main" type="twoObjOverTx" preserve="1">
   <p:cSld name="Title, 2 Content over Content">
     <p:spTree>
       <p:nvGrpSpPr>
@@ -2248,7 +2472,8 @@
           </a:prstGeom>
         </p:spPr>
         <p:txBody>
-          <a:bodyPr lIns="0" rIns="0" tIns="0" bIns="0" anchor="ctr"/>
+          <a:bodyPr lIns="0" tIns="0" rIns="0" bIns="0" anchor="ctr"/>
+          <a:lstStyle/>
           <a:p>
             <a:endParaRPr/>
           </a:p>
@@ -2274,7 +2499,8 @@
           </a:prstGeom>
         </p:spPr>
         <p:txBody>
-          <a:bodyPr lIns="0" rIns="0" tIns="0" bIns="0"/>
+          <a:bodyPr lIns="0" tIns="0" rIns="0" bIns="0"/>
+          <a:lstStyle/>
           <a:p>
             <a:endParaRPr/>
           </a:p>
@@ -2300,7 +2526,8 @@
           </a:prstGeom>
         </p:spPr>
         <p:txBody>
-          <a:bodyPr lIns="0" rIns="0" tIns="0" bIns="0"/>
+          <a:bodyPr lIns="0" tIns="0" rIns="0" bIns="0"/>
+          <a:lstStyle/>
           <a:p>
             <a:endParaRPr/>
           </a:p>
@@ -2326,7 +2553,8 @@
           </a:prstGeom>
         </p:spPr>
         <p:txBody>
-          <a:bodyPr lIns="0" rIns="0" tIns="0" bIns="0"/>
+          <a:bodyPr lIns="0" tIns="0" rIns="0" bIns="0"/>
+          <a:lstStyle/>
           <a:p>
             <a:endParaRPr/>
           </a:p>
@@ -2334,17 +2562,21 @@
       </p:sp>
     </p:spTree>
   </p:cSld>
+  <p:clrMapOvr>
+    <a:masterClrMapping/>
+  </p:clrMapOvr>
 </p:sldLayout>
 </file>
 
 <file path=ppt/slideMasters/slideMaster1.xml><?xml version="1.0" encoding="utf-8"?>
-<p:sldMaster xmlns:a="http://schemas.openxmlformats.org/drawingml/2006/main" xmlns:p="http://schemas.openxmlformats.org/presentationml/2006/main" xmlns:r="http://schemas.openxmlformats.org/officeDocument/2006/relationships">
+<p:sldMaster xmlns:a="http://schemas.openxmlformats.org/drawingml/2006/main" xmlns:r="http://schemas.openxmlformats.org/officeDocument/2006/relationships" xmlns:p="http://schemas.openxmlformats.org/presentationml/2006/main">
   <p:cSld>
     <p:bg>
       <p:bgPr>
         <a:solidFill>
-          <a:srgbClr val="ffffff"/>
+          <a:srgbClr val="FFFFFF"/>
         </a:solidFill>
+        <a:effectLst/>
       </p:bgPr>
     </p:bg>
     <p:spTree>
@@ -2363,7 +2595,7 @@
       </p:grpSpPr>
       <p:sp>
         <p:nvSpPr>
-          <p:cNvPr id="0" name="PlaceHolder 1"/>
+          <p:cNvPr id="5" name="PlaceHolder 1"/>
           <p:cNvSpPr>
             <a:spLocks noGrp="1"/>
           </p:cNvSpPr>
@@ -2382,6 +2614,7 @@
         </p:spPr>
         <p:txBody>
           <a:bodyPr anchor="ctr"/>
+          <a:lstStyle/>
           <a:p>
             <a:pPr algn="ctr">
               <a:lnSpc>
@@ -2403,7 +2636,7 @@
       </p:sp>
       <p:sp>
         <p:nvSpPr>
-          <p:cNvPr id="1" name="PlaceHolder 2"/>
+          <p:cNvPr id="6" name="PlaceHolder 2"/>
           <p:cNvSpPr>
             <a:spLocks noGrp="1"/>
           </p:cNvSpPr>
@@ -2422,6 +2655,7 @@
         </p:spPr>
         <p:txBody>
           <a:bodyPr anchor="ctr"/>
+          <a:lstStyle/>
           <a:p>
             <a:pPr>
               <a:lnSpc>
@@ -2429,15 +2663,15 @@
               </a:lnSpc>
             </a:pPr>
             <a:r>
-              <a:rPr lang="en-US" sz="1200">
-                <a:solidFill>
-                  <a:srgbClr val="8b8b8b"/>
+              <a:rPr lang="en-US" sz="1200" dirty="0">
+                <a:solidFill>
+                  <a:srgbClr val="8B8B8B"/>
                 </a:solidFill>
                 <a:latin typeface="Calibri"/>
               </a:rPr>
               <a:t>6/26/14</a:t>
             </a:r>
-            <a:endParaRPr/>
+            <a:endParaRPr dirty="0"/>
           </a:p>
         </p:txBody>
       </p:sp>
@@ -2462,8 +2696,9 @@
         </p:spPr>
         <p:txBody>
           <a:bodyPr anchor="ctr"/>
-          <a:p>
-            <a:endParaRPr/>
+          <a:lstStyle/>
+          <a:p>
+            <a:endParaRPr dirty="0"/>
           </a:p>
         </p:txBody>
       </p:sp>
@@ -2488,6 +2723,7 @@
         </p:spPr>
         <p:txBody>
           <a:bodyPr anchor="ctr"/>
+          <a:lstStyle/>
           <a:p>
             <a:pPr algn="r">
               <a:lnSpc>
@@ -2497,13 +2733,13 @@
             <a:fld id="{50DE270E-2703-4D69-96EB-D867934251B3}" type="slidenum">
               <a:rPr lang="en-US" sz="1200">
                 <a:solidFill>
-                  <a:srgbClr val="8b8b8b"/>
-                </a:solidFill>
-                <a:latin typeface="Calibri"/>
-              </a:rPr>
-              <a:t>&lt;number&gt;</a:t>
+                  <a:srgbClr val="8B8B8B"/>
+                </a:solidFill>
+                <a:latin typeface="Calibri"/>
+              </a:rPr>
+              <a:t>‹#›</a:t>
             </a:fld>
-            <a:endParaRPr/>
+            <a:endParaRPr dirty="0"/>
           </a:p>
         </p:txBody>
       </p:sp>
@@ -2527,7 +2763,8 @@
           </a:prstGeom>
         </p:spPr>
         <p:txBody>
-          <a:bodyPr lIns="0" rIns="0" tIns="0" bIns="0"/>
+          <a:bodyPr lIns="0" tIns="0" rIns="0" bIns="0"/>
+          <a:lstStyle/>
           <a:p>
             <a:pPr>
               <a:buSzPct val="45000"/>
@@ -2630,32 +2867,313 @@
       </p:sp>
     </p:spTree>
   </p:cSld>
-  <p:clrMap bg1="lt1" bg2="lt2" tx1="dk1" tx2="dk2" accent1="accent1" accent2="accent2" accent3="accent3" accent4="accent4" accent5="accent5" accent6="accent6" hlink="hlink" folHlink="folHlink"/>
+  <p:clrMap bg1="lt1" tx1="dk1" bg2="lt2" tx2="dk2" accent1="accent1" accent2="accent2" accent3="accent3" accent4="accent4" accent5="accent5" accent6="accent6" hlink="hlink" folHlink="folHlink"/>
   <p:sldLayoutIdLst>
-    <p:sldLayoutId id="2147483649" r:id="rId2"/>
-    <p:sldLayoutId id="2147483650" r:id="rId3"/>
-    <p:sldLayoutId id="2147483651" r:id="rId4"/>
-    <p:sldLayoutId id="2147483652" r:id="rId5"/>
-    <p:sldLayoutId id="2147483653" r:id="rId6"/>
-    <p:sldLayoutId id="2147483654" r:id="rId7"/>
-    <p:sldLayoutId id="2147483655" r:id="rId8"/>
-    <p:sldLayoutId id="2147483656" r:id="rId9"/>
-    <p:sldLayoutId id="2147483657" r:id="rId10"/>
-    <p:sldLayoutId id="2147483658" r:id="rId11"/>
-    <p:sldLayoutId id="2147483659" r:id="rId12"/>
-    <p:sldLayoutId id="2147483660" r:id="rId13"/>
+    <p:sldLayoutId id="2147483649" r:id="rId1"/>
+    <p:sldLayoutId id="2147483650" r:id="rId2"/>
+    <p:sldLayoutId id="2147483651" r:id="rId3"/>
+    <p:sldLayoutId id="2147483652" r:id="rId4"/>
+    <p:sldLayoutId id="2147483653" r:id="rId5"/>
+    <p:sldLayoutId id="2147483654" r:id="rId6"/>
+    <p:sldLayoutId id="2147483655" r:id="rId7"/>
+    <p:sldLayoutId id="2147483656" r:id="rId8"/>
+    <p:sldLayoutId id="2147483657" r:id="rId9"/>
+    <p:sldLayoutId id="2147483658" r:id="rId10"/>
+    <p:sldLayoutId id="2147483659" r:id="rId11"/>
+    <p:sldLayoutId id="2147483660" r:id="rId12"/>
   </p:sldLayoutIdLst>
+  <p:txStyles>
+    <p:titleStyle>
+      <a:lvl1pPr algn="l" defTabSz="914400" rtl="0" eaLnBrk="1" latinLnBrk="0" hangingPunct="1">
+        <a:lnSpc>
+          <a:spcPct val="90000"/>
+        </a:lnSpc>
+        <a:spcBef>
+          <a:spcPct val="0"/>
+        </a:spcBef>
+        <a:buNone/>
+        <a:defRPr sz="4400" kern="1200">
+          <a:solidFill>
+            <a:schemeClr val="tx1"/>
+          </a:solidFill>
+          <a:latin typeface="+mj-lt"/>
+          <a:ea typeface="+mj-ea"/>
+          <a:cs typeface="+mj-cs"/>
+        </a:defRPr>
+      </a:lvl1pPr>
+    </p:titleStyle>
+    <p:bodyStyle>
+      <a:lvl1pPr marL="228600" indent="-228600" algn="l" defTabSz="914400" rtl="0" eaLnBrk="1" latinLnBrk="0" hangingPunct="1">
+        <a:lnSpc>
+          <a:spcPct val="90000"/>
+        </a:lnSpc>
+        <a:spcBef>
+          <a:spcPts val="1000"/>
+        </a:spcBef>
+        <a:buFont typeface="Arial" panose="020B0604020202020204" pitchFamily="34" charset="0"/>
+        <a:buChar char="•"/>
+        <a:defRPr sz="2800" kern="1200">
+          <a:solidFill>
+            <a:schemeClr val="tx1"/>
+          </a:solidFill>
+          <a:latin typeface="+mn-lt"/>
+          <a:ea typeface="+mn-ea"/>
+          <a:cs typeface="+mn-cs"/>
+        </a:defRPr>
+      </a:lvl1pPr>
+      <a:lvl2pPr marL="685800" indent="-228600" algn="l" defTabSz="914400" rtl="0" eaLnBrk="1" latinLnBrk="0" hangingPunct="1">
+        <a:lnSpc>
+          <a:spcPct val="90000"/>
+        </a:lnSpc>
+        <a:spcBef>
+          <a:spcPts val="500"/>
+        </a:spcBef>
+        <a:buFont typeface="Arial" panose="020B0604020202020204" pitchFamily="34" charset="0"/>
+        <a:buChar char="•"/>
+        <a:defRPr sz="2400" kern="1200">
+          <a:solidFill>
+            <a:schemeClr val="tx1"/>
+          </a:solidFill>
+          <a:latin typeface="+mn-lt"/>
+          <a:ea typeface="+mn-ea"/>
+          <a:cs typeface="+mn-cs"/>
+        </a:defRPr>
+      </a:lvl2pPr>
+      <a:lvl3pPr marL="1143000" indent="-228600" algn="l" defTabSz="914400" rtl="0" eaLnBrk="1" latinLnBrk="0" hangingPunct="1">
+        <a:lnSpc>
+          <a:spcPct val="90000"/>
+        </a:lnSpc>
+        <a:spcBef>
+          <a:spcPts val="500"/>
+        </a:spcBef>
+        <a:buFont typeface="Arial" panose="020B0604020202020204" pitchFamily="34" charset="0"/>
+        <a:buChar char="•"/>
+        <a:defRPr sz="2000" kern="1200">
+          <a:solidFill>
+            <a:schemeClr val="tx1"/>
+          </a:solidFill>
+          <a:latin typeface="+mn-lt"/>
+          <a:ea typeface="+mn-ea"/>
+          <a:cs typeface="+mn-cs"/>
+        </a:defRPr>
+      </a:lvl3pPr>
+      <a:lvl4pPr marL="1600200" indent="-228600" algn="l" defTabSz="914400" rtl="0" eaLnBrk="1" latinLnBrk="0" hangingPunct="1">
+        <a:lnSpc>
+          <a:spcPct val="90000"/>
+        </a:lnSpc>
+        <a:spcBef>
+          <a:spcPts val="500"/>
+        </a:spcBef>
+        <a:buFont typeface="Arial" panose="020B0604020202020204" pitchFamily="34" charset="0"/>
+        <a:buChar char="•"/>
+        <a:defRPr sz="1800" kern="1200">
+          <a:solidFill>
+            <a:schemeClr val="tx1"/>
+          </a:solidFill>
+          <a:latin typeface="+mn-lt"/>
+          <a:ea typeface="+mn-ea"/>
+          <a:cs typeface="+mn-cs"/>
+        </a:defRPr>
+      </a:lvl4pPr>
+      <a:lvl5pPr marL="2057400" indent="-228600" algn="l" defTabSz="914400" rtl="0" eaLnBrk="1" latinLnBrk="0" hangingPunct="1">
+        <a:lnSpc>
+          <a:spcPct val="90000"/>
+        </a:lnSpc>
+        <a:spcBef>
+          <a:spcPts val="500"/>
+        </a:spcBef>
+        <a:buFont typeface="Arial" panose="020B0604020202020204" pitchFamily="34" charset="0"/>
+        <a:buChar char="•"/>
+        <a:defRPr sz="1800" kern="1200">
+          <a:solidFill>
+            <a:schemeClr val="tx1"/>
+          </a:solidFill>
+          <a:latin typeface="+mn-lt"/>
+          <a:ea typeface="+mn-ea"/>
+          <a:cs typeface="+mn-cs"/>
+        </a:defRPr>
+      </a:lvl5pPr>
+      <a:lvl6pPr marL="2514600" indent="-228600" algn="l" defTabSz="914400" rtl="0" eaLnBrk="1" latinLnBrk="0" hangingPunct="1">
+        <a:lnSpc>
+          <a:spcPct val="90000"/>
+        </a:lnSpc>
+        <a:spcBef>
+          <a:spcPts val="500"/>
+        </a:spcBef>
+        <a:buFont typeface="Arial" panose="020B0604020202020204" pitchFamily="34" charset="0"/>
+        <a:buChar char="•"/>
+        <a:defRPr sz="1800" kern="1200">
+          <a:solidFill>
+            <a:schemeClr val="tx1"/>
+          </a:solidFill>
+          <a:latin typeface="+mn-lt"/>
+          <a:ea typeface="+mn-ea"/>
+          <a:cs typeface="+mn-cs"/>
+        </a:defRPr>
+      </a:lvl6pPr>
+      <a:lvl7pPr marL="2971800" indent="-228600" algn="l" defTabSz="914400" rtl="0" eaLnBrk="1" latinLnBrk="0" hangingPunct="1">
+        <a:lnSpc>
+          <a:spcPct val="90000"/>
+        </a:lnSpc>
+        <a:spcBef>
+          <a:spcPts val="500"/>
+        </a:spcBef>
+        <a:buFont typeface="Arial" panose="020B0604020202020204" pitchFamily="34" charset="0"/>
+        <a:buChar char="•"/>
+        <a:defRPr sz="1800" kern="1200">
+          <a:solidFill>
+            <a:schemeClr val="tx1"/>
+          </a:solidFill>
+          <a:latin typeface="+mn-lt"/>
+          <a:ea typeface="+mn-ea"/>
+          <a:cs typeface="+mn-cs"/>
+        </a:defRPr>
+      </a:lvl7pPr>
+      <a:lvl8pPr marL="3429000" indent="-228600" algn="l" defTabSz="914400" rtl="0" eaLnBrk="1" latinLnBrk="0" hangingPunct="1">
+        <a:lnSpc>
+          <a:spcPct val="90000"/>
+        </a:lnSpc>
+        <a:spcBef>
+          <a:spcPts val="500"/>
+        </a:spcBef>
+        <a:buFont typeface="Arial" panose="020B0604020202020204" pitchFamily="34" charset="0"/>
+        <a:buChar char="•"/>
+        <a:defRPr sz="1800" kern="1200">
+          <a:solidFill>
+            <a:schemeClr val="tx1"/>
+          </a:solidFill>
+          <a:latin typeface="+mn-lt"/>
+          <a:ea typeface="+mn-ea"/>
+          <a:cs typeface="+mn-cs"/>
+        </a:defRPr>
+      </a:lvl8pPr>
+      <a:lvl9pPr marL="3886200" indent="-228600" algn="l" defTabSz="914400" rtl="0" eaLnBrk="1" latinLnBrk="0" hangingPunct="1">
+        <a:lnSpc>
+          <a:spcPct val="90000"/>
+        </a:lnSpc>
+        <a:spcBef>
+          <a:spcPts val="500"/>
+        </a:spcBef>
+        <a:buFont typeface="Arial" panose="020B0604020202020204" pitchFamily="34" charset="0"/>
+        <a:buChar char="•"/>
+        <a:defRPr sz="1800" kern="1200">
+          <a:solidFill>
+            <a:schemeClr val="tx1"/>
+          </a:solidFill>
+          <a:latin typeface="+mn-lt"/>
+          <a:ea typeface="+mn-ea"/>
+          <a:cs typeface="+mn-cs"/>
+        </a:defRPr>
+      </a:lvl9pPr>
+    </p:bodyStyle>
+    <p:otherStyle>
+      <a:defPPr>
+        <a:defRPr lang="nl-NL"/>
+      </a:defPPr>
+      <a:lvl1pPr marL="0" algn="l" defTabSz="914400" rtl="0" eaLnBrk="1" latinLnBrk="0" hangingPunct="1">
+        <a:defRPr sz="1800" kern="1200">
+          <a:solidFill>
+            <a:schemeClr val="tx1"/>
+          </a:solidFill>
+          <a:latin typeface="+mn-lt"/>
+          <a:ea typeface="+mn-ea"/>
+          <a:cs typeface="+mn-cs"/>
+        </a:defRPr>
+      </a:lvl1pPr>
+      <a:lvl2pPr marL="457200" algn="l" defTabSz="914400" rtl="0" eaLnBrk="1" latinLnBrk="0" hangingPunct="1">
+        <a:defRPr sz="1800" kern="1200">
+          <a:solidFill>
+            <a:schemeClr val="tx1"/>
+          </a:solidFill>
+          <a:latin typeface="+mn-lt"/>
+          <a:ea typeface="+mn-ea"/>
+          <a:cs typeface="+mn-cs"/>
+        </a:defRPr>
+      </a:lvl2pPr>
+      <a:lvl3pPr marL="914400" algn="l" defTabSz="914400" rtl="0" eaLnBrk="1" latinLnBrk="0" hangingPunct="1">
+        <a:defRPr sz="1800" kern="1200">
+          <a:solidFill>
+            <a:schemeClr val="tx1"/>
+          </a:solidFill>
+          <a:latin typeface="+mn-lt"/>
+          <a:ea typeface="+mn-ea"/>
+          <a:cs typeface="+mn-cs"/>
+        </a:defRPr>
+      </a:lvl3pPr>
+      <a:lvl4pPr marL="1371600" algn="l" defTabSz="914400" rtl="0" eaLnBrk="1" latinLnBrk="0" hangingPunct="1">
+        <a:defRPr sz="1800" kern="1200">
+          <a:solidFill>
+            <a:schemeClr val="tx1"/>
+          </a:solidFill>
+          <a:latin typeface="+mn-lt"/>
+          <a:ea typeface="+mn-ea"/>
+          <a:cs typeface="+mn-cs"/>
+        </a:defRPr>
+      </a:lvl4pPr>
+      <a:lvl5pPr marL="1828800" algn="l" defTabSz="914400" rtl="0" eaLnBrk="1" latinLnBrk="0" hangingPunct="1">
+        <a:defRPr sz="1800" kern="1200">
+          <a:solidFill>
+            <a:schemeClr val="tx1"/>
+          </a:solidFill>
+          <a:latin typeface="+mn-lt"/>
+          <a:ea typeface="+mn-ea"/>
+          <a:cs typeface="+mn-cs"/>
+        </a:defRPr>
+      </a:lvl5pPr>
+      <a:lvl6pPr marL="2286000" algn="l" defTabSz="914400" rtl="0" eaLnBrk="1" latinLnBrk="0" hangingPunct="1">
+        <a:defRPr sz="1800" kern="1200">
+          <a:solidFill>
+            <a:schemeClr val="tx1"/>
+          </a:solidFill>
+          <a:latin typeface="+mn-lt"/>
+          <a:ea typeface="+mn-ea"/>
+          <a:cs typeface="+mn-cs"/>
+        </a:defRPr>
+      </a:lvl6pPr>
+      <a:lvl7pPr marL="2743200" algn="l" defTabSz="914400" rtl="0" eaLnBrk="1" latinLnBrk="0" hangingPunct="1">
+        <a:defRPr sz="1800" kern="1200">
+          <a:solidFill>
+            <a:schemeClr val="tx1"/>
+          </a:solidFill>
+          <a:latin typeface="+mn-lt"/>
+          <a:ea typeface="+mn-ea"/>
+          <a:cs typeface="+mn-cs"/>
+        </a:defRPr>
+      </a:lvl7pPr>
+      <a:lvl8pPr marL="3200400" algn="l" defTabSz="914400" rtl="0" eaLnBrk="1" latinLnBrk="0" hangingPunct="1">
+        <a:defRPr sz="1800" kern="1200">
+          <a:solidFill>
+            <a:schemeClr val="tx1"/>
+          </a:solidFill>
+          <a:latin typeface="+mn-lt"/>
+          <a:ea typeface="+mn-ea"/>
+          <a:cs typeface="+mn-cs"/>
+        </a:defRPr>
+      </a:lvl8pPr>
+      <a:lvl9pPr marL="3657600" algn="l" defTabSz="914400" rtl="0" eaLnBrk="1" latinLnBrk="0" hangingPunct="1">
+        <a:defRPr sz="1800" kern="1200">
+          <a:solidFill>
+            <a:schemeClr val="tx1"/>
+          </a:solidFill>
+          <a:latin typeface="+mn-lt"/>
+          <a:ea typeface="+mn-ea"/>
+          <a:cs typeface="+mn-cs"/>
+        </a:defRPr>
+      </a:lvl9pPr>
+    </p:otherStyle>
+  </p:txStyles>
 </p:sldMaster>
 </file>
 
 <file path=ppt/slideMasters/slideMaster2.xml><?xml version="1.0" encoding="utf-8"?>
-<p:sldMaster xmlns:a="http://schemas.openxmlformats.org/drawingml/2006/main" xmlns:p="http://schemas.openxmlformats.org/presentationml/2006/main" xmlns:r="http://schemas.openxmlformats.org/officeDocument/2006/relationships">
+<p:sldMaster xmlns:a="http://schemas.openxmlformats.org/drawingml/2006/main" xmlns:r="http://schemas.openxmlformats.org/officeDocument/2006/relationships" xmlns:p="http://schemas.openxmlformats.org/presentationml/2006/main">
   <p:cSld>
     <p:bg>
       <p:bgPr>
         <a:solidFill>
-          <a:srgbClr val="ffffff"/>
+          <a:srgbClr val="FFFFFF"/>
         </a:solidFill>
+        <a:effectLst/>
       </p:bgPr>
     </p:bg>
     <p:spTree>
@@ -2693,6 +3211,7 @@
         </p:spPr>
         <p:txBody>
           <a:bodyPr anchor="ctr"/>
+          <a:lstStyle/>
           <a:p>
             <a:pPr algn="ctr">
               <a:lnSpc>
@@ -2733,6 +3252,7 @@
         </p:spPr>
         <p:txBody>
           <a:bodyPr/>
+          <a:lstStyle/>
           <a:p>
             <a:pPr>
               <a:buSzPct val="45000"/>
@@ -2953,6 +3473,7 @@
         </p:spPr>
         <p:txBody>
           <a:bodyPr anchor="ctr"/>
+          <a:lstStyle/>
           <a:p>
             <a:pPr>
               <a:lnSpc>
@@ -2960,15 +3481,15 @@
               </a:lnSpc>
             </a:pPr>
             <a:r>
-              <a:rPr lang="en-US" sz="1200">
-                <a:solidFill>
-                  <a:srgbClr val="8b8b8b"/>
+              <a:rPr lang="en-US" sz="1200" dirty="0">
+                <a:solidFill>
+                  <a:srgbClr val="8B8B8B"/>
                 </a:solidFill>
                 <a:latin typeface="Calibri"/>
               </a:rPr>
               <a:t>6/26/14</a:t>
             </a:r>
-            <a:endParaRPr/>
+            <a:endParaRPr dirty="0"/>
           </a:p>
         </p:txBody>
       </p:sp>
@@ -2993,8 +3514,9 @@
         </p:spPr>
         <p:txBody>
           <a:bodyPr anchor="ctr"/>
-          <a:p>
-            <a:endParaRPr/>
+          <a:lstStyle/>
+          <a:p>
+            <a:endParaRPr dirty="0"/>
           </a:p>
         </p:txBody>
       </p:sp>
@@ -3019,6 +3541,7 @@
         </p:spPr>
         <p:txBody>
           <a:bodyPr anchor="ctr"/>
+          <a:lstStyle/>
           <a:p>
             <a:pPr algn="r">
               <a:lnSpc>
@@ -3028,38 +3551,318 @@
             <a:fld id="{2F33494E-FC21-4760-9BED-3AF5A993583F}" type="slidenum">
               <a:rPr lang="en-US" sz="1200">
                 <a:solidFill>
-                  <a:srgbClr val="8b8b8b"/>
-                </a:solidFill>
-                <a:latin typeface="Calibri"/>
-              </a:rPr>
-              <a:t>&lt;number&gt;</a:t>
+                  <a:srgbClr val="8B8B8B"/>
+                </a:solidFill>
+                <a:latin typeface="Calibri"/>
+              </a:rPr>
+              <a:t>‹#›</a:t>
             </a:fld>
-            <a:endParaRPr/>
+            <a:endParaRPr dirty="0"/>
           </a:p>
         </p:txBody>
       </p:sp>
     </p:spTree>
   </p:cSld>
-  <p:clrMap bg1="lt1" bg2="lt2" tx1="dk1" tx2="dk2" accent1="accent1" accent2="accent2" accent3="accent3" accent4="accent4" accent5="accent5" accent6="accent6" hlink="hlink" folHlink="folHlink"/>
+  <p:clrMap bg1="lt1" tx1="dk1" bg2="lt2" tx2="dk2" accent1="accent1" accent2="accent2" accent3="accent3" accent4="accent4" accent5="accent5" accent6="accent6" hlink="hlink" folHlink="folHlink"/>
   <p:sldLayoutIdLst>
-    <p:sldLayoutId id="2147483662" r:id="rId2"/>
-    <p:sldLayoutId id="2147483663" r:id="rId3"/>
-    <p:sldLayoutId id="2147483664" r:id="rId4"/>
-    <p:sldLayoutId id="2147483665" r:id="rId5"/>
-    <p:sldLayoutId id="2147483666" r:id="rId6"/>
-    <p:sldLayoutId id="2147483667" r:id="rId7"/>
-    <p:sldLayoutId id="2147483668" r:id="rId8"/>
-    <p:sldLayoutId id="2147483669" r:id="rId9"/>
-    <p:sldLayoutId id="2147483670" r:id="rId10"/>
-    <p:sldLayoutId id="2147483671" r:id="rId11"/>
-    <p:sldLayoutId id="2147483672" r:id="rId12"/>
-    <p:sldLayoutId id="2147483673" r:id="rId13"/>
+    <p:sldLayoutId id="2147483662" r:id="rId1"/>
+    <p:sldLayoutId id="2147483663" r:id="rId2"/>
+    <p:sldLayoutId id="2147483664" r:id="rId3"/>
+    <p:sldLayoutId id="2147483665" r:id="rId4"/>
+    <p:sldLayoutId id="2147483666" r:id="rId5"/>
+    <p:sldLayoutId id="2147483667" r:id="rId6"/>
+    <p:sldLayoutId id="2147483668" r:id="rId7"/>
+    <p:sldLayoutId id="2147483669" r:id="rId8"/>
+    <p:sldLayoutId id="2147483670" r:id="rId9"/>
+    <p:sldLayoutId id="2147483671" r:id="rId10"/>
+    <p:sldLayoutId id="2147483672" r:id="rId11"/>
+    <p:sldLayoutId id="2147483673" r:id="rId12"/>
   </p:sldLayoutIdLst>
+  <p:txStyles>
+    <p:titleStyle>
+      <a:lvl1pPr algn="l" defTabSz="914400" rtl="0" eaLnBrk="1" latinLnBrk="0" hangingPunct="1">
+        <a:lnSpc>
+          <a:spcPct val="90000"/>
+        </a:lnSpc>
+        <a:spcBef>
+          <a:spcPct val="0"/>
+        </a:spcBef>
+        <a:buNone/>
+        <a:defRPr sz="4400" kern="1200">
+          <a:solidFill>
+            <a:schemeClr val="tx1"/>
+          </a:solidFill>
+          <a:latin typeface="+mj-lt"/>
+          <a:ea typeface="+mj-ea"/>
+          <a:cs typeface="+mj-cs"/>
+        </a:defRPr>
+      </a:lvl1pPr>
+    </p:titleStyle>
+    <p:bodyStyle>
+      <a:lvl1pPr marL="228600" indent="-228600" algn="l" defTabSz="914400" rtl="0" eaLnBrk="1" latinLnBrk="0" hangingPunct="1">
+        <a:lnSpc>
+          <a:spcPct val="90000"/>
+        </a:lnSpc>
+        <a:spcBef>
+          <a:spcPts val="1000"/>
+        </a:spcBef>
+        <a:buFont typeface="Arial" panose="020B0604020202020204" pitchFamily="34" charset="0"/>
+        <a:buChar char="•"/>
+        <a:defRPr sz="2800" kern="1200">
+          <a:solidFill>
+            <a:schemeClr val="tx1"/>
+          </a:solidFill>
+          <a:latin typeface="+mn-lt"/>
+          <a:ea typeface="+mn-ea"/>
+          <a:cs typeface="+mn-cs"/>
+        </a:defRPr>
+      </a:lvl1pPr>
+      <a:lvl2pPr marL="685800" indent="-228600" algn="l" defTabSz="914400" rtl="0" eaLnBrk="1" latinLnBrk="0" hangingPunct="1">
+        <a:lnSpc>
+          <a:spcPct val="90000"/>
+        </a:lnSpc>
+        <a:spcBef>
+          <a:spcPts val="500"/>
+        </a:spcBef>
+        <a:buFont typeface="Arial" panose="020B0604020202020204" pitchFamily="34" charset="0"/>
+        <a:buChar char="•"/>
+        <a:defRPr sz="2400" kern="1200">
+          <a:solidFill>
+            <a:schemeClr val="tx1"/>
+          </a:solidFill>
+          <a:latin typeface="+mn-lt"/>
+          <a:ea typeface="+mn-ea"/>
+          <a:cs typeface="+mn-cs"/>
+        </a:defRPr>
+      </a:lvl2pPr>
+      <a:lvl3pPr marL="1143000" indent="-228600" algn="l" defTabSz="914400" rtl="0" eaLnBrk="1" latinLnBrk="0" hangingPunct="1">
+        <a:lnSpc>
+          <a:spcPct val="90000"/>
+        </a:lnSpc>
+        <a:spcBef>
+          <a:spcPts val="500"/>
+        </a:spcBef>
+        <a:buFont typeface="Arial" panose="020B0604020202020204" pitchFamily="34" charset="0"/>
+        <a:buChar char="•"/>
+        <a:defRPr sz="2000" kern="1200">
+          <a:solidFill>
+            <a:schemeClr val="tx1"/>
+          </a:solidFill>
+          <a:latin typeface="+mn-lt"/>
+          <a:ea typeface="+mn-ea"/>
+          <a:cs typeface="+mn-cs"/>
+        </a:defRPr>
+      </a:lvl3pPr>
+      <a:lvl4pPr marL="1600200" indent="-228600" algn="l" defTabSz="914400" rtl="0" eaLnBrk="1" latinLnBrk="0" hangingPunct="1">
+        <a:lnSpc>
+          <a:spcPct val="90000"/>
+        </a:lnSpc>
+        <a:spcBef>
+          <a:spcPts val="500"/>
+        </a:spcBef>
+        <a:buFont typeface="Arial" panose="020B0604020202020204" pitchFamily="34" charset="0"/>
+        <a:buChar char="•"/>
+        <a:defRPr sz="1800" kern="1200">
+          <a:solidFill>
+            <a:schemeClr val="tx1"/>
+          </a:solidFill>
+          <a:latin typeface="+mn-lt"/>
+          <a:ea typeface="+mn-ea"/>
+          <a:cs typeface="+mn-cs"/>
+        </a:defRPr>
+      </a:lvl4pPr>
+      <a:lvl5pPr marL="2057400" indent="-228600" algn="l" defTabSz="914400" rtl="0" eaLnBrk="1" latinLnBrk="0" hangingPunct="1">
+        <a:lnSpc>
+          <a:spcPct val="90000"/>
+        </a:lnSpc>
+        <a:spcBef>
+          <a:spcPts val="500"/>
+        </a:spcBef>
+        <a:buFont typeface="Arial" panose="020B0604020202020204" pitchFamily="34" charset="0"/>
+        <a:buChar char="•"/>
+        <a:defRPr sz="1800" kern="1200">
+          <a:solidFill>
+            <a:schemeClr val="tx1"/>
+          </a:solidFill>
+          <a:latin typeface="+mn-lt"/>
+          <a:ea typeface="+mn-ea"/>
+          <a:cs typeface="+mn-cs"/>
+        </a:defRPr>
+      </a:lvl5pPr>
+      <a:lvl6pPr marL="2514600" indent="-228600" algn="l" defTabSz="914400" rtl="0" eaLnBrk="1" latinLnBrk="0" hangingPunct="1">
+        <a:lnSpc>
+          <a:spcPct val="90000"/>
+        </a:lnSpc>
+        <a:spcBef>
+          <a:spcPts val="500"/>
+        </a:spcBef>
+        <a:buFont typeface="Arial" panose="020B0604020202020204" pitchFamily="34" charset="0"/>
+        <a:buChar char="•"/>
+        <a:defRPr sz="1800" kern="1200">
+          <a:solidFill>
+            <a:schemeClr val="tx1"/>
+          </a:solidFill>
+          <a:latin typeface="+mn-lt"/>
+          <a:ea typeface="+mn-ea"/>
+          <a:cs typeface="+mn-cs"/>
+        </a:defRPr>
+      </a:lvl6pPr>
+      <a:lvl7pPr marL="2971800" indent="-228600" algn="l" defTabSz="914400" rtl="0" eaLnBrk="1" latinLnBrk="0" hangingPunct="1">
+        <a:lnSpc>
+          <a:spcPct val="90000"/>
+        </a:lnSpc>
+        <a:spcBef>
+          <a:spcPts val="500"/>
+        </a:spcBef>
+        <a:buFont typeface="Arial" panose="020B0604020202020204" pitchFamily="34" charset="0"/>
+        <a:buChar char="•"/>
+        <a:defRPr sz="1800" kern="1200">
+          <a:solidFill>
+            <a:schemeClr val="tx1"/>
+          </a:solidFill>
+          <a:latin typeface="+mn-lt"/>
+          <a:ea typeface="+mn-ea"/>
+          <a:cs typeface="+mn-cs"/>
+        </a:defRPr>
+      </a:lvl7pPr>
+      <a:lvl8pPr marL="3429000" indent="-228600" algn="l" defTabSz="914400" rtl="0" eaLnBrk="1" latinLnBrk="0" hangingPunct="1">
+        <a:lnSpc>
+          <a:spcPct val="90000"/>
+        </a:lnSpc>
+        <a:spcBef>
+          <a:spcPts val="500"/>
+        </a:spcBef>
+        <a:buFont typeface="Arial" panose="020B0604020202020204" pitchFamily="34" charset="0"/>
+        <a:buChar char="•"/>
+        <a:defRPr sz="1800" kern="1200">
+          <a:solidFill>
+            <a:schemeClr val="tx1"/>
+          </a:solidFill>
+          <a:latin typeface="+mn-lt"/>
+          <a:ea typeface="+mn-ea"/>
+          <a:cs typeface="+mn-cs"/>
+        </a:defRPr>
+      </a:lvl8pPr>
+      <a:lvl9pPr marL="3886200" indent="-228600" algn="l" defTabSz="914400" rtl="0" eaLnBrk="1" latinLnBrk="0" hangingPunct="1">
+        <a:lnSpc>
+          <a:spcPct val="90000"/>
+        </a:lnSpc>
+        <a:spcBef>
+          <a:spcPts val="500"/>
+        </a:spcBef>
+        <a:buFont typeface="Arial" panose="020B0604020202020204" pitchFamily="34" charset="0"/>
+        <a:buChar char="•"/>
+        <a:defRPr sz="1800" kern="1200">
+          <a:solidFill>
+            <a:schemeClr val="tx1"/>
+          </a:solidFill>
+          <a:latin typeface="+mn-lt"/>
+          <a:ea typeface="+mn-ea"/>
+          <a:cs typeface="+mn-cs"/>
+        </a:defRPr>
+      </a:lvl9pPr>
+    </p:bodyStyle>
+    <p:otherStyle>
+      <a:defPPr>
+        <a:defRPr lang="nl-NL"/>
+      </a:defPPr>
+      <a:lvl1pPr marL="0" algn="l" defTabSz="914400" rtl="0" eaLnBrk="1" latinLnBrk="0" hangingPunct="1">
+        <a:defRPr sz="1800" kern="1200">
+          <a:solidFill>
+            <a:schemeClr val="tx1"/>
+          </a:solidFill>
+          <a:latin typeface="+mn-lt"/>
+          <a:ea typeface="+mn-ea"/>
+          <a:cs typeface="+mn-cs"/>
+        </a:defRPr>
+      </a:lvl1pPr>
+      <a:lvl2pPr marL="457200" algn="l" defTabSz="914400" rtl="0" eaLnBrk="1" latinLnBrk="0" hangingPunct="1">
+        <a:defRPr sz="1800" kern="1200">
+          <a:solidFill>
+            <a:schemeClr val="tx1"/>
+          </a:solidFill>
+          <a:latin typeface="+mn-lt"/>
+          <a:ea typeface="+mn-ea"/>
+          <a:cs typeface="+mn-cs"/>
+        </a:defRPr>
+      </a:lvl2pPr>
+      <a:lvl3pPr marL="914400" algn="l" defTabSz="914400" rtl="0" eaLnBrk="1" latinLnBrk="0" hangingPunct="1">
+        <a:defRPr sz="1800" kern="1200">
+          <a:solidFill>
+            <a:schemeClr val="tx1"/>
+          </a:solidFill>
+          <a:latin typeface="+mn-lt"/>
+          <a:ea typeface="+mn-ea"/>
+          <a:cs typeface="+mn-cs"/>
+        </a:defRPr>
+      </a:lvl3pPr>
+      <a:lvl4pPr marL="1371600" algn="l" defTabSz="914400" rtl="0" eaLnBrk="1" latinLnBrk="0" hangingPunct="1">
+        <a:defRPr sz="1800" kern="1200">
+          <a:solidFill>
+            <a:schemeClr val="tx1"/>
+          </a:solidFill>
+          <a:latin typeface="+mn-lt"/>
+          <a:ea typeface="+mn-ea"/>
+          <a:cs typeface="+mn-cs"/>
+        </a:defRPr>
+      </a:lvl4pPr>
+      <a:lvl5pPr marL="1828800" algn="l" defTabSz="914400" rtl="0" eaLnBrk="1" latinLnBrk="0" hangingPunct="1">
+        <a:defRPr sz="1800" kern="1200">
+          <a:solidFill>
+            <a:schemeClr val="tx1"/>
+          </a:solidFill>
+          <a:latin typeface="+mn-lt"/>
+          <a:ea typeface="+mn-ea"/>
+          <a:cs typeface="+mn-cs"/>
+        </a:defRPr>
+      </a:lvl5pPr>
+      <a:lvl6pPr marL="2286000" algn="l" defTabSz="914400" rtl="0" eaLnBrk="1" latinLnBrk="0" hangingPunct="1">
+        <a:defRPr sz="1800" kern="1200">
+          <a:solidFill>
+            <a:schemeClr val="tx1"/>
+          </a:solidFill>
+          <a:latin typeface="+mn-lt"/>
+          <a:ea typeface="+mn-ea"/>
+          <a:cs typeface="+mn-cs"/>
+        </a:defRPr>
+      </a:lvl6pPr>
+      <a:lvl7pPr marL="2743200" algn="l" defTabSz="914400" rtl="0" eaLnBrk="1" latinLnBrk="0" hangingPunct="1">
+        <a:defRPr sz="1800" kern="1200">
+          <a:solidFill>
+            <a:schemeClr val="tx1"/>
+          </a:solidFill>
+          <a:latin typeface="+mn-lt"/>
+          <a:ea typeface="+mn-ea"/>
+          <a:cs typeface="+mn-cs"/>
+        </a:defRPr>
+      </a:lvl7pPr>
+      <a:lvl8pPr marL="3200400" algn="l" defTabSz="914400" rtl="0" eaLnBrk="1" latinLnBrk="0" hangingPunct="1">
+        <a:defRPr sz="1800" kern="1200">
+          <a:solidFill>
+            <a:schemeClr val="tx1"/>
+          </a:solidFill>
+          <a:latin typeface="+mn-lt"/>
+          <a:ea typeface="+mn-ea"/>
+          <a:cs typeface="+mn-cs"/>
+        </a:defRPr>
+      </a:lvl8pPr>
+      <a:lvl9pPr marL="3657600" algn="l" defTabSz="914400" rtl="0" eaLnBrk="1" latinLnBrk="0" hangingPunct="1">
+        <a:defRPr sz="1800" kern="1200">
+          <a:solidFill>
+            <a:schemeClr val="tx1"/>
+          </a:solidFill>
+          <a:latin typeface="+mn-lt"/>
+          <a:ea typeface="+mn-ea"/>
+          <a:cs typeface="+mn-cs"/>
+        </a:defRPr>
+      </a:lvl9pPr>
+    </p:otherStyle>
+  </p:txStyles>
 </p:sldMaster>
 </file>
 
 <file path=ppt/slides/slide1.xml><?xml version="1.0" encoding="utf-8"?>
-<p:sld xmlns:a="http://schemas.openxmlformats.org/drawingml/2006/main" xmlns:p="http://schemas.openxmlformats.org/presentationml/2006/main" xmlns:r="http://schemas.openxmlformats.org/officeDocument/2006/relationships">
+<p:sld xmlns:a="http://schemas.openxmlformats.org/drawingml/2006/main" xmlns:r="http://schemas.openxmlformats.org/officeDocument/2006/relationships" xmlns:p="http://schemas.openxmlformats.org/presentationml/2006/main">
   <p:cSld>
     <p:spTree>
       <p:nvGrpSpPr>
@@ -3092,6 +3895,7 @@
         </p:spPr>
         <p:txBody>
           <a:bodyPr anchor="ctr"/>
+          <a:lstStyle/>
           <a:p>
             <a:pPr algn="ctr">
               <a:lnSpc>
@@ -3099,7 +3903,7 @@
               </a:lnSpc>
             </a:pPr>
             <a:r>
-              <a:rPr lang="en-US" sz="4400">
+              <a:rPr lang="en-US" sz="4400" dirty="0">
                 <a:solidFill>
                   <a:srgbClr val="000000"/>
                 </a:solidFill>
@@ -3107,7 +3911,7 @@
               </a:rPr>
               <a:t>Raytracing</a:t>
             </a:r>
-            <a:endParaRPr/>
+            <a:endParaRPr dirty="0"/>
           </a:p>
         </p:txBody>
       </p:sp>
@@ -3128,6 +3932,7 @@
         </p:spPr>
         <p:txBody>
           <a:bodyPr/>
+          <a:lstStyle/>
           <a:p>
             <a:pPr algn="ctr">
               <a:lnSpc>
@@ -3135,20 +3940,32 @@
               </a:lnSpc>
             </a:pPr>
             <a:r>
-              <a:rPr lang="en-US" sz="3200">
-                <a:solidFill>
-                  <a:srgbClr val="8b8b8b"/>
-                </a:solidFill>
-                <a:latin typeface="Calibri"/>
-              </a:rPr>
-              <a:t>drop_table groups</a:t>
-            </a:r>
-            <a:endParaRPr/>
+              <a:rPr lang="en-US" sz="3200" dirty="0">
+                <a:solidFill>
+                  <a:srgbClr val="8B8B8B"/>
+                </a:solidFill>
+                <a:latin typeface="Calibri"/>
+              </a:rPr>
+              <a:t>drop_table</a:t>
+            </a:r>
+            <a:r>
+              <a:rPr lang="en-US" sz="3200" dirty="0">
+                <a:solidFill>
+                  <a:srgbClr val="8B8B8B"/>
+                </a:solidFill>
+                <a:latin typeface="Calibri"/>
+              </a:rPr>
+              <a:t> groups</a:t>
+            </a:r>
+            <a:endParaRPr dirty="0"/>
           </a:p>
         </p:txBody>
       </p:sp>
     </p:spTree>
   </p:cSld>
+  <p:clrMapOvr>
+    <a:masterClrMapping/>
+  </p:clrMapOvr>
   <p:timing>
     <p:tnLst>
       <p:par>
@@ -3157,14 +3974,14 @@
             <p:seq>
               <p:cTn id="2" nodeType="mainSeq"/>
               <p:prevCondLst>
-                <p:cond delay="0" evt="onPrev">
+                <p:cond evt="onPrev" delay="0">
                   <p:tgtEl>
                     <p:sldTgt/>
                   </p:tgtEl>
                 </p:cond>
               </p:prevCondLst>
               <p:nextCondLst>
-                <p:cond delay="0" evt="onNext">
+                <p:cond evt="onNext" delay="0">
                   <p:tgtEl>
                     <p:sldTgt/>
                   </p:tgtEl>
@@ -3180,7 +3997,7 @@
 </file>
 
 <file path=ppt/slides/slide10.xml><?xml version="1.0" encoding="utf-8"?>
-<p:sld xmlns:a="http://schemas.openxmlformats.org/drawingml/2006/main" xmlns:p="http://schemas.openxmlformats.org/presentationml/2006/main" xmlns:r="http://schemas.openxmlformats.org/officeDocument/2006/relationships">
+<p:sld xmlns:a="http://schemas.openxmlformats.org/drawingml/2006/main" xmlns:r="http://schemas.openxmlformats.org/officeDocument/2006/relationships" xmlns:p="http://schemas.openxmlformats.org/presentationml/2006/main">
   <p:cSld>
     <p:spTree>
       <p:nvGrpSpPr>
@@ -3213,6 +4030,7 @@
         </p:spPr>
         <p:txBody>
           <a:bodyPr anchor="ctr"/>
+          <a:lstStyle/>
           <a:p>
             <a:pPr algn="ctr">
               <a:lnSpc>
@@ -3220,7 +4038,7 @@
               </a:lnSpc>
             </a:pPr>
             <a:r>
-              <a:rPr lang="en-US" sz="3600">
+              <a:rPr lang="en-US" sz="3600" dirty="0">
                 <a:solidFill>
                   <a:srgbClr val="000000"/>
                 </a:solidFill>
@@ -3228,7 +4046,7 @@
               </a:rPr>
               <a:t>Distribution of work – Not achieved</a:t>
             </a:r>
-            <a:endParaRPr/>
+            <a:endParaRPr dirty="0"/>
           </a:p>
         </p:txBody>
       </p:sp>
@@ -3249,6 +4067,7 @@
         </p:spPr>
         <p:txBody>
           <a:bodyPr/>
+          <a:lstStyle/>
           <a:p>
             <a:pPr>
               <a:lnSpc>
@@ -3258,7 +4077,7 @@
               <a:buChar char="•"/>
             </a:pPr>
             <a:r>
-              <a:rPr lang="en-US" sz="3200">
+              <a:rPr lang="en-US" sz="3200" dirty="0">
                 <a:solidFill>
                   <a:srgbClr val="000000"/>
                 </a:solidFill>
@@ -3266,7 +4085,7 @@
               </a:rPr>
               <a:t>KD-tree optimization</a:t>
             </a:r>
-            <a:endParaRPr/>
+            <a:endParaRPr dirty="0"/>
           </a:p>
           <a:p>
             <a:pPr lvl="1">
@@ -3277,7 +4096,7 @@
               <a:buChar char="–"/>
             </a:pPr>
             <a:r>
-              <a:rPr lang="en-US" sz="2800">
+              <a:rPr lang="en-US" sz="2800" dirty="0">
                 <a:solidFill>
                   <a:srgbClr val="000000"/>
                 </a:solidFill>
@@ -3285,7 +4104,7 @@
               </a:rPr>
               <a:t>Jeroen, Maarten</a:t>
             </a:r>
-            <a:endParaRPr/>
+            <a:endParaRPr dirty="0"/>
           </a:p>
           <a:p>
             <a:pPr>
@@ -3296,7 +4115,7 @@
               <a:buChar char="•"/>
             </a:pPr>
             <a:r>
-              <a:rPr lang="en-US" sz="3200">
+              <a:rPr lang="en-US" sz="3200" dirty="0">
                 <a:solidFill>
                   <a:srgbClr val="000000"/>
                 </a:solidFill>
@@ -3304,7 +4123,7 @@
               </a:rPr>
               <a:t>Spheroid shapes</a:t>
             </a:r>
-            <a:endParaRPr/>
+            <a:endParaRPr dirty="0"/>
           </a:p>
           <a:p>
             <a:pPr lvl="1">
@@ -3315,7 +4134,7 @@
               <a:buChar char="–"/>
             </a:pPr>
             <a:r>
-              <a:rPr lang="en-US" sz="2800">
+              <a:rPr lang="en-US" sz="2800" dirty="0">
                 <a:solidFill>
                   <a:srgbClr val="000000"/>
                 </a:solidFill>
@@ -3323,7 +4142,7 @@
               </a:rPr>
               <a:t>Berend</a:t>
             </a:r>
-            <a:endParaRPr/>
+            <a:endParaRPr dirty="0"/>
           </a:p>
           <a:p>
             <a:pPr>
@@ -3334,7 +4153,7 @@
               <a:buChar char="•"/>
             </a:pPr>
             <a:r>
-              <a:rPr lang="en-US" sz="3200">
+              <a:rPr lang="en-US" sz="3200" dirty="0">
                 <a:solidFill>
                   <a:srgbClr val="000000"/>
                 </a:solidFill>
@@ -3342,7 +4161,7 @@
               </a:rPr>
               <a:t>Textures mapped onto geometry</a:t>
             </a:r>
-            <a:endParaRPr/>
+            <a:endParaRPr dirty="0"/>
           </a:p>
           <a:p>
             <a:pPr lvl="1">
@@ -3353,7 +4172,7 @@
               <a:buChar char="–"/>
             </a:pPr>
             <a:r>
-              <a:rPr lang="en-US" sz="2800">
+              <a:rPr lang="en-US" sz="2800" dirty="0">
                 <a:solidFill>
                   <a:srgbClr val="000000"/>
                 </a:solidFill>
@@ -3361,7 +4180,7 @@
               </a:rPr>
               <a:t>Thomas</a:t>
             </a:r>
-            <a:endParaRPr/>
+            <a:endParaRPr dirty="0"/>
           </a:p>
           <a:p>
             <a:pPr>
@@ -3372,7 +4191,7 @@
               <a:buChar char="•"/>
             </a:pPr>
             <a:r>
-              <a:rPr lang="en-US" sz="3200">
+              <a:rPr lang="en-US" sz="3200" dirty="0">
                 <a:solidFill>
                   <a:srgbClr val="000000"/>
                 </a:solidFill>
@@ -3380,7 +4199,7 @@
               </a:rPr>
               <a:t>Triangle intersection</a:t>
             </a:r>
-            <a:endParaRPr/>
+            <a:endParaRPr dirty="0"/>
           </a:p>
           <a:p>
             <a:pPr lvl="1">
@@ -3391,7 +4210,7 @@
               <a:buChar char="–"/>
             </a:pPr>
             <a:r>
-              <a:rPr lang="en-US" sz="2800">
+              <a:rPr lang="en-US" sz="2800" dirty="0">
                 <a:solidFill>
                   <a:srgbClr val="000000"/>
                 </a:solidFill>
@@ -3399,7 +4218,7 @@
               </a:rPr>
               <a:t>Petri, Felix</a:t>
             </a:r>
-            <a:endParaRPr/>
+            <a:endParaRPr dirty="0"/>
           </a:p>
           <a:p>
             <a:pPr>
@@ -3410,7 +4229,7 @@
               <a:buChar char="•"/>
             </a:pPr>
             <a:r>
-              <a:rPr lang="en-US" sz="3200">
+              <a:rPr lang="en-US" sz="3200" dirty="0">
                 <a:solidFill>
                   <a:srgbClr val="000000"/>
                 </a:solidFill>
@@ -3418,7 +4237,7 @@
               </a:rPr>
               <a:t>Depth of Field</a:t>
             </a:r>
-            <a:endParaRPr/>
+            <a:endParaRPr dirty="0"/>
           </a:p>
           <a:p>
             <a:pPr lvl="1">
@@ -3429,7 +4248,7 @@
               <a:buChar char="–"/>
             </a:pPr>
             <a:r>
-              <a:rPr lang="en-US" sz="2800">
+              <a:rPr lang="en-US" sz="2800" dirty="0">
                 <a:solidFill>
                   <a:srgbClr val="000000"/>
                 </a:solidFill>
@@ -3437,28 +4256,31 @@
               </a:rPr>
               <a:t>Jeroen, Berend</a:t>
             </a:r>
-            <a:endParaRPr/>
+            <a:endParaRPr dirty="0"/>
           </a:p>
         </p:txBody>
       </p:sp>
     </p:spTree>
   </p:cSld>
+  <p:clrMapOvr>
+    <a:masterClrMapping/>
+  </p:clrMapOvr>
   <p:timing>
     <p:tnLst>
       <p:par>
-        <p:cTn id="19" dur="indefinite" restart="never" nodeType="tmRoot">
+        <p:cTn id="1" dur="indefinite" restart="never" nodeType="tmRoot">
           <p:childTnLst>
             <p:seq>
-              <p:cTn id="20" nodeType="mainSeq"/>
+              <p:cTn id="2" nodeType="mainSeq"/>
               <p:prevCondLst>
-                <p:cond delay="0" evt="onPrev">
+                <p:cond evt="onPrev" delay="0">
                   <p:tgtEl>
                     <p:sldTgt/>
                   </p:tgtEl>
                 </p:cond>
               </p:prevCondLst>
               <p:nextCondLst>
-                <p:cond delay="0" evt="onNext">
+                <p:cond evt="onNext" delay="0">
                   <p:tgtEl>
                     <p:sldTgt/>
                   </p:tgtEl>
@@ -3474,13 +4296,14 @@
 </file>
 
 <file path=ppt/slides/slide11.xml><?xml version="1.0" encoding="utf-8"?>
-<p:sld xmlns:a="http://schemas.openxmlformats.org/drawingml/2006/main" xmlns:p="http://schemas.openxmlformats.org/presentationml/2006/main" xmlns:r="http://schemas.openxmlformats.org/officeDocument/2006/relationships">
+<p:sld xmlns:a="http://schemas.openxmlformats.org/drawingml/2006/main" xmlns:r="http://schemas.openxmlformats.org/officeDocument/2006/relationships" xmlns:p="http://schemas.openxmlformats.org/presentationml/2006/main">
   <p:cSld>
     <p:bg>
       <p:bgPr>
         <a:solidFill>
           <a:srgbClr val="000000"/>
         </a:solidFill>
+        <a:effectLst/>
       </p:bgPr>
     </p:bg>
     <p:spTree>
@@ -3499,12 +4322,12 @@
       </p:grpSpPr>
       <p:pic>
         <p:nvPicPr>
-          <p:cNvPr id="98" name="Picture 2" descr=""/>
+          <p:cNvPr id="98" name="Picture 2"/>
           <p:cNvPicPr/>
           <p:nvPr/>
         </p:nvPicPr>
         <p:blipFill>
-          <a:blip r:embed="rId1"/>
+          <a:blip r:embed="rId2"/>
           <a:stretch>
             <a:fillRect/>
           </a:stretch>
@@ -3524,22 +4347,25 @@
       </p:pic>
     </p:spTree>
   </p:cSld>
+  <p:clrMapOvr>
+    <a:masterClrMapping/>
+  </p:clrMapOvr>
   <p:timing>
     <p:tnLst>
       <p:par>
-        <p:cTn id="21" dur="indefinite" restart="never" nodeType="tmRoot">
+        <p:cTn id="1" dur="indefinite" restart="never" nodeType="tmRoot">
           <p:childTnLst>
             <p:seq>
-              <p:cTn id="22" nodeType="mainSeq"/>
+              <p:cTn id="2" nodeType="mainSeq"/>
               <p:prevCondLst>
-                <p:cond delay="0" evt="onPrev">
+                <p:cond evt="onPrev" delay="0">
                   <p:tgtEl>
                     <p:sldTgt/>
                   </p:tgtEl>
                 </p:cond>
               </p:prevCondLst>
               <p:nextCondLst>
-                <p:cond delay="0" evt="onNext">
+                <p:cond evt="onNext" delay="0">
                   <p:tgtEl>
                     <p:sldTgt/>
                   </p:tgtEl>
@@ -3555,7 +4381,7 @@
 </file>
 
 <file path=ppt/slides/slide12.xml><?xml version="1.0" encoding="utf-8"?>
-<p:sld xmlns:a="http://schemas.openxmlformats.org/drawingml/2006/main" xmlns:p="http://schemas.openxmlformats.org/presentationml/2006/main" xmlns:r="http://schemas.openxmlformats.org/officeDocument/2006/relationships">
+<p:sld xmlns:a="http://schemas.openxmlformats.org/drawingml/2006/main" xmlns:r="http://schemas.openxmlformats.org/officeDocument/2006/relationships" xmlns:p="http://schemas.openxmlformats.org/presentationml/2006/main">
   <p:cSld>
     <p:spTree>
       <p:nvGrpSpPr>
@@ -3588,6 +4414,7 @@
         </p:spPr>
         <p:txBody>
           <a:bodyPr anchor="ctr"/>
+          <a:lstStyle/>
           <a:p>
             <a:pPr algn="ctr">
               <a:lnSpc>
@@ -3595,7 +4422,7 @@
               </a:lnSpc>
             </a:pPr>
             <a:r>
-              <a:rPr lang="en-US" sz="4400">
+              <a:rPr lang="en-US" sz="4400" dirty="0">
                 <a:solidFill>
                   <a:srgbClr val="000000"/>
                 </a:solidFill>
@@ -3603,7 +4430,7 @@
               </a:rPr>
               <a:t>Flow of program</a:t>
             </a:r>
-            <a:endParaRPr/>
+            <a:endParaRPr dirty="0"/>
           </a:p>
         </p:txBody>
       </p:sp>
@@ -3624,29 +4451,33 @@
         </p:spPr>
         <p:txBody>
           <a:bodyPr/>
-          <a:p>
-            <a:endParaRPr/>
+          <a:lstStyle/>
+          <a:p>
+            <a:endParaRPr dirty="0"/>
           </a:p>
         </p:txBody>
       </p:sp>
     </p:spTree>
   </p:cSld>
+  <p:clrMapOvr>
+    <a:masterClrMapping/>
+  </p:clrMapOvr>
   <p:timing>
     <p:tnLst>
       <p:par>
-        <p:cTn id="23" dur="indefinite" restart="never" nodeType="tmRoot">
+        <p:cTn id="1" dur="indefinite" restart="never" nodeType="tmRoot">
           <p:childTnLst>
             <p:seq>
-              <p:cTn id="24" nodeType="mainSeq"/>
+              <p:cTn id="2" nodeType="mainSeq"/>
               <p:prevCondLst>
-                <p:cond delay="0" evt="onPrev">
+                <p:cond evt="onPrev" delay="0">
                   <p:tgtEl>
                     <p:sldTgt/>
                   </p:tgtEl>
                 </p:cond>
               </p:prevCondLst>
               <p:nextCondLst>
-                <p:cond delay="0" evt="onNext">
+                <p:cond evt="onNext" delay="0">
                   <p:tgtEl>
                     <p:sldTgt/>
                   </p:tgtEl>
@@ -3662,7 +4493,7 @@
 </file>
 
 <file path=ppt/slides/slide13.xml><?xml version="1.0" encoding="utf-8"?>
-<p:sld xmlns:a="http://schemas.openxmlformats.org/drawingml/2006/main" xmlns:p="http://schemas.openxmlformats.org/presentationml/2006/main" xmlns:r="http://schemas.openxmlformats.org/officeDocument/2006/relationships">
+<p:sld xmlns:a="http://schemas.openxmlformats.org/drawingml/2006/main" xmlns:r="http://schemas.openxmlformats.org/officeDocument/2006/relationships" xmlns:p="http://schemas.openxmlformats.org/presentationml/2006/main">
   <p:cSld>
     <p:spTree>
       <p:nvGrpSpPr>
@@ -3695,6 +4526,7 @@
         </p:spPr>
         <p:txBody>
           <a:bodyPr anchor="ctr"/>
+          <a:lstStyle/>
           <a:p>
             <a:pPr algn="ctr">
               <a:lnSpc>
@@ -3702,15 +4534,15 @@
               </a:lnSpc>
             </a:pPr>
             <a:r>
-              <a:rPr lang="en-US" sz="4400">
-                <a:solidFill>
-                  <a:srgbClr val="000000"/>
-                </a:solidFill>
-                <a:latin typeface="Calibri"/>
-              </a:rPr>
-              <a:t>Postproccessors</a:t>
-            </a:r>
-            <a:endParaRPr/>
+              <a:rPr lang="en-US" sz="4400" dirty="0" smtClean="0">
+                <a:solidFill>
+                  <a:srgbClr val="000000"/>
+                </a:solidFill>
+                <a:latin typeface="Calibri"/>
+              </a:rPr>
+              <a:t>Postprocessors</a:t>
+            </a:r>
+            <a:endParaRPr dirty="0"/>
           </a:p>
         </p:txBody>
       </p:sp>
@@ -3731,6 +4563,7 @@
         </p:spPr>
         <p:txBody>
           <a:bodyPr/>
+          <a:lstStyle/>
           <a:p>
             <a:pPr>
               <a:lnSpc>
@@ -3740,7 +4573,7 @@
               <a:buChar char="•"/>
             </a:pPr>
             <a:r>
-              <a:rPr lang="en-US" sz="3200">
+              <a:rPr lang="en-US" sz="3200" dirty="0">
                 <a:solidFill>
                   <a:srgbClr val="000000"/>
                 </a:solidFill>
@@ -3748,7 +4581,7 @@
               </a:rPr>
               <a:t>Chose for non photo realistic </a:t>
             </a:r>
-            <a:endParaRPr/>
+            <a:endParaRPr dirty="0"/>
           </a:p>
           <a:p>
             <a:pPr>
@@ -3759,7 +4592,7 @@
               <a:buChar char="•"/>
             </a:pPr>
             <a:r>
-              <a:rPr lang="en-US" sz="3200">
+              <a:rPr lang="en-US" sz="3200" dirty="0">
                 <a:solidFill>
                   <a:srgbClr val="000000"/>
                 </a:solidFill>
@@ -3767,7 +4600,7 @@
               </a:rPr>
               <a:t>Oil painting </a:t>
             </a:r>
-            <a:endParaRPr/>
+            <a:endParaRPr dirty="0"/>
           </a:p>
           <a:p>
             <a:pPr>
@@ -3778,7 +4611,7 @@
               <a:buChar char="•"/>
             </a:pPr>
             <a:r>
-              <a:rPr lang="en-US" sz="3200">
+              <a:rPr lang="en-US" sz="3200" dirty="0">
                 <a:solidFill>
                   <a:srgbClr val="000000"/>
                 </a:solidFill>
@@ -3786,7 +4619,7 @@
               </a:rPr>
               <a:t>Chalk drawing </a:t>
             </a:r>
-            <a:endParaRPr/>
+            <a:endParaRPr dirty="0"/>
           </a:p>
           <a:p>
             <a:pPr>
@@ -3794,28 +4627,31 @@
                 <a:spcPct val="100000"/>
               </a:lnSpc>
             </a:pPr>
-            <a:endParaRPr/>
+            <a:endParaRPr dirty="0"/>
           </a:p>
         </p:txBody>
       </p:sp>
     </p:spTree>
   </p:cSld>
+  <p:clrMapOvr>
+    <a:masterClrMapping/>
+  </p:clrMapOvr>
   <p:timing>
     <p:tnLst>
       <p:par>
-        <p:cTn id="25" dur="indefinite" restart="never" nodeType="tmRoot">
+        <p:cTn id="1" dur="indefinite" restart="never" nodeType="tmRoot">
           <p:childTnLst>
             <p:seq>
-              <p:cTn id="26" nodeType="mainSeq"/>
+              <p:cTn id="2" nodeType="mainSeq"/>
               <p:prevCondLst>
-                <p:cond delay="0" evt="onPrev">
+                <p:cond evt="onPrev" delay="0">
                   <p:tgtEl>
                     <p:sldTgt/>
                   </p:tgtEl>
                 </p:cond>
               </p:prevCondLst>
               <p:nextCondLst>
-                <p:cond delay="0" evt="onNext">
+                <p:cond evt="onNext" delay="0">
                   <p:tgtEl>
                     <p:sldTgt/>
                   </p:tgtEl>
@@ -3831,7 +4667,7 @@
 </file>
 
 <file path=ppt/slides/slide14.xml><?xml version="1.0" encoding="utf-8"?>
-<p:sld xmlns:a="http://schemas.openxmlformats.org/drawingml/2006/main" xmlns:p="http://schemas.openxmlformats.org/presentationml/2006/main" xmlns:r="http://schemas.openxmlformats.org/officeDocument/2006/relationships">
+<p:sld xmlns:a="http://schemas.openxmlformats.org/drawingml/2006/main" xmlns:r="http://schemas.openxmlformats.org/officeDocument/2006/relationships" xmlns:p="http://schemas.openxmlformats.org/presentationml/2006/main">
   <p:cSld>
     <p:spTree>
       <p:nvGrpSpPr>
@@ -3864,6 +4700,7 @@
         </p:spPr>
         <p:txBody>
           <a:bodyPr anchor="ctr"/>
+          <a:lstStyle/>
           <a:p>
             <a:pPr algn="ctr">
               <a:lnSpc>
@@ -3871,7 +4708,7 @@
               </a:lnSpc>
             </a:pPr>
             <a:r>
-              <a:rPr lang="en-US" sz="4400">
+              <a:rPr lang="en-US" sz="4400" dirty="0">
                 <a:solidFill>
                   <a:srgbClr val="000000"/>
                 </a:solidFill>
@@ -3879,18 +4716,18 @@
               </a:rPr>
               <a:t>Chalk drawing - original</a:t>
             </a:r>
-            <a:endParaRPr/>
+            <a:endParaRPr dirty="0"/>
           </a:p>
         </p:txBody>
       </p:sp>
       <p:pic>
         <p:nvPicPr>
-          <p:cNvPr id="104" name="Picture 2" descr=""/>
+          <p:cNvPr id="104" name="Picture 2"/>
           <p:cNvPicPr/>
           <p:nvPr/>
         </p:nvPicPr>
         <p:blipFill>
-          <a:blip r:embed="rId1"/>
+          <a:blip r:embed="rId2"/>
           <a:stretch>
             <a:fillRect/>
           </a:stretch>
@@ -3910,22 +4747,25 @@
       </p:pic>
     </p:spTree>
   </p:cSld>
+  <p:clrMapOvr>
+    <a:masterClrMapping/>
+  </p:clrMapOvr>
   <p:timing>
     <p:tnLst>
       <p:par>
-        <p:cTn id="27" dur="indefinite" restart="never" nodeType="tmRoot">
+        <p:cTn id="1" dur="indefinite" restart="never" nodeType="tmRoot">
           <p:childTnLst>
             <p:seq>
-              <p:cTn id="28" nodeType="mainSeq"/>
+              <p:cTn id="2" nodeType="mainSeq"/>
               <p:prevCondLst>
-                <p:cond delay="0" evt="onPrev">
+                <p:cond evt="onPrev" delay="0">
                   <p:tgtEl>
                     <p:sldTgt/>
                   </p:tgtEl>
                 </p:cond>
               </p:prevCondLst>
               <p:nextCondLst>
-                <p:cond delay="0" evt="onNext">
+                <p:cond evt="onNext" delay="0">
                   <p:tgtEl>
                     <p:sldTgt/>
                   </p:tgtEl>
@@ -3941,7 +4781,7 @@
 </file>
 
 <file path=ppt/slides/slide15.xml><?xml version="1.0" encoding="utf-8"?>
-<p:sld xmlns:a="http://schemas.openxmlformats.org/drawingml/2006/main" xmlns:p="http://schemas.openxmlformats.org/presentationml/2006/main" xmlns:r="http://schemas.openxmlformats.org/officeDocument/2006/relationships">
+<p:sld xmlns:a="http://schemas.openxmlformats.org/drawingml/2006/main" xmlns:r="http://schemas.openxmlformats.org/officeDocument/2006/relationships" xmlns:p="http://schemas.openxmlformats.org/presentationml/2006/main">
   <p:cSld>
     <p:spTree>
       <p:nvGrpSpPr>
@@ -3974,6 +4814,7 @@
         </p:spPr>
         <p:txBody>
           <a:bodyPr anchor="ctr"/>
+          <a:lstStyle/>
           <a:p>
             <a:pPr algn="ctr">
               <a:lnSpc>
@@ -3981,7 +4822,7 @@
               </a:lnSpc>
             </a:pPr>
             <a:r>
-              <a:rPr lang="en-US" sz="4400">
+              <a:rPr lang="en-US" sz="4400" dirty="0">
                 <a:solidFill>
                   <a:srgbClr val="000000"/>
                 </a:solidFill>
@@ -3989,18 +4830,18 @@
               </a:rPr>
               <a:t>Chalk drawing - processed</a:t>
             </a:r>
-            <a:endParaRPr/>
+            <a:endParaRPr dirty="0"/>
           </a:p>
         </p:txBody>
       </p:sp>
       <p:pic>
         <p:nvPicPr>
-          <p:cNvPr id="106" name="Picture 2" descr=""/>
+          <p:cNvPr id="106" name="Picture 2"/>
           <p:cNvPicPr/>
           <p:nvPr/>
         </p:nvPicPr>
         <p:blipFill>
-          <a:blip r:embed="rId1"/>
+          <a:blip r:embed="rId2"/>
           <a:stretch>
             <a:fillRect/>
           </a:stretch>
@@ -4020,22 +4861,25 @@
       </p:pic>
     </p:spTree>
   </p:cSld>
+  <p:clrMapOvr>
+    <a:masterClrMapping/>
+  </p:clrMapOvr>
   <p:timing>
     <p:tnLst>
       <p:par>
-        <p:cTn id="29" dur="indefinite" restart="never" nodeType="tmRoot">
+        <p:cTn id="1" dur="indefinite" restart="never" nodeType="tmRoot">
           <p:childTnLst>
             <p:seq>
-              <p:cTn id="30" nodeType="mainSeq"/>
+              <p:cTn id="2" nodeType="mainSeq"/>
               <p:prevCondLst>
-                <p:cond delay="0" evt="onPrev">
+                <p:cond evt="onPrev" delay="0">
                   <p:tgtEl>
                     <p:sldTgt/>
                   </p:tgtEl>
                 </p:cond>
               </p:prevCondLst>
               <p:nextCondLst>
-                <p:cond delay="0" evt="onNext">
+                <p:cond evt="onNext" delay="0">
                   <p:tgtEl>
                     <p:sldTgt/>
                   </p:tgtEl>
@@ -4051,7 +4895,7 @@
 </file>
 
 <file path=ppt/slides/slide16.xml><?xml version="1.0" encoding="utf-8"?>
-<p:sld xmlns:a="http://schemas.openxmlformats.org/drawingml/2006/main" xmlns:p="http://schemas.openxmlformats.org/presentationml/2006/main" xmlns:r="http://schemas.openxmlformats.org/officeDocument/2006/relationships">
+<p:sld xmlns:a="http://schemas.openxmlformats.org/drawingml/2006/main" xmlns:r="http://schemas.openxmlformats.org/officeDocument/2006/relationships" xmlns:p="http://schemas.openxmlformats.org/presentationml/2006/main">
   <p:cSld>
     <p:spTree>
       <p:nvGrpSpPr>
@@ -4084,6 +4928,7 @@
         </p:spPr>
         <p:txBody>
           <a:bodyPr anchor="ctr"/>
+          <a:lstStyle/>
           <a:p>
             <a:pPr algn="ctr">
               <a:lnSpc>
@@ -4091,7 +4936,7 @@
               </a:lnSpc>
             </a:pPr>
             <a:r>
-              <a:rPr lang="en-US" sz="4400">
+              <a:rPr lang="en-US" sz="4400" dirty="0">
                 <a:solidFill>
                   <a:srgbClr val="000000"/>
                 </a:solidFill>
@@ -4099,18 +4944,18 @@
               </a:rPr>
               <a:t>Chalk drawing - code</a:t>
             </a:r>
-            <a:endParaRPr/>
+            <a:endParaRPr dirty="0"/>
           </a:p>
         </p:txBody>
       </p:sp>
       <p:pic>
         <p:nvPicPr>
-          <p:cNvPr id="108" name="Picture 2" descr=""/>
+          <p:cNvPr id="108" name="Picture 2"/>
           <p:cNvPicPr/>
           <p:nvPr/>
         </p:nvPicPr>
         <p:blipFill>
-          <a:blip r:embed="rId1"/>
+          <a:blip r:embed="rId2"/>
           <a:stretch>
             <a:fillRect/>
           </a:stretch>
@@ -4130,22 +4975,25 @@
       </p:pic>
     </p:spTree>
   </p:cSld>
+  <p:clrMapOvr>
+    <a:masterClrMapping/>
+  </p:clrMapOvr>
   <p:timing>
     <p:tnLst>
       <p:par>
-        <p:cTn id="31" dur="indefinite" restart="never" nodeType="tmRoot">
+        <p:cTn id="1" dur="indefinite" restart="never" nodeType="tmRoot">
           <p:childTnLst>
             <p:seq>
-              <p:cTn id="32" nodeType="mainSeq"/>
+              <p:cTn id="2" nodeType="mainSeq"/>
               <p:prevCondLst>
-                <p:cond delay="0" evt="onPrev">
+                <p:cond evt="onPrev" delay="0">
                   <p:tgtEl>
                     <p:sldTgt/>
                   </p:tgtEl>
                 </p:cond>
               </p:prevCondLst>
               <p:nextCondLst>
-                <p:cond delay="0" evt="onNext">
+                <p:cond evt="onNext" delay="0">
                   <p:tgtEl>
                     <p:sldTgt/>
                   </p:tgtEl>
@@ -4161,7 +5009,7 @@
 </file>
 
 <file path=ppt/slides/slide17.xml><?xml version="1.0" encoding="utf-8"?>
-<p:sld xmlns:a="http://schemas.openxmlformats.org/drawingml/2006/main" xmlns:p="http://schemas.openxmlformats.org/presentationml/2006/main" xmlns:r="http://schemas.openxmlformats.org/officeDocument/2006/relationships">
+<p:sld xmlns:a="http://schemas.openxmlformats.org/drawingml/2006/main" xmlns:r="http://schemas.openxmlformats.org/officeDocument/2006/relationships" xmlns:p="http://schemas.openxmlformats.org/presentationml/2006/main">
   <p:cSld>
     <p:spTree>
       <p:nvGrpSpPr>
@@ -4194,6 +5042,7 @@
         </p:spPr>
         <p:txBody>
           <a:bodyPr anchor="ctr"/>
+          <a:lstStyle/>
           <a:p>
             <a:pPr algn="ctr">
               <a:lnSpc>
@@ -4201,7 +5050,7 @@
               </a:lnSpc>
             </a:pPr>
             <a:r>
-              <a:rPr lang="en-US" sz="4400">
+              <a:rPr lang="en-US" sz="4400" dirty="0">
                 <a:solidFill>
                   <a:srgbClr val="000000"/>
                 </a:solidFill>
@@ -4209,18 +5058,18 @@
               </a:rPr>
               <a:t>Oil drawing - original</a:t>
             </a:r>
-            <a:endParaRPr/>
+            <a:endParaRPr dirty="0"/>
           </a:p>
         </p:txBody>
       </p:sp>
       <p:pic>
         <p:nvPicPr>
-          <p:cNvPr id="110" name="Picture 2" descr=""/>
+          <p:cNvPr id="110" name="Picture 2"/>
           <p:cNvPicPr/>
           <p:nvPr/>
         </p:nvPicPr>
         <p:blipFill>
-          <a:blip r:embed="rId1"/>
+          <a:blip r:embed="rId2"/>
           <a:stretch>
             <a:fillRect/>
           </a:stretch>
@@ -4240,22 +5089,25 @@
       </p:pic>
     </p:spTree>
   </p:cSld>
+  <p:clrMapOvr>
+    <a:masterClrMapping/>
+  </p:clrMapOvr>
   <p:timing>
     <p:tnLst>
       <p:par>
-        <p:cTn id="33" dur="indefinite" restart="never" nodeType="tmRoot">
+        <p:cTn id="1" dur="indefinite" restart="never" nodeType="tmRoot">
           <p:childTnLst>
             <p:seq>
-              <p:cTn id="34" nodeType="mainSeq"/>
+              <p:cTn id="2" nodeType="mainSeq"/>
               <p:prevCondLst>
-                <p:cond delay="0" evt="onPrev">
+                <p:cond evt="onPrev" delay="0">
                   <p:tgtEl>
                     <p:sldTgt/>
                   </p:tgtEl>
                 </p:cond>
               </p:prevCondLst>
               <p:nextCondLst>
-                <p:cond delay="0" evt="onNext">
+                <p:cond evt="onNext" delay="0">
                   <p:tgtEl>
                     <p:sldTgt/>
                   </p:tgtEl>
@@ -4271,7 +5123,7 @@
 </file>
 
 <file path=ppt/slides/slide18.xml><?xml version="1.0" encoding="utf-8"?>
-<p:sld xmlns:a="http://schemas.openxmlformats.org/drawingml/2006/main" xmlns:p="http://schemas.openxmlformats.org/presentationml/2006/main" xmlns:r="http://schemas.openxmlformats.org/officeDocument/2006/relationships">
+<p:sld xmlns:a="http://schemas.openxmlformats.org/drawingml/2006/main" xmlns:r="http://schemas.openxmlformats.org/officeDocument/2006/relationships" xmlns:p="http://schemas.openxmlformats.org/presentationml/2006/main">
   <p:cSld>
     <p:spTree>
       <p:nvGrpSpPr>
@@ -4304,6 +5156,7 @@
         </p:spPr>
         <p:txBody>
           <a:bodyPr anchor="ctr"/>
+          <a:lstStyle/>
           <a:p>
             <a:pPr algn="ctr">
               <a:lnSpc>
@@ -4311,7 +5164,7 @@
               </a:lnSpc>
             </a:pPr>
             <a:r>
-              <a:rPr lang="en-US" sz="4400">
+              <a:rPr lang="en-US" sz="4400" dirty="0">
                 <a:solidFill>
                   <a:srgbClr val="000000"/>
                 </a:solidFill>
@@ -4319,18 +5172,18 @@
               </a:rPr>
               <a:t>Oil drawing - processed</a:t>
             </a:r>
-            <a:endParaRPr/>
+            <a:endParaRPr dirty="0"/>
           </a:p>
         </p:txBody>
       </p:sp>
       <p:pic>
         <p:nvPicPr>
-          <p:cNvPr id="112" name="Picture 2" descr=""/>
+          <p:cNvPr id="112" name="Picture 2"/>
           <p:cNvPicPr/>
           <p:nvPr/>
         </p:nvPicPr>
         <p:blipFill>
-          <a:blip r:embed="rId1"/>
+          <a:blip r:embed="rId2"/>
           <a:stretch>
             <a:fillRect/>
           </a:stretch>
@@ -4350,22 +5203,25 @@
       </p:pic>
     </p:spTree>
   </p:cSld>
+  <p:clrMapOvr>
+    <a:masterClrMapping/>
+  </p:clrMapOvr>
   <p:timing>
     <p:tnLst>
       <p:par>
-        <p:cTn id="35" dur="indefinite" restart="never" nodeType="tmRoot">
+        <p:cTn id="1" dur="indefinite" restart="never" nodeType="tmRoot">
           <p:childTnLst>
             <p:seq>
-              <p:cTn id="36" nodeType="mainSeq"/>
+              <p:cTn id="2" nodeType="mainSeq"/>
               <p:prevCondLst>
-                <p:cond delay="0" evt="onPrev">
+                <p:cond evt="onPrev" delay="0">
                   <p:tgtEl>
                     <p:sldTgt/>
                   </p:tgtEl>
                 </p:cond>
               </p:prevCondLst>
               <p:nextCondLst>
-                <p:cond delay="0" evt="onNext">
+                <p:cond evt="onNext" delay="0">
                   <p:tgtEl>
                     <p:sldTgt/>
                   </p:tgtEl>
@@ -4381,7 +5237,7 @@
 </file>
 
 <file path=ppt/slides/slide19.xml><?xml version="1.0" encoding="utf-8"?>
-<p:sld xmlns:a="http://schemas.openxmlformats.org/drawingml/2006/main" xmlns:p="http://schemas.openxmlformats.org/presentationml/2006/main" xmlns:r="http://schemas.openxmlformats.org/officeDocument/2006/relationships">
+<p:sld xmlns:a="http://schemas.openxmlformats.org/drawingml/2006/main" xmlns:r="http://schemas.openxmlformats.org/officeDocument/2006/relationships" xmlns:p="http://schemas.openxmlformats.org/presentationml/2006/main">
   <p:cSld>
     <p:spTree>
       <p:nvGrpSpPr>
@@ -4414,6 +5270,7 @@
         </p:spPr>
         <p:txBody>
           <a:bodyPr anchor="ctr"/>
+          <a:lstStyle/>
           <a:p>
             <a:pPr algn="ctr">
               <a:lnSpc>
@@ -4421,7 +5278,7 @@
               </a:lnSpc>
             </a:pPr>
             <a:r>
-              <a:rPr lang="en-US" sz="4400">
+              <a:rPr lang="en-US" sz="4400" dirty="0">
                 <a:solidFill>
                   <a:srgbClr val="000000"/>
                 </a:solidFill>
@@ -4429,7 +5286,7 @@
               </a:rPr>
               <a:t>Oil drawing - method</a:t>
             </a:r>
-            <a:endParaRPr/>
+            <a:endParaRPr dirty="0"/>
           </a:p>
         </p:txBody>
       </p:sp>
@@ -4450,6 +5307,7 @@
         </p:spPr>
         <p:txBody>
           <a:bodyPr/>
+          <a:lstStyle/>
           <a:p>
             <a:pPr>
               <a:lnSpc>
@@ -4459,7 +5317,7 @@
               <a:buChar char="•"/>
             </a:pPr>
             <a:r>
-              <a:rPr lang="en-US" sz="3200">
+              <a:rPr lang="en-US" sz="3200" dirty="0">
                 <a:solidFill>
                   <a:srgbClr val="000000"/>
                 </a:solidFill>
@@ -4467,7 +5325,7 @@
               </a:rPr>
               <a:t>for each pixel calculate intensity of all surrounding pixels</a:t>
             </a:r>
-            <a:endParaRPr/>
+            <a:endParaRPr dirty="0"/>
           </a:p>
           <a:p>
             <a:pPr>
@@ -4478,7 +5336,7 @@
               <a:buChar char="•"/>
             </a:pPr>
             <a:r>
-              <a:rPr lang="en-US" sz="3200">
+              <a:rPr lang="en-US" sz="3200" dirty="0">
                 <a:solidFill>
                   <a:srgbClr val="000000"/>
                 </a:solidFill>
@@ -4486,7 +5344,7 @@
               </a:rPr>
               <a:t>Group intensity's together in groups</a:t>
             </a:r>
-            <a:endParaRPr/>
+            <a:endParaRPr dirty="0"/>
           </a:p>
           <a:p>
             <a:pPr>
@@ -4497,15 +5355,33 @@
               <a:buChar char="•"/>
             </a:pPr>
             <a:r>
-              <a:rPr lang="en-US" sz="3200">
-                <a:solidFill>
-                  <a:srgbClr val="000000"/>
-                </a:solidFill>
-                <a:latin typeface="Calibri"/>
-              </a:rPr>
-              <a:t>Then calculate average colour of dominant intensity</a:t>
-            </a:r>
-            <a:endParaRPr/>
+              <a:rPr lang="en-US" sz="3200" dirty="0">
+                <a:solidFill>
+                  <a:srgbClr val="000000"/>
+                </a:solidFill>
+                <a:latin typeface="Calibri"/>
+              </a:rPr>
+              <a:t>Then calculate average </a:t>
+            </a:r>
+            <a:r>
+              <a:rPr lang="en-US" sz="3200" dirty="0">
+                <a:solidFill>
+                  <a:srgbClr val="000000"/>
+                </a:solidFill>
+                <a:latin typeface="Calibri"/>
+              </a:rPr>
+              <a:t>colour</a:t>
+            </a:r>
+            <a:r>
+              <a:rPr lang="en-US" sz="3200" dirty="0">
+                <a:solidFill>
+                  <a:srgbClr val="000000"/>
+                </a:solidFill>
+                <a:latin typeface="Calibri"/>
+              </a:rPr>
+              <a:t> of dominant intensity</a:t>
+            </a:r>
+            <a:endParaRPr dirty="0"/>
           </a:p>
           <a:p>
             <a:pPr>
@@ -4516,15 +5392,24 @@
               <a:buChar char="•"/>
             </a:pPr>
             <a:r>
-              <a:rPr lang="en-US" sz="3200">
-                <a:solidFill>
-                  <a:srgbClr val="000000"/>
-                </a:solidFill>
-                <a:latin typeface="Calibri"/>
-              </a:rPr>
-              <a:t>Set pixels to the average colours</a:t>
-            </a:r>
-            <a:endParaRPr/>
+              <a:rPr lang="en-US" sz="3200" dirty="0">
+                <a:solidFill>
+                  <a:srgbClr val="000000"/>
+                </a:solidFill>
+                <a:latin typeface="Calibri"/>
+              </a:rPr>
+              <a:t>Set pixels to the average </a:t>
+            </a:r>
+            <a:r>
+              <a:rPr lang="en-US" sz="3200" dirty="0">
+                <a:solidFill>
+                  <a:srgbClr val="000000"/>
+                </a:solidFill>
+                <a:latin typeface="Calibri"/>
+              </a:rPr>
+              <a:t>colours</a:t>
+            </a:r>
+            <a:endParaRPr dirty="0"/>
           </a:p>
           <a:p>
             <a:pPr>
@@ -4532,28 +5417,31 @@
                 <a:spcPct val="100000"/>
               </a:lnSpc>
             </a:pPr>
-            <a:endParaRPr/>
+            <a:endParaRPr dirty="0"/>
           </a:p>
         </p:txBody>
       </p:sp>
     </p:spTree>
   </p:cSld>
+  <p:clrMapOvr>
+    <a:masterClrMapping/>
+  </p:clrMapOvr>
   <p:timing>
     <p:tnLst>
       <p:par>
-        <p:cTn id="37" dur="indefinite" restart="never" nodeType="tmRoot">
+        <p:cTn id="1" dur="indefinite" restart="never" nodeType="tmRoot">
           <p:childTnLst>
             <p:seq>
-              <p:cTn id="38" nodeType="mainSeq"/>
+              <p:cTn id="2" nodeType="mainSeq"/>
               <p:prevCondLst>
-                <p:cond delay="0" evt="onPrev">
+                <p:cond evt="onPrev" delay="0">
                   <p:tgtEl>
                     <p:sldTgt/>
                   </p:tgtEl>
                 </p:cond>
               </p:prevCondLst>
               <p:nextCondLst>
-                <p:cond delay="0" evt="onNext">
+                <p:cond evt="onNext" delay="0">
                   <p:tgtEl>
                     <p:sldTgt/>
                   </p:tgtEl>
@@ -4569,7 +5457,7 @@
 </file>
 
 <file path=ppt/slides/slide2.xml><?xml version="1.0" encoding="utf-8"?>
-<p:sld xmlns:a="http://schemas.openxmlformats.org/drawingml/2006/main" xmlns:p="http://schemas.openxmlformats.org/presentationml/2006/main" xmlns:r="http://schemas.openxmlformats.org/officeDocument/2006/relationships">
+<p:sld xmlns:a="http://schemas.openxmlformats.org/drawingml/2006/main" xmlns:r="http://schemas.openxmlformats.org/officeDocument/2006/relationships" xmlns:p="http://schemas.openxmlformats.org/presentationml/2006/main">
   <p:cSld>
     <p:spTree>
       <p:nvGrpSpPr>
@@ -4602,6 +5490,7 @@
         </p:spPr>
         <p:txBody>
           <a:bodyPr anchor="ctr"/>
+          <a:lstStyle/>
           <a:p>
             <a:pPr algn="ctr">
               <a:lnSpc>
@@ -4609,7 +5498,7 @@
               </a:lnSpc>
             </a:pPr>
             <a:r>
-              <a:rPr lang="en-US" sz="4400">
+              <a:rPr lang="en-US" sz="4400" dirty="0">
                 <a:solidFill>
                   <a:srgbClr val="000000"/>
                 </a:solidFill>
@@ -4617,7 +5506,7 @@
               </a:rPr>
               <a:t>Members</a:t>
             </a:r>
-            <a:endParaRPr/>
+            <a:endParaRPr dirty="0"/>
           </a:p>
         </p:txBody>
       </p:sp>
@@ -4638,6 +5527,7 @@
         </p:spPr>
         <p:txBody>
           <a:bodyPr/>
+          <a:lstStyle/>
           <a:p>
             <a:pPr algn="ctr">
               <a:lnSpc>
@@ -4645,15 +5535,33 @@
               </a:lnSpc>
             </a:pPr>
             <a:r>
-              <a:rPr lang="en-US" sz="3200">
-                <a:solidFill>
-                  <a:srgbClr val="000000"/>
-                </a:solidFill>
-                <a:latin typeface="Calibri"/>
-              </a:rPr>
-              <a:t>Maarten van Beek, 4107780</a:t>
-            </a:r>
-            <a:endParaRPr/>
+              <a:rPr lang="en-US" sz="3200" dirty="0">
+                <a:solidFill>
+                  <a:srgbClr val="000000"/>
+                </a:solidFill>
+                <a:latin typeface="Calibri"/>
+              </a:rPr>
+              <a:t>Maarten van </a:t>
+            </a:r>
+            <a:r>
+              <a:rPr lang="en-US" sz="3200" dirty="0">
+                <a:solidFill>
+                  <a:srgbClr val="000000"/>
+                </a:solidFill>
+                <a:latin typeface="Calibri"/>
+              </a:rPr>
+              <a:t>Beek</a:t>
+            </a:r>
+            <a:r>
+              <a:rPr lang="en-US" sz="3200" dirty="0">
+                <a:solidFill>
+                  <a:srgbClr val="000000"/>
+                </a:solidFill>
+                <a:latin typeface="Calibri"/>
+              </a:rPr>
+              <a:t>, 4107780</a:t>
+            </a:r>
+            <a:endParaRPr dirty="0"/>
           </a:p>
           <a:p>
             <a:pPr algn="ctr">
@@ -4662,15 +5570,33 @@
               </a:lnSpc>
             </a:pPr>
             <a:r>
-              <a:rPr lang="en-US" sz="3200">
-                <a:solidFill>
-                  <a:srgbClr val="000000"/>
-                </a:solidFill>
-                <a:latin typeface="Calibri"/>
-              </a:rPr>
-              <a:t>Thomas van Helden, 4106725           </a:t>
-            </a:r>
-            <a:endParaRPr/>
+              <a:rPr lang="en-US" sz="3200" dirty="0">
+                <a:solidFill>
+                  <a:srgbClr val="000000"/>
+                </a:solidFill>
+                <a:latin typeface="Calibri"/>
+              </a:rPr>
+              <a:t>Thomas van </a:t>
+            </a:r>
+            <a:r>
+              <a:rPr lang="en-US" sz="3200" dirty="0">
+                <a:solidFill>
+                  <a:srgbClr val="000000"/>
+                </a:solidFill>
+                <a:latin typeface="Calibri"/>
+              </a:rPr>
+              <a:t>Helden</a:t>
+            </a:r>
+            <a:r>
+              <a:rPr lang="en-US" sz="3200" dirty="0">
+                <a:solidFill>
+                  <a:srgbClr val="000000"/>
+                </a:solidFill>
+                <a:latin typeface="Calibri"/>
+              </a:rPr>
+              <a:t>, 4106725           </a:t>
+            </a:r>
+            <a:endParaRPr dirty="0"/>
           </a:p>
           <a:p>
             <a:pPr algn="ctr">
@@ -4679,15 +5605,33 @@
               </a:lnSpc>
             </a:pPr>
             <a:r>
-              <a:rPr lang="en-US" sz="3200">
-                <a:solidFill>
-                  <a:srgbClr val="000000"/>
-                </a:solidFill>
-                <a:latin typeface="Calibri"/>
-              </a:rPr>
-              <a:t>Berend Ottervanger, 4082427</a:t>
-            </a:r>
-            <a:endParaRPr/>
+              <a:rPr lang="en-US" sz="3200" dirty="0">
+                <a:solidFill>
+                  <a:srgbClr val="000000"/>
+                </a:solidFill>
+                <a:latin typeface="Calibri"/>
+              </a:rPr>
+              <a:t>Berend </a:t>
+            </a:r>
+            <a:r>
+              <a:rPr lang="en-US" sz="3200" dirty="0">
+                <a:solidFill>
+                  <a:srgbClr val="000000"/>
+                </a:solidFill>
+                <a:latin typeface="Calibri"/>
+              </a:rPr>
+              <a:t>Ottervanger</a:t>
+            </a:r>
+            <a:r>
+              <a:rPr lang="en-US" sz="3200" dirty="0">
+                <a:solidFill>
+                  <a:srgbClr val="000000"/>
+                </a:solidFill>
+                <a:latin typeface="Calibri"/>
+              </a:rPr>
+              <a:t>, 4082427</a:t>
+            </a:r>
+            <a:endParaRPr dirty="0"/>
           </a:p>
           <a:p>
             <a:pPr algn="ctr">
@@ -4696,15 +5640,33 @@
               </a:lnSpc>
             </a:pPr>
             <a:r>
-              <a:rPr lang="en-US" sz="3200">
-                <a:solidFill>
-                  <a:srgbClr val="000000"/>
-                </a:solidFill>
-                <a:latin typeface="Calibri"/>
-              </a:rPr>
-              <a:t>Felix Akkermans, 4103440</a:t>
-            </a:r>
-            <a:endParaRPr/>
+              <a:rPr lang="en-US" sz="3200" dirty="0">
+                <a:solidFill>
+                  <a:srgbClr val="000000"/>
+                </a:solidFill>
+                <a:latin typeface="Calibri"/>
+              </a:rPr>
+              <a:t>Felix </a:t>
+            </a:r>
+            <a:r>
+              <a:rPr lang="en-US" sz="3200" dirty="0">
+                <a:solidFill>
+                  <a:srgbClr val="000000"/>
+                </a:solidFill>
+                <a:latin typeface="Calibri"/>
+              </a:rPr>
+              <a:t>Akkermans</a:t>
+            </a:r>
+            <a:r>
+              <a:rPr lang="en-US" sz="3200" dirty="0">
+                <a:solidFill>
+                  <a:srgbClr val="000000"/>
+                </a:solidFill>
+                <a:latin typeface="Calibri"/>
+              </a:rPr>
+              <a:t>, 4103440</a:t>
+            </a:r>
+            <a:endParaRPr dirty="0"/>
           </a:p>
           <a:p>
             <a:pPr algn="ctr">
@@ -4713,7 +5675,7 @@
               </a:lnSpc>
             </a:pPr>
             <a:r>
-              <a:rPr lang="en-US" sz="3200">
+              <a:rPr lang="en-US" sz="3200" dirty="0">
                 <a:solidFill>
                   <a:srgbClr val="000000"/>
                 </a:solidFill>
@@ -4721,7 +5683,7 @@
               </a:rPr>
               <a:t>Calvin Wong Loi Sing, 4076699</a:t>
             </a:r>
-            <a:endParaRPr/>
+            <a:endParaRPr dirty="0"/>
           </a:p>
           <a:p>
             <a:pPr algn="ctr">
@@ -4730,15 +5692,33 @@
               </a:lnSpc>
             </a:pPr>
             <a:r>
-              <a:rPr lang="en-US" sz="3200">
-                <a:solidFill>
-                  <a:srgbClr val="000000"/>
-                </a:solidFill>
-                <a:latin typeface="Calibri"/>
-              </a:rPr>
-              <a:t>Petri Rohenkohl, 4087631</a:t>
-            </a:r>
-            <a:endParaRPr/>
+              <a:rPr lang="en-US" sz="3200" dirty="0">
+                <a:solidFill>
+                  <a:srgbClr val="000000"/>
+                </a:solidFill>
+                <a:latin typeface="Calibri"/>
+              </a:rPr>
+              <a:t>Petri </a:t>
+            </a:r>
+            <a:r>
+              <a:rPr lang="en-US" sz="3200" dirty="0">
+                <a:solidFill>
+                  <a:srgbClr val="000000"/>
+                </a:solidFill>
+                <a:latin typeface="Calibri"/>
+              </a:rPr>
+              <a:t>Rohenkohl</a:t>
+            </a:r>
+            <a:r>
+              <a:rPr lang="en-US" sz="3200" dirty="0">
+                <a:solidFill>
+                  <a:srgbClr val="000000"/>
+                </a:solidFill>
+                <a:latin typeface="Calibri"/>
+              </a:rPr>
+              <a:t>, 4087631</a:t>
+            </a:r>
+            <a:endParaRPr dirty="0"/>
           </a:p>
           <a:p>
             <a:pPr algn="ctr">
@@ -4747,15 +5727,33 @@
               </a:lnSpc>
             </a:pPr>
             <a:r>
-              <a:rPr lang="en-US" sz="3200">
-                <a:solidFill>
-                  <a:srgbClr val="000000"/>
-                </a:solidFill>
-                <a:latin typeface="Calibri"/>
-              </a:rPr>
-              <a:t>Thijs Boumans, 4214854</a:t>
-            </a:r>
-            <a:endParaRPr/>
+              <a:rPr lang="en-US" sz="3200" dirty="0">
+                <a:solidFill>
+                  <a:srgbClr val="000000"/>
+                </a:solidFill>
+                <a:latin typeface="Calibri"/>
+              </a:rPr>
+              <a:t>Thijs </a:t>
+            </a:r>
+            <a:r>
+              <a:rPr lang="en-US" sz="3200" dirty="0">
+                <a:solidFill>
+                  <a:srgbClr val="000000"/>
+                </a:solidFill>
+                <a:latin typeface="Calibri"/>
+              </a:rPr>
+              <a:t>Boumans</a:t>
+            </a:r>
+            <a:r>
+              <a:rPr lang="en-US" sz="3200" dirty="0">
+                <a:solidFill>
+                  <a:srgbClr val="000000"/>
+                </a:solidFill>
+                <a:latin typeface="Calibri"/>
+              </a:rPr>
+              <a:t>, 4214854</a:t>
+            </a:r>
+            <a:endParaRPr dirty="0"/>
           </a:p>
           <a:p>
             <a:pPr algn="ctr">
@@ -4764,15 +5762,33 @@
               </a:lnSpc>
             </a:pPr>
             <a:r>
-              <a:rPr lang="en-US" sz="3200">
-                <a:solidFill>
-                  <a:srgbClr val="000000"/>
-                </a:solidFill>
-                <a:latin typeface="Calibri"/>
-              </a:rPr>
-              <a:t>Jeroen Roosen, 1327739</a:t>
-            </a:r>
-            <a:endParaRPr/>
+              <a:rPr lang="en-US" sz="3200" dirty="0">
+                <a:solidFill>
+                  <a:srgbClr val="000000"/>
+                </a:solidFill>
+                <a:latin typeface="Calibri"/>
+              </a:rPr>
+              <a:t>Jeroen </a:t>
+            </a:r>
+            <a:r>
+              <a:rPr lang="en-US" sz="3200" dirty="0">
+                <a:solidFill>
+                  <a:srgbClr val="000000"/>
+                </a:solidFill>
+                <a:latin typeface="Calibri"/>
+              </a:rPr>
+              <a:t>Roosen</a:t>
+            </a:r>
+            <a:r>
+              <a:rPr lang="en-US" sz="3200" dirty="0">
+                <a:solidFill>
+                  <a:srgbClr val="000000"/>
+                </a:solidFill>
+                <a:latin typeface="Calibri"/>
+              </a:rPr>
+              <a:t>, 1327739</a:t>
+            </a:r>
+            <a:endParaRPr dirty="0"/>
           </a:p>
           <a:p>
             <a:pPr>
@@ -4780,28 +5796,31 @@
                 <a:spcPct val="100000"/>
               </a:lnSpc>
             </a:pPr>
-            <a:endParaRPr/>
+            <a:endParaRPr dirty="0"/>
           </a:p>
         </p:txBody>
       </p:sp>
     </p:spTree>
   </p:cSld>
+  <p:clrMapOvr>
+    <a:masterClrMapping/>
+  </p:clrMapOvr>
   <p:timing>
     <p:tnLst>
       <p:par>
-        <p:cTn id="3" dur="indefinite" restart="never" nodeType="tmRoot">
+        <p:cTn id="1" dur="indefinite" restart="never" nodeType="tmRoot">
           <p:childTnLst>
             <p:seq>
-              <p:cTn id="4" nodeType="mainSeq"/>
+              <p:cTn id="2" nodeType="mainSeq"/>
               <p:prevCondLst>
-                <p:cond delay="0" evt="onPrev">
+                <p:cond evt="onPrev" delay="0">
                   <p:tgtEl>
                     <p:sldTgt/>
                   </p:tgtEl>
                 </p:cond>
               </p:prevCondLst>
               <p:nextCondLst>
-                <p:cond delay="0" evt="onNext">
+                <p:cond evt="onNext" delay="0">
                   <p:tgtEl>
                     <p:sldTgt/>
                   </p:tgtEl>
@@ -4817,7 +5836,7 @@
 </file>
 
 <file path=ppt/slides/slide20.xml><?xml version="1.0" encoding="utf-8"?>
-<p:sld xmlns:a="http://schemas.openxmlformats.org/drawingml/2006/main" xmlns:p="http://schemas.openxmlformats.org/presentationml/2006/main" xmlns:r="http://schemas.openxmlformats.org/officeDocument/2006/relationships">
+<p:sld xmlns:a="http://schemas.openxmlformats.org/drawingml/2006/main" xmlns:r="http://schemas.openxmlformats.org/officeDocument/2006/relationships" xmlns:p="http://schemas.openxmlformats.org/presentationml/2006/main">
   <p:cSld>
     <p:spTree>
       <p:nvGrpSpPr>
@@ -4849,56 +5868,27 @@
           </a:prstGeom>
         </p:spPr>
         <p:txBody>
-          <a:bodyPr lIns="0" rIns="0" tIns="0" bIns="0" anchor="ctr"/>
-          <a:p>
-            <a:r>
-              <a:rPr lang="en-US">
-                <a:latin typeface="Calibri"/>
-              </a:rPr>
-              <a:t>                 </a:t>
-            </a:r>
-            <a:r>
-              <a:rPr lang="en-US">
-                <a:latin typeface="Calibri"/>
-              </a:rPr>
-              <a:t>	</a:t>
-            </a:r>
-            <a:r>
-              <a:rPr lang="en-US">
-                <a:latin typeface="Calibri"/>
-              </a:rPr>
-              <a:t>	</a:t>
-            </a:r>
-            <a:r>
-              <a:rPr lang="en-US">
-                <a:latin typeface="Calibri"/>
-              </a:rPr>
-              <a:t>	</a:t>
-            </a:r>
-            <a:r>
-              <a:rPr lang="en-US">
-                <a:latin typeface="Calibri"/>
-              </a:rPr>
-              <a:t>	</a:t>
-            </a:r>
-            <a:r>
-              <a:rPr lang="en-US">
-                <a:latin typeface="Calibri"/>
-              </a:rPr>
-              <a:t>On rendering</a:t>
-            </a:r>
-            <a:endParaRPr/>
+          <a:bodyPr lIns="0" tIns="0" rIns="0" bIns="0" anchor="ctr"/>
+          <a:lstStyle/>
+          <a:p>
+            <a:r>
+              <a:rPr lang="en-US" dirty="0">
+                <a:latin typeface="Calibri"/>
+              </a:rPr>
+              <a:t>                 				On rendering</a:t>
+            </a:r>
+            <a:endParaRPr dirty="0"/>
           </a:p>
         </p:txBody>
       </p:sp>
       <p:pic>
         <p:nvPicPr>
-          <p:cNvPr id="116" name="Picture 2" descr=""/>
+          <p:cNvPr id="116" name="Picture 2"/>
           <p:cNvPicPr/>
           <p:nvPr/>
         </p:nvPicPr>
         <p:blipFill>
-          <a:blip r:embed="rId1"/>
+          <a:blip r:embed="rId2"/>
           <a:stretch>
             <a:fillRect/>
           </a:stretch>
@@ -4918,22 +5908,25 @@
       </p:pic>
     </p:spTree>
   </p:cSld>
+  <p:clrMapOvr>
+    <a:masterClrMapping/>
+  </p:clrMapOvr>
   <p:timing>
     <p:tnLst>
       <p:par>
-        <p:cTn id="39" dur="indefinite" restart="never" nodeType="tmRoot">
+        <p:cTn id="1" dur="indefinite" restart="never" nodeType="tmRoot">
           <p:childTnLst>
             <p:seq>
-              <p:cTn id="40" nodeType="mainSeq"/>
+              <p:cTn id="2" nodeType="mainSeq"/>
               <p:prevCondLst>
-                <p:cond delay="0" evt="onPrev">
+                <p:cond evt="onPrev" delay="0">
                   <p:tgtEl>
                     <p:sldTgt/>
                   </p:tgtEl>
                 </p:cond>
               </p:prevCondLst>
               <p:nextCondLst>
-                <p:cond delay="0" evt="onNext">
+                <p:cond evt="onNext" delay="0">
                   <p:tgtEl>
                     <p:sldTgt/>
                   </p:tgtEl>
@@ -4949,7 +5942,7 @@
 </file>
 
 <file path=ppt/slides/slide21.xml><?xml version="1.0" encoding="utf-8"?>
-<p:sld xmlns:a="http://schemas.openxmlformats.org/drawingml/2006/main" xmlns:p="http://schemas.openxmlformats.org/presentationml/2006/main" xmlns:r="http://schemas.openxmlformats.org/officeDocument/2006/relationships">
+<p:sld xmlns:a="http://schemas.openxmlformats.org/drawingml/2006/main" xmlns:r="http://schemas.openxmlformats.org/officeDocument/2006/relationships" xmlns:p="http://schemas.openxmlformats.org/presentationml/2006/main">
   <p:cSld>
     <p:spTree>
       <p:nvGrpSpPr>
@@ -4981,56 +5974,27 @@
           </a:prstGeom>
         </p:spPr>
         <p:txBody>
-          <a:bodyPr lIns="0" rIns="0" tIns="0" bIns="0" anchor="ctr"/>
-          <a:p>
-            <a:r>
-              <a:rPr lang="en-US">
-                <a:latin typeface="Calibri"/>
-              </a:rPr>
-              <a:t>                 </a:t>
-            </a:r>
-            <a:r>
-              <a:rPr lang="en-US">
-                <a:latin typeface="Calibri"/>
-              </a:rPr>
-              <a:t>	</a:t>
-            </a:r>
-            <a:r>
-              <a:rPr lang="en-US">
-                <a:latin typeface="Calibri"/>
-              </a:rPr>
-              <a:t>	</a:t>
-            </a:r>
-            <a:r>
-              <a:rPr lang="en-US">
-                <a:latin typeface="Calibri"/>
-              </a:rPr>
-              <a:t>	</a:t>
-            </a:r>
-            <a:r>
-              <a:rPr lang="en-US">
-                <a:latin typeface="Calibri"/>
-              </a:rPr>
-              <a:t>	</a:t>
-            </a:r>
-            <a:r>
-              <a:rPr lang="en-US">
-                <a:latin typeface="Calibri"/>
-              </a:rPr>
-              <a:t>On rendering</a:t>
-            </a:r>
-            <a:endParaRPr/>
+          <a:bodyPr lIns="0" tIns="0" rIns="0" bIns="0" anchor="ctr"/>
+          <a:lstStyle/>
+          <a:p>
+            <a:r>
+              <a:rPr lang="en-US" dirty="0">
+                <a:latin typeface="Calibri"/>
+              </a:rPr>
+              <a:t>                 				On rendering</a:t>
+            </a:r>
+            <a:endParaRPr dirty="0"/>
           </a:p>
         </p:txBody>
       </p:sp>
       <p:pic>
         <p:nvPicPr>
-          <p:cNvPr id="118" name="" descr=""/>
+          <p:cNvPr id="118" name="Picture 117"/>
           <p:cNvPicPr/>
           <p:nvPr/>
         </p:nvPicPr>
         <p:blipFill>
-          <a:blip r:embed="rId1"/>
+          <a:blip r:embed="rId2"/>
           <a:stretch>
             <a:fillRect/>
           </a:stretch>
@@ -5050,22 +6014,25 @@
       </p:pic>
     </p:spTree>
   </p:cSld>
+  <p:clrMapOvr>
+    <a:masterClrMapping/>
+  </p:clrMapOvr>
   <p:timing>
     <p:tnLst>
       <p:par>
-        <p:cTn id="41" dur="indefinite" restart="never" nodeType="tmRoot">
+        <p:cTn id="1" dur="indefinite" restart="never" nodeType="tmRoot">
           <p:childTnLst>
             <p:seq>
-              <p:cTn id="42" nodeType="mainSeq"/>
+              <p:cTn id="2" nodeType="mainSeq"/>
               <p:prevCondLst>
-                <p:cond delay="0" evt="onPrev">
+                <p:cond evt="onPrev" delay="0">
                   <p:tgtEl>
                     <p:sldTgt/>
                   </p:tgtEl>
                 </p:cond>
               </p:prevCondLst>
               <p:nextCondLst>
-                <p:cond delay="0" evt="onNext">
+                <p:cond evt="onNext" delay="0">
                   <p:tgtEl>
                     <p:sldTgt/>
                   </p:tgtEl>
@@ -5081,7 +6048,7 @@
 </file>
 
 <file path=ppt/slides/slide22.xml><?xml version="1.0" encoding="utf-8"?>
-<p:sld xmlns:a="http://schemas.openxmlformats.org/drawingml/2006/main" xmlns:p="http://schemas.openxmlformats.org/presentationml/2006/main" xmlns:r="http://schemas.openxmlformats.org/officeDocument/2006/relationships">
+<p:sld xmlns:a="http://schemas.openxmlformats.org/drawingml/2006/main" xmlns:r="http://schemas.openxmlformats.org/officeDocument/2006/relationships" xmlns:p="http://schemas.openxmlformats.org/presentationml/2006/main">
   <p:cSld>
     <p:spTree>
       <p:nvGrpSpPr>
@@ -5113,76 +6080,22 @@
           </a:prstGeom>
         </p:spPr>
         <p:txBody>
-          <a:bodyPr lIns="0" rIns="0" tIns="0" bIns="0" anchor="ctr"/>
-          <a:p>
-            <a:r>
-              <a:rPr lang="en-US">
-                <a:latin typeface="Calibri"/>
-              </a:rPr>
-              <a:t>                 </a:t>
-            </a:r>
-            <a:r>
-              <a:rPr lang="en-US">
-                <a:latin typeface="Calibri"/>
-              </a:rPr>
-              <a:t>	</a:t>
-            </a:r>
-            <a:r>
-              <a:rPr lang="en-US">
-                <a:latin typeface="Calibri"/>
-              </a:rPr>
-              <a:t>	</a:t>
-            </a:r>
-            <a:r>
-              <a:rPr lang="en-US">
-                <a:latin typeface="Calibri"/>
-              </a:rPr>
-              <a:t>	</a:t>
-            </a:r>
-            <a:r>
-              <a:rPr lang="en-US">
-                <a:latin typeface="Calibri"/>
-              </a:rPr>
-              <a:t>	</a:t>
-            </a:r>
-            <a:r>
-              <a:rPr lang="en-US">
-                <a:latin typeface="Calibri"/>
-              </a:rPr>
-              <a:t>On rendering</a:t>
-            </a:r>
-            <a:endParaRPr/>
+          <a:bodyPr lIns="0" tIns="0" rIns="0" bIns="0" anchor="ctr"/>
+          <a:lstStyle/>
+          <a:p>
+            <a:r>
+              <a:rPr lang="en-US" dirty="0">
+                <a:latin typeface="Calibri"/>
+              </a:rPr>
+              <a:t>                 				On rendering</a:t>
+            </a:r>
+            <a:endParaRPr dirty="0"/>
           </a:p>
         </p:txBody>
       </p:sp>
       <p:pic>
         <p:nvPicPr>
-          <p:cNvPr id="120" name="" descr=""/>
-          <p:cNvPicPr/>
-          <p:nvPr/>
-        </p:nvPicPr>
-        <p:blipFill>
-          <a:blip r:embed="rId1"/>
-          <a:stretch>
-            <a:fillRect/>
-          </a:stretch>
-        </p:blipFill>
-        <p:spPr>
-          <a:xfrm>
-            <a:off x="1299960" y="0"/>
-            <a:ext cx="6857640" cy="6857640"/>
-          </a:xfrm>
-          <a:prstGeom prst="rect">
-            <a:avLst/>
-          </a:prstGeom>
-          <a:ln>
-            <a:noFill/>
-          </a:ln>
-        </p:spPr>
-      </p:pic>
-      <p:pic>
-        <p:nvPicPr>
-          <p:cNvPr id="121" name="" descr=""/>
+          <p:cNvPr id="120" name="Picture 119"/>
           <p:cNvPicPr/>
           <p:nvPr/>
         </p:nvPicPr>
@@ -5194,7 +6107,7 @@
         </p:blipFill>
         <p:spPr>
           <a:xfrm>
-            <a:off x="1299960" y="360"/>
+            <a:off x="1299960" y="0"/>
             <a:ext cx="6857640" cy="6857640"/>
           </a:xfrm>
           <a:prstGeom prst="rect">
@@ -5205,24 +6118,52 @@
           </a:ln>
         </p:spPr>
       </p:pic>
+      <p:pic>
+        <p:nvPicPr>
+          <p:cNvPr id="121" name="Picture 120"/>
+          <p:cNvPicPr/>
+          <p:nvPr/>
+        </p:nvPicPr>
+        <p:blipFill>
+          <a:blip r:embed="rId3"/>
+          <a:stretch>
+            <a:fillRect/>
+          </a:stretch>
+        </p:blipFill>
+        <p:spPr>
+          <a:xfrm>
+            <a:off x="1299960" y="360"/>
+            <a:ext cx="6857640" cy="6857640"/>
+          </a:xfrm>
+          <a:prstGeom prst="rect">
+            <a:avLst/>
+          </a:prstGeom>
+          <a:ln>
+            <a:noFill/>
+          </a:ln>
+        </p:spPr>
+      </p:pic>
     </p:spTree>
   </p:cSld>
+  <p:clrMapOvr>
+    <a:masterClrMapping/>
+  </p:clrMapOvr>
   <p:timing>
     <p:tnLst>
       <p:par>
-        <p:cTn id="43" dur="indefinite" restart="never" nodeType="tmRoot">
+        <p:cTn id="1" dur="indefinite" restart="never" nodeType="tmRoot">
           <p:childTnLst>
             <p:seq>
-              <p:cTn id="44" nodeType="mainSeq"/>
+              <p:cTn id="2" nodeType="mainSeq"/>
               <p:prevCondLst>
-                <p:cond delay="0" evt="onPrev">
+                <p:cond evt="onPrev" delay="0">
                   <p:tgtEl>
                     <p:sldTgt/>
                   </p:tgtEl>
                 </p:cond>
               </p:prevCondLst>
               <p:nextCondLst>
-                <p:cond delay="0" evt="onNext">
+                <p:cond evt="onNext" delay="0">
                   <p:tgtEl>
                     <p:sldTgt/>
                   </p:tgtEl>
@@ -5238,7 +6179,7 @@
 </file>
 
 <file path=ppt/slides/slide23.xml><?xml version="1.0" encoding="utf-8"?>
-<p:sld xmlns:a="http://schemas.openxmlformats.org/drawingml/2006/main" xmlns:p="http://schemas.openxmlformats.org/presentationml/2006/main" xmlns:r="http://schemas.openxmlformats.org/officeDocument/2006/relationships">
+<p:sld xmlns:a="http://schemas.openxmlformats.org/drawingml/2006/main" xmlns:r="http://schemas.openxmlformats.org/officeDocument/2006/relationships" xmlns:p="http://schemas.openxmlformats.org/presentationml/2006/main">
   <p:cSld>
     <p:spTree>
       <p:nvGrpSpPr>
@@ -5271,6 +6212,7 @@
         </p:spPr>
         <p:txBody>
           <a:bodyPr anchor="ctr"/>
+          <a:lstStyle/>
           <a:p>
             <a:pPr algn="ctr">
               <a:lnSpc>
@@ -5278,7 +6220,7 @@
               </a:lnSpc>
             </a:pPr>
             <a:r>
-              <a:rPr lang="en-US" sz="4400">
+              <a:rPr lang="en-US" sz="4400" dirty="0">
                 <a:solidFill>
                   <a:srgbClr val="000000"/>
                 </a:solidFill>
@@ -5286,7 +6228,7 @@
               </a:rPr>
               <a:t>Unfinished features – KD tree</a:t>
             </a:r>
-            <a:endParaRPr/>
+            <a:endParaRPr dirty="0"/>
           </a:p>
         </p:txBody>
       </p:sp>
@@ -5307,6 +6249,7 @@
         </p:spPr>
         <p:txBody>
           <a:bodyPr/>
+          <a:lstStyle/>
           <a:p>
             <a:pPr>
               <a:lnSpc>
@@ -5316,7 +6259,7 @@
               <a:buChar char="•"/>
             </a:pPr>
             <a:r>
-              <a:rPr lang="en-US" sz="3200">
+              <a:rPr lang="en-US" sz="3200" dirty="0">
                 <a:solidFill>
                   <a:srgbClr val="000000"/>
                 </a:solidFill>
@@ -5324,7 +6267,7 @@
               </a:rPr>
               <a:t>Tree building worked</a:t>
             </a:r>
-            <a:endParaRPr/>
+            <a:endParaRPr dirty="0"/>
           </a:p>
           <a:p>
             <a:pPr>
@@ -5335,7 +6278,7 @@
               <a:buChar char="•"/>
             </a:pPr>
             <a:r>
-              <a:rPr lang="en-US" sz="3200">
+              <a:rPr lang="en-US" sz="3200" dirty="0">
                 <a:solidFill>
                   <a:srgbClr val="000000"/>
                 </a:solidFill>
@@ -5343,7 +6286,7 @@
               </a:rPr>
               <a:t>Bounding boxes worked</a:t>
             </a:r>
-            <a:endParaRPr/>
+            <a:endParaRPr dirty="0"/>
           </a:p>
           <a:p>
             <a:pPr>
@@ -5354,7 +6297,7 @@
               <a:buChar char="•"/>
             </a:pPr>
             <a:r>
-              <a:rPr lang="en-US" sz="3200">
+              <a:rPr lang="en-US" sz="3200" dirty="0">
                 <a:solidFill>
                   <a:srgbClr val="000000"/>
                 </a:solidFill>
@@ -5362,7 +6305,7 @@
               </a:rPr>
               <a:t>Combining the two was problematic</a:t>
             </a:r>
-            <a:endParaRPr/>
+            <a:endParaRPr dirty="0"/>
           </a:p>
           <a:p>
             <a:pPr>
@@ -5373,7 +6316,7 @@
               <a:buChar char="•"/>
             </a:pPr>
             <a:r>
-              <a:rPr lang="en-US" sz="3200">
+              <a:rPr lang="en-US" sz="3200" dirty="0">
                 <a:solidFill>
                   <a:srgbClr val="000000"/>
                 </a:solidFill>
@@ -5381,7 +6324,7 @@
               </a:rPr>
               <a:t>Segmentation faults</a:t>
             </a:r>
-            <a:endParaRPr/>
+            <a:endParaRPr dirty="0"/>
           </a:p>
           <a:p>
             <a:pPr>
@@ -5392,7 +6335,7 @@
               <a:buChar char="•"/>
             </a:pPr>
             <a:r>
-              <a:rPr lang="en-US" sz="3200">
+              <a:rPr lang="en-US" sz="3200" dirty="0">
                 <a:solidFill>
                   <a:srgbClr val="000000"/>
                 </a:solidFill>
@@ -5400,28 +6343,31 @@
               </a:rPr>
               <a:t>Time pressure</a:t>
             </a:r>
-            <a:endParaRPr/>
+            <a:endParaRPr dirty="0"/>
           </a:p>
         </p:txBody>
       </p:sp>
     </p:spTree>
   </p:cSld>
+  <p:clrMapOvr>
+    <a:masterClrMapping/>
+  </p:clrMapOvr>
   <p:timing>
     <p:tnLst>
       <p:par>
-        <p:cTn id="45" dur="indefinite" restart="never" nodeType="tmRoot">
+        <p:cTn id="1" dur="indefinite" restart="never" nodeType="tmRoot">
           <p:childTnLst>
             <p:seq>
-              <p:cTn id="46" nodeType="mainSeq"/>
+              <p:cTn id="2" nodeType="mainSeq"/>
               <p:prevCondLst>
-                <p:cond delay="0" evt="onPrev">
+                <p:cond evt="onPrev" delay="0">
                   <p:tgtEl>
                     <p:sldTgt/>
                   </p:tgtEl>
                 </p:cond>
               </p:prevCondLst>
               <p:nextCondLst>
-                <p:cond delay="0" evt="onNext">
+                <p:cond evt="onNext" delay="0">
                   <p:tgtEl>
                     <p:sldTgt/>
                   </p:tgtEl>
@@ -5437,7 +6383,7 @@
 </file>
 
 <file path=ppt/slides/slide24.xml><?xml version="1.0" encoding="utf-8"?>
-<p:sld xmlns:a="http://schemas.openxmlformats.org/drawingml/2006/main" xmlns:p="http://schemas.openxmlformats.org/presentationml/2006/main" xmlns:r="http://schemas.openxmlformats.org/officeDocument/2006/relationships">
+<p:sld xmlns:a="http://schemas.openxmlformats.org/drawingml/2006/main" xmlns:r="http://schemas.openxmlformats.org/officeDocument/2006/relationships" xmlns:p="http://schemas.openxmlformats.org/presentationml/2006/main">
   <p:cSld>
     <p:spTree>
       <p:nvGrpSpPr>
@@ -5470,6 +6416,7 @@
         </p:spPr>
         <p:txBody>
           <a:bodyPr anchor="ctr"/>
+          <a:lstStyle/>
           <a:p>
             <a:pPr algn="ctr">
               <a:lnSpc>
@@ -5477,7 +6424,7 @@
               </a:lnSpc>
             </a:pPr>
             <a:r>
-              <a:rPr lang="en-US" sz="4400">
+              <a:rPr lang="en-US" sz="4400" dirty="0">
                 <a:solidFill>
                   <a:srgbClr val="000000"/>
                 </a:solidFill>
@@ -5485,7 +6432,7 @@
               </a:rPr>
               <a:t>Unfinished features – Spheroid class</a:t>
             </a:r>
-            <a:endParaRPr/>
+            <a:endParaRPr dirty="0"/>
           </a:p>
         </p:txBody>
       </p:sp>
@@ -5506,6 +6453,7 @@
         </p:spPr>
         <p:txBody>
           <a:bodyPr/>
+          <a:lstStyle/>
           <a:p>
             <a:pPr>
               <a:lnSpc>
@@ -5515,15 +6463,33 @@
               <a:buChar char="•"/>
             </a:pPr>
             <a:r>
-              <a:rPr lang="en-US" sz="3200">
-                <a:solidFill>
-                  <a:srgbClr val="000000"/>
-                </a:solidFill>
-                <a:latin typeface="Calibri"/>
-              </a:rPr>
-              <a:t>Worked but insignificantly tested, so we didnt add it to the final version</a:t>
-            </a:r>
-            <a:endParaRPr/>
+              <a:rPr lang="en-US" sz="3200" dirty="0">
+                <a:solidFill>
+                  <a:srgbClr val="000000"/>
+                </a:solidFill>
+                <a:latin typeface="Calibri"/>
+              </a:rPr>
+              <a:t>Worked but insignificantly tested, so we </a:t>
+            </a:r>
+            <a:r>
+              <a:rPr lang="en-US" sz="3200" dirty="0" smtClean="0">
+                <a:solidFill>
+                  <a:srgbClr val="000000"/>
+                </a:solidFill>
+                <a:latin typeface="Calibri"/>
+              </a:rPr>
+              <a:t>didn't </a:t>
+            </a:r>
+            <a:r>
+              <a:rPr lang="en-US" sz="3200" dirty="0">
+                <a:solidFill>
+                  <a:srgbClr val="000000"/>
+                </a:solidFill>
+                <a:latin typeface="Calibri"/>
+              </a:rPr>
+              <a:t>add it to the final version</a:t>
+            </a:r>
+            <a:endParaRPr dirty="0"/>
           </a:p>
           <a:p>
             <a:pPr>
@@ -5534,7 +6500,7 @@
               <a:buChar char="•"/>
             </a:pPr>
             <a:r>
-              <a:rPr lang="en-US" sz="3200">
+              <a:rPr lang="en-US" sz="3200" dirty="0">
                 <a:solidFill>
                   <a:srgbClr val="000000"/>
                 </a:solidFill>
@@ -5542,7 +6508,7 @@
               </a:rPr>
               <a:t>Again time....</a:t>
             </a:r>
-            <a:endParaRPr/>
+            <a:endParaRPr dirty="0"/>
           </a:p>
           <a:p>
             <a:pPr>
@@ -5550,7 +6516,7 @@
                 <a:spcPct val="100000"/>
               </a:lnSpc>
             </a:pPr>
-            <a:endParaRPr/>
+            <a:endParaRPr dirty="0"/>
           </a:p>
           <a:p>
             <a:pPr>
@@ -5558,28 +6524,31 @@
                 <a:spcPct val="100000"/>
               </a:lnSpc>
             </a:pPr>
-            <a:endParaRPr/>
+            <a:endParaRPr dirty="0"/>
           </a:p>
         </p:txBody>
       </p:sp>
     </p:spTree>
   </p:cSld>
+  <p:clrMapOvr>
+    <a:masterClrMapping/>
+  </p:clrMapOvr>
   <p:timing>
     <p:tnLst>
       <p:par>
-        <p:cTn id="47" dur="indefinite" restart="never" nodeType="tmRoot">
+        <p:cTn id="1" dur="indefinite" restart="never" nodeType="tmRoot">
           <p:childTnLst>
             <p:seq>
-              <p:cTn id="48" nodeType="mainSeq"/>
+              <p:cTn id="2" nodeType="mainSeq"/>
               <p:prevCondLst>
-                <p:cond delay="0" evt="onPrev">
+                <p:cond evt="onPrev" delay="0">
                   <p:tgtEl>
                     <p:sldTgt/>
                   </p:tgtEl>
                 </p:cond>
               </p:prevCondLst>
               <p:nextCondLst>
-                <p:cond delay="0" evt="onNext">
+                <p:cond evt="onNext" delay="0">
                   <p:tgtEl>
                     <p:sldTgt/>
                   </p:tgtEl>
@@ -5595,7 +6564,7 @@
 </file>
 
 <file path=ppt/slides/slide25.xml><?xml version="1.0" encoding="utf-8"?>
-<p:sld xmlns:a="http://schemas.openxmlformats.org/drawingml/2006/main" xmlns:p="http://schemas.openxmlformats.org/presentationml/2006/main" xmlns:r="http://schemas.openxmlformats.org/officeDocument/2006/relationships">
+<p:sld xmlns:a="http://schemas.openxmlformats.org/drawingml/2006/main" xmlns:r="http://schemas.openxmlformats.org/officeDocument/2006/relationships" xmlns:p="http://schemas.openxmlformats.org/presentationml/2006/main">
   <p:cSld>
     <p:spTree>
       <p:nvGrpSpPr>
@@ -5628,6 +6597,7 @@
         </p:spPr>
         <p:txBody>
           <a:bodyPr anchor="ctr"/>
+          <a:lstStyle/>
           <a:p>
             <a:pPr algn="ctr">
               <a:lnSpc>
@@ -5635,7 +6605,7 @@
               </a:lnSpc>
             </a:pPr>
             <a:r>
-              <a:rPr lang="en-US" sz="4400">
+              <a:rPr lang="en-US" sz="4400" dirty="0">
                 <a:solidFill>
                   <a:srgbClr val="000000"/>
                 </a:solidFill>
@@ -5643,7 +6613,7 @@
               </a:rPr>
               <a:t>Unfinished features – Textures from Blender</a:t>
             </a:r>
-            <a:endParaRPr/>
+            <a:endParaRPr dirty="0"/>
           </a:p>
         </p:txBody>
       </p:sp>
@@ -5655,7 +6625,7 @@
         </p:nvSpPr>
         <p:spPr>
           <a:xfrm>
-            <a:off x="457200" y="1600200"/>
+            <a:off x="448491" y="1600200"/>
             <a:ext cx="8229240" cy="4525560"/>
           </a:xfrm>
           <a:prstGeom prst="rect">
@@ -5664,6 +6634,7 @@
         </p:spPr>
         <p:txBody>
           <a:bodyPr/>
+          <a:lstStyle/>
           <a:p>
             <a:pPr>
               <a:lnSpc>
@@ -5673,15 +6644,33 @@
               <a:buChar char="•"/>
             </a:pPr>
             <a:r>
-              <a:rPr lang="en-US" sz="3200">
-                <a:solidFill>
-                  <a:srgbClr val="000000"/>
-                </a:solidFill>
-                <a:latin typeface="Calibri"/>
-              </a:rPr>
-              <a:t>Manual oading textures worked</a:t>
-            </a:r>
-            <a:endParaRPr/>
+              <a:rPr lang="en-US" sz="3200" dirty="0">
+                <a:solidFill>
+                  <a:srgbClr val="000000"/>
+                </a:solidFill>
+                <a:latin typeface="Calibri"/>
+              </a:rPr>
+              <a:t>Manual </a:t>
+            </a:r>
+            <a:r>
+              <a:rPr lang="en-US" sz="3200" dirty="0" smtClean="0">
+                <a:solidFill>
+                  <a:srgbClr val="000000"/>
+                </a:solidFill>
+                <a:latin typeface="Calibri"/>
+              </a:rPr>
+              <a:t>loading </a:t>
+            </a:r>
+            <a:r>
+              <a:rPr lang="en-US" sz="3200" dirty="0">
+                <a:solidFill>
+                  <a:srgbClr val="000000"/>
+                </a:solidFill>
+                <a:latin typeface="Calibri"/>
+              </a:rPr>
+              <a:t>textures worked</a:t>
+            </a:r>
+            <a:endParaRPr dirty="0"/>
           </a:p>
           <a:p>
             <a:pPr>
@@ -5692,7 +6681,7 @@
               <a:buChar char="•"/>
             </a:pPr>
             <a:r>
-              <a:rPr lang="en-US" sz="3200">
+              <a:rPr lang="en-US" sz="3200" dirty="0">
                 <a:solidFill>
                   <a:srgbClr val="000000"/>
                 </a:solidFill>
@@ -5700,7 +6689,7 @@
               </a:rPr>
               <a:t>Loading textures from MTL didn’t</a:t>
             </a:r>
-            <a:endParaRPr/>
+            <a:endParaRPr dirty="0"/>
           </a:p>
           <a:p>
             <a:pPr lvl="1">
@@ -5711,7 +6700,7 @@
               <a:buChar char="–"/>
             </a:pPr>
             <a:r>
-              <a:rPr lang="en-US" sz="2800">
+              <a:rPr lang="en-US" sz="2800" dirty="0">
                 <a:solidFill>
                   <a:srgbClr val="000000"/>
                 </a:solidFill>
@@ -5719,7 +6708,7 @@
               </a:rPr>
               <a:t>Files did not pick up on filenames</a:t>
             </a:r>
-            <a:endParaRPr/>
+            <a:endParaRPr dirty="0"/>
           </a:p>
           <a:p>
             <a:pPr>
@@ -5727,28 +6716,31 @@
                 <a:spcPct val="100000"/>
               </a:lnSpc>
             </a:pPr>
-            <a:endParaRPr/>
+            <a:endParaRPr dirty="0"/>
           </a:p>
         </p:txBody>
       </p:sp>
     </p:spTree>
   </p:cSld>
+  <p:clrMapOvr>
+    <a:masterClrMapping/>
+  </p:clrMapOvr>
   <p:timing>
     <p:tnLst>
       <p:par>
-        <p:cTn id="49" dur="indefinite" restart="never" nodeType="tmRoot">
+        <p:cTn id="1" dur="indefinite" restart="never" nodeType="tmRoot">
           <p:childTnLst>
             <p:seq>
-              <p:cTn id="50" nodeType="mainSeq"/>
+              <p:cTn id="2" nodeType="mainSeq"/>
               <p:prevCondLst>
-                <p:cond delay="0" evt="onPrev">
+                <p:cond evt="onPrev" delay="0">
                   <p:tgtEl>
                     <p:sldTgt/>
                   </p:tgtEl>
                 </p:cond>
               </p:prevCondLst>
               <p:nextCondLst>
-                <p:cond delay="0" evt="onNext">
+                <p:cond evt="onNext" delay="0">
                   <p:tgtEl>
                     <p:sldTgt/>
                   </p:tgtEl>
@@ -5764,7 +6756,7 @@
 </file>
 
 <file path=ppt/slides/slide26.xml><?xml version="1.0" encoding="utf-8"?>
-<p:sld xmlns:a="http://schemas.openxmlformats.org/drawingml/2006/main" xmlns:p="http://schemas.openxmlformats.org/presentationml/2006/main" xmlns:r="http://schemas.openxmlformats.org/officeDocument/2006/relationships">
+<p:sld xmlns:a="http://schemas.openxmlformats.org/drawingml/2006/main" xmlns:r="http://schemas.openxmlformats.org/officeDocument/2006/relationships" xmlns:p="http://schemas.openxmlformats.org/presentationml/2006/main">
   <p:cSld>
     <p:spTree>
       <p:nvGrpSpPr>
@@ -5797,6 +6789,7 @@
         </p:spPr>
         <p:txBody>
           <a:bodyPr anchor="ctr"/>
+          <a:lstStyle/>
           <a:p>
             <a:pPr algn="ctr">
               <a:lnSpc>
@@ -5804,7 +6797,7 @@
               </a:lnSpc>
             </a:pPr>
             <a:r>
-              <a:rPr lang="en-US" sz="4400">
+              <a:rPr lang="en-US" sz="4400" dirty="0">
                 <a:solidFill>
                   <a:srgbClr val="000000"/>
                 </a:solidFill>
@@ -5812,7 +6805,7 @@
               </a:rPr>
               <a:t>Unfinished features – Triangle intersection</a:t>
             </a:r>
-            <a:endParaRPr/>
+            <a:endParaRPr dirty="0"/>
           </a:p>
         </p:txBody>
       </p:sp>
@@ -5833,6 +6826,7 @@
         </p:spPr>
         <p:txBody>
           <a:bodyPr/>
+          <a:lstStyle/>
           <a:p>
             <a:pPr>
               <a:lnSpc>
@@ -5842,15 +6836,24 @@
               <a:buChar char="•"/>
             </a:pPr>
             <a:r>
-              <a:rPr lang="en-US" sz="3200">
-                <a:solidFill>
-                  <a:srgbClr val="000000"/>
-                </a:solidFill>
-                <a:latin typeface="Calibri"/>
-              </a:rPr>
-              <a:t>Basic funtion</a:t>
-            </a:r>
-            <a:endParaRPr/>
+              <a:rPr lang="en-US" sz="3200" dirty="0">
+                <a:solidFill>
+                  <a:srgbClr val="000000"/>
+                </a:solidFill>
+                <a:latin typeface="Calibri"/>
+              </a:rPr>
+              <a:t>Basic </a:t>
+            </a:r>
+            <a:r>
+              <a:rPr lang="en-US" sz="3200" dirty="0" smtClean="0">
+                <a:solidFill>
+                  <a:srgbClr val="000000"/>
+                </a:solidFill>
+                <a:latin typeface="Calibri"/>
+              </a:rPr>
+              <a:t>function</a:t>
+            </a:r>
+            <a:endParaRPr dirty="0"/>
           </a:p>
           <a:p>
             <a:pPr>
@@ -5861,7 +6864,7 @@
               <a:buChar char="•"/>
             </a:pPr>
             <a:r>
-              <a:rPr lang="en-US" sz="3200">
+              <a:rPr lang="en-US" sz="3200" dirty="0">
                 <a:solidFill>
                   <a:srgbClr val="000000"/>
                 </a:solidFill>
@@ -5869,7 +6872,7 @@
               </a:rPr>
               <a:t>Worked at the start</a:t>
             </a:r>
-            <a:endParaRPr/>
+            <a:endParaRPr dirty="0"/>
           </a:p>
           <a:p>
             <a:pPr>
@@ -5880,7 +6883,7 @@
               <a:buChar char="•"/>
             </a:pPr>
             <a:r>
-              <a:rPr lang="en-US" sz="3200">
+              <a:rPr lang="en-US" sz="3200" dirty="0">
                 <a:solidFill>
                   <a:srgbClr val="000000"/>
                 </a:solidFill>
@@ -5888,7 +6891,7 @@
               </a:rPr>
               <a:t>Later changes caused problems</a:t>
             </a:r>
-            <a:endParaRPr/>
+            <a:endParaRPr dirty="0"/>
           </a:p>
           <a:p>
             <a:pPr lvl="1">
@@ -5899,7 +6902,7 @@
               <a:buChar char="–"/>
             </a:pPr>
             <a:r>
-              <a:rPr lang="en-US" sz="2800">
+              <a:rPr lang="en-US" sz="2800" dirty="0">
                 <a:solidFill>
                   <a:srgbClr val="000000"/>
                 </a:solidFill>
@@ -5907,7 +6910,7 @@
               </a:rPr>
               <a:t>Edges of objects became noisy</a:t>
             </a:r>
-            <a:endParaRPr/>
+            <a:endParaRPr dirty="0"/>
           </a:p>
           <a:p>
             <a:pPr lvl="1">
@@ -5918,7 +6921,7 @@
               <a:buChar char="–"/>
             </a:pPr>
             <a:r>
-              <a:rPr lang="en-US" sz="2800">
+              <a:rPr lang="en-US" sz="2800" dirty="0">
                 <a:solidFill>
                   <a:srgbClr val="000000"/>
                 </a:solidFill>
@@ -5926,28 +6929,31 @@
               </a:rPr>
               <a:t>Under certain angles things weren’t displayed</a:t>
             </a:r>
-            <a:endParaRPr/>
+            <a:endParaRPr dirty="0"/>
           </a:p>
         </p:txBody>
       </p:sp>
     </p:spTree>
   </p:cSld>
+  <p:clrMapOvr>
+    <a:masterClrMapping/>
+  </p:clrMapOvr>
   <p:timing>
     <p:tnLst>
       <p:par>
-        <p:cTn id="51" dur="indefinite" restart="never" nodeType="tmRoot">
+        <p:cTn id="1" dur="indefinite" restart="never" nodeType="tmRoot">
           <p:childTnLst>
             <p:seq>
-              <p:cTn id="52" nodeType="mainSeq"/>
+              <p:cTn id="2" nodeType="mainSeq"/>
               <p:prevCondLst>
-                <p:cond delay="0" evt="onPrev">
+                <p:cond evt="onPrev" delay="0">
                   <p:tgtEl>
                     <p:sldTgt/>
                   </p:tgtEl>
                 </p:cond>
               </p:prevCondLst>
               <p:nextCondLst>
-                <p:cond delay="0" evt="onNext">
+                <p:cond evt="onNext" delay="0">
                   <p:tgtEl>
                     <p:sldTgt/>
                   </p:tgtEl>
@@ -5963,7 +6969,7 @@
 </file>
 
 <file path=ppt/slides/slide27.xml><?xml version="1.0" encoding="utf-8"?>
-<p:sld xmlns:a="http://schemas.openxmlformats.org/drawingml/2006/main" xmlns:p="http://schemas.openxmlformats.org/presentationml/2006/main" xmlns:r="http://schemas.openxmlformats.org/officeDocument/2006/relationships">
+<p:sld xmlns:a="http://schemas.openxmlformats.org/drawingml/2006/main" xmlns:r="http://schemas.openxmlformats.org/officeDocument/2006/relationships" xmlns:p="http://schemas.openxmlformats.org/presentationml/2006/main">
   <p:cSld>
     <p:spTree>
       <p:nvGrpSpPr>
@@ -5996,6 +7002,7 @@
         </p:spPr>
         <p:txBody>
           <a:bodyPr anchor="ctr"/>
+          <a:lstStyle/>
           <a:p>
             <a:pPr algn="ctr">
               <a:lnSpc>
@@ -6003,7 +7010,7 @@
               </a:lnSpc>
             </a:pPr>
             <a:r>
-              <a:rPr lang="en-US" sz="4400">
+              <a:rPr lang="en-US" sz="4400" dirty="0">
                 <a:solidFill>
                   <a:srgbClr val="000000"/>
                 </a:solidFill>
@@ -6011,7 +7018,7 @@
               </a:rPr>
               <a:t>Depth of Field</a:t>
             </a:r>
-            <a:endParaRPr/>
+            <a:endParaRPr dirty="0"/>
           </a:p>
         </p:txBody>
       </p:sp>
@@ -6032,6 +7039,7 @@
         </p:spPr>
         <p:txBody>
           <a:bodyPr/>
+          <a:lstStyle/>
           <a:p>
             <a:pPr>
               <a:lnSpc>
@@ -6041,7 +7049,7 @@
               <a:buChar char="•"/>
             </a:pPr>
             <a:r>
-              <a:rPr lang="en-US" sz="3200">
+              <a:rPr lang="en-US" sz="3200" dirty="0">
                 <a:solidFill>
                   <a:srgbClr val="000000"/>
                 </a:solidFill>
@@ -6049,7 +7057,7 @@
               </a:rPr>
               <a:t>Aperture too large</a:t>
             </a:r>
-            <a:endParaRPr/>
+            <a:endParaRPr dirty="0"/>
           </a:p>
           <a:p>
             <a:pPr>
@@ -6060,7 +7068,7 @@
               <a:buChar char="•"/>
             </a:pPr>
             <a:r>
-              <a:rPr lang="en-US" sz="3200">
+              <a:rPr lang="en-US" sz="3200" dirty="0">
                 <a:solidFill>
                   <a:srgbClr val="000000"/>
                 </a:solidFill>
@@ -6068,7 +7076,7 @@
               </a:rPr>
               <a:t>Bugs: Rays didn’t shoot to focal point</a:t>
             </a:r>
-            <a:endParaRPr/>
+            <a:endParaRPr dirty="0"/>
           </a:p>
           <a:p>
             <a:pPr>
@@ -6079,46 +7087,30 @@
               <a:buChar char="•"/>
             </a:pPr>
             <a:r>
-              <a:rPr lang="en-US" sz="3200">
-                <a:solidFill>
-                  <a:srgbClr val="000000"/>
-                </a:solidFill>
-                <a:latin typeface="Calibri"/>
-              </a:rPr>
-              <a:t>Once fixed, focal point wasn’t focussed</a:t>
-            </a:r>
-            <a:endParaRPr/>
+              <a:rPr lang="en-US" sz="3200" dirty="0">
+                <a:solidFill>
+                  <a:srgbClr val="000000"/>
+                </a:solidFill>
+                <a:latin typeface="Calibri"/>
+              </a:rPr>
+              <a:t>Once fixed, focal point wasn’t </a:t>
+            </a:r>
+            <a:r>
+              <a:rPr lang="en-US" sz="3200" dirty="0" smtClean="0">
+                <a:solidFill>
+                  <a:srgbClr val="000000"/>
+                </a:solidFill>
+                <a:latin typeface="Calibri"/>
+              </a:rPr>
+              <a:t>focused</a:t>
+            </a:r>
+            <a:endParaRPr dirty="0"/>
           </a:p>
         </p:txBody>
       </p:sp>
       <p:pic>
         <p:nvPicPr>
-          <p:cNvPr id="132" name="Picture 2" descr=""/>
-          <p:cNvPicPr/>
-          <p:nvPr/>
-        </p:nvPicPr>
-        <p:blipFill>
-          <a:blip r:embed="rId1"/>
-          <a:stretch>
-            <a:fillRect/>
-          </a:stretch>
-        </p:blipFill>
-        <p:spPr>
-          <a:xfrm>
-            <a:off x="685800" y="3363120"/>
-            <a:ext cx="3352320" cy="3352320"/>
-          </a:xfrm>
-          <a:prstGeom prst="rect">
-            <a:avLst/>
-          </a:prstGeom>
-          <a:ln>
-            <a:noFill/>
-          </a:ln>
-        </p:spPr>
-      </p:pic>
-      <p:pic>
-        <p:nvPicPr>
-          <p:cNvPr id="133" name="Picture 3" descr=""/>
+          <p:cNvPr id="132" name="Picture 2"/>
           <p:cNvPicPr/>
           <p:nvPr/>
         </p:nvPicPr>
@@ -6130,8 +7122,8 @@
         </p:blipFill>
         <p:spPr>
           <a:xfrm>
-            <a:off x="4495680" y="3359160"/>
-            <a:ext cx="3428640" cy="3356280"/>
+            <a:off x="685800" y="3363120"/>
+            <a:ext cx="3352320" cy="3352320"/>
           </a:xfrm>
           <a:prstGeom prst="rect">
             <a:avLst/>
@@ -6141,24 +7133,52 @@
           </a:ln>
         </p:spPr>
       </p:pic>
+      <p:pic>
+        <p:nvPicPr>
+          <p:cNvPr id="133" name="Picture 3"/>
+          <p:cNvPicPr/>
+          <p:nvPr/>
+        </p:nvPicPr>
+        <p:blipFill>
+          <a:blip r:embed="rId3"/>
+          <a:stretch>
+            <a:fillRect/>
+          </a:stretch>
+        </p:blipFill>
+        <p:spPr>
+          <a:xfrm>
+            <a:off x="4495680" y="3359160"/>
+            <a:ext cx="3428640" cy="3356280"/>
+          </a:xfrm>
+          <a:prstGeom prst="rect">
+            <a:avLst/>
+          </a:prstGeom>
+          <a:ln>
+            <a:noFill/>
+          </a:ln>
+        </p:spPr>
+      </p:pic>
     </p:spTree>
   </p:cSld>
+  <p:clrMapOvr>
+    <a:masterClrMapping/>
+  </p:clrMapOvr>
   <p:timing>
     <p:tnLst>
       <p:par>
-        <p:cTn id="53" dur="indefinite" restart="never" nodeType="tmRoot">
+        <p:cTn id="1" dur="indefinite" restart="never" nodeType="tmRoot">
           <p:childTnLst>
             <p:seq>
-              <p:cTn id="54" nodeType="mainSeq"/>
+              <p:cTn id="2" nodeType="mainSeq"/>
               <p:prevCondLst>
-                <p:cond delay="0" evt="onPrev">
+                <p:cond evt="onPrev" delay="0">
                   <p:tgtEl>
                     <p:sldTgt/>
                   </p:tgtEl>
                 </p:cond>
               </p:prevCondLst>
               <p:nextCondLst>
-                <p:cond delay="0" evt="onNext">
+                <p:cond evt="onNext" delay="0">
                   <p:tgtEl>
                     <p:sldTgt/>
                   </p:tgtEl>
@@ -6174,7 +7194,7 @@
 </file>
 
 <file path=ppt/slides/slide28.xml><?xml version="1.0" encoding="utf-8"?>
-<p:sld xmlns:a="http://schemas.openxmlformats.org/drawingml/2006/main" xmlns:p="http://schemas.openxmlformats.org/presentationml/2006/main" xmlns:r="http://schemas.openxmlformats.org/officeDocument/2006/relationships">
+<p:sld xmlns:a="http://schemas.openxmlformats.org/drawingml/2006/main" xmlns:r="http://schemas.openxmlformats.org/officeDocument/2006/relationships" xmlns:p="http://schemas.openxmlformats.org/presentationml/2006/main">
   <p:cSld>
     <p:spTree>
       <p:nvGrpSpPr>
@@ -6207,6 +7227,7 @@
         </p:spPr>
         <p:txBody>
           <a:bodyPr anchor="ctr"/>
+          <a:lstStyle/>
           <a:p>
             <a:pPr algn="ctr">
               <a:lnSpc>
@@ -6214,7 +7235,7 @@
               </a:lnSpc>
             </a:pPr>
             <a:r>
-              <a:rPr lang="en-US" sz="4400">
+              <a:rPr lang="en-US" sz="4400" dirty="0">
                 <a:solidFill>
                   <a:srgbClr val="000000"/>
                 </a:solidFill>
@@ -6222,7 +7243,7 @@
               </a:rPr>
               <a:t>Conclusion</a:t>
             </a:r>
-            <a:endParaRPr/>
+            <a:endParaRPr dirty="0"/>
           </a:p>
         </p:txBody>
       </p:sp>
@@ -6243,6 +7264,7 @@
         </p:spPr>
         <p:txBody>
           <a:bodyPr/>
+          <a:lstStyle/>
           <a:p>
             <a:pPr>
               <a:lnSpc>
@@ -6252,7 +7274,7 @@
               <a:buChar char="•"/>
             </a:pPr>
             <a:r>
-              <a:rPr lang="en-US" sz="3200">
+              <a:rPr lang="en-US" sz="3200" dirty="0">
                 <a:solidFill>
                   <a:srgbClr val="000000"/>
                 </a:solidFill>
@@ -6260,7 +7282,7 @@
               </a:rPr>
               <a:t>Some unfinished features</a:t>
             </a:r>
-            <a:endParaRPr/>
+            <a:endParaRPr dirty="0"/>
           </a:p>
           <a:p>
             <a:pPr>
@@ -6271,7 +7293,7 @@
               <a:buChar char="•"/>
             </a:pPr>
             <a:r>
-              <a:rPr lang="en-US" sz="3200">
+              <a:rPr lang="en-US" sz="3200" dirty="0">
                 <a:solidFill>
                   <a:srgbClr val="000000"/>
                 </a:solidFill>
@@ -6279,7 +7301,7 @@
               </a:rPr>
               <a:t>Fancy post processor</a:t>
             </a:r>
-            <a:endParaRPr/>
+            <a:endParaRPr dirty="0"/>
           </a:p>
           <a:p>
             <a:pPr>
@@ -6290,7 +7312,7 @@
               <a:buChar char="•"/>
             </a:pPr>
             <a:r>
-              <a:rPr lang="en-US" sz="3200">
+              <a:rPr lang="en-US" sz="3200" dirty="0">
                 <a:solidFill>
                   <a:srgbClr val="000000"/>
                 </a:solidFill>
@@ -6298,7 +7320,7 @@
               </a:rPr>
               <a:t>Clear structure and flow of program</a:t>
             </a:r>
-            <a:endParaRPr/>
+            <a:endParaRPr dirty="0"/>
           </a:p>
           <a:p>
             <a:pPr>
@@ -6309,7 +7331,7 @@
               <a:buChar char="•"/>
             </a:pPr>
             <a:r>
-              <a:rPr lang="en-US" sz="3200">
+              <a:rPr lang="en-US" sz="3200" dirty="0">
                 <a:solidFill>
                   <a:srgbClr val="000000"/>
                 </a:solidFill>
@@ -6317,7 +7339,7 @@
               </a:rPr>
               <a:t>Awesome picture</a:t>
             </a:r>
-            <a:endParaRPr/>
+            <a:endParaRPr dirty="0"/>
           </a:p>
           <a:p>
             <a:pPr>
@@ -6328,7 +7350,7 @@
               <a:buChar char="•"/>
             </a:pPr>
             <a:r>
-              <a:rPr lang="en-US" sz="3200">
+              <a:rPr lang="en-US" sz="3200" dirty="0">
                 <a:solidFill>
                   <a:srgbClr val="000000"/>
                 </a:solidFill>
@@ -6336,7 +7358,7 @@
               </a:rPr>
               <a:t>Plenty of work done</a:t>
             </a:r>
-            <a:endParaRPr/>
+            <a:endParaRPr dirty="0"/>
           </a:p>
           <a:p>
             <a:pPr>
@@ -6344,28 +7366,31 @@
                 <a:spcPct val="100000"/>
               </a:lnSpc>
             </a:pPr>
-            <a:endParaRPr/>
+            <a:endParaRPr dirty="0"/>
           </a:p>
         </p:txBody>
       </p:sp>
     </p:spTree>
   </p:cSld>
+  <p:clrMapOvr>
+    <a:masterClrMapping/>
+  </p:clrMapOvr>
   <p:timing>
     <p:tnLst>
       <p:par>
-        <p:cTn id="55" dur="indefinite" restart="never" nodeType="tmRoot">
+        <p:cTn id="1" dur="indefinite" restart="never" nodeType="tmRoot">
           <p:childTnLst>
             <p:seq>
-              <p:cTn id="56" nodeType="mainSeq"/>
+              <p:cTn id="2" nodeType="mainSeq"/>
               <p:prevCondLst>
-                <p:cond delay="0" evt="onPrev">
+                <p:cond evt="onPrev" delay="0">
                   <p:tgtEl>
                     <p:sldTgt/>
                   </p:tgtEl>
                 </p:cond>
               </p:prevCondLst>
               <p:nextCondLst>
-                <p:cond delay="0" evt="onNext">
+                <p:cond evt="onNext" delay="0">
                   <p:tgtEl>
                     <p:sldTgt/>
                   </p:tgtEl>
@@ -6381,7 +7406,7 @@
 </file>
 
 <file path=ppt/slides/slide29.xml><?xml version="1.0" encoding="utf-8"?>
-<p:sld xmlns:a="http://schemas.openxmlformats.org/drawingml/2006/main" xmlns:p="http://schemas.openxmlformats.org/presentationml/2006/main" xmlns:r="http://schemas.openxmlformats.org/officeDocument/2006/relationships">
+<p:sld xmlns:a="http://schemas.openxmlformats.org/drawingml/2006/main" xmlns:r="http://schemas.openxmlformats.org/officeDocument/2006/relationships" xmlns:p="http://schemas.openxmlformats.org/presentationml/2006/main">
   <p:cSld>
     <p:spTree>
       <p:nvGrpSpPr>
@@ -6414,6 +7439,7 @@
         </p:spPr>
         <p:txBody>
           <a:bodyPr anchor="ctr"/>
+          <a:lstStyle/>
           <a:p>
             <a:pPr algn="ctr">
               <a:lnSpc>
@@ -6421,26 +7447,35 @@
               </a:lnSpc>
             </a:pPr>
             <a:r>
-              <a:rPr lang="en-US" sz="4400">
-                <a:solidFill>
-                  <a:srgbClr val="000000"/>
-                </a:solidFill>
-                <a:latin typeface="Calibri"/>
-              </a:rPr>
-              <a:t>Elmar style slide</a:t>
-            </a:r>
-            <a:endParaRPr/>
+              <a:rPr lang="en-US" sz="4400" dirty="0">
+                <a:solidFill>
+                  <a:srgbClr val="000000"/>
+                </a:solidFill>
+                <a:latin typeface="Calibri"/>
+              </a:rPr>
+              <a:t>Elmar</a:t>
+            </a:r>
+            <a:r>
+              <a:rPr lang="en-US" sz="4400" dirty="0">
+                <a:solidFill>
+                  <a:srgbClr val="000000"/>
+                </a:solidFill>
+                <a:latin typeface="Calibri"/>
+              </a:rPr>
+              <a:t> style slide</a:t>
+            </a:r>
+            <a:endParaRPr dirty="0"/>
           </a:p>
         </p:txBody>
       </p:sp>
       <p:pic>
         <p:nvPicPr>
-          <p:cNvPr id="137" name="Picture 2" descr=""/>
+          <p:cNvPr id="137" name="Picture 2"/>
           <p:cNvPicPr/>
           <p:nvPr/>
         </p:nvPicPr>
         <p:blipFill>
-          <a:blip r:embed="rId1"/>
+          <a:blip r:embed="rId2"/>
           <a:stretch>
             <a:fillRect/>
           </a:stretch>
@@ -6460,22 +7495,25 @@
       </p:pic>
     </p:spTree>
   </p:cSld>
+  <p:clrMapOvr>
+    <a:masterClrMapping/>
+  </p:clrMapOvr>
   <p:timing>
     <p:tnLst>
       <p:par>
-        <p:cTn id="57" dur="indefinite" restart="never" nodeType="tmRoot">
+        <p:cTn id="1" dur="indefinite" restart="never" nodeType="tmRoot">
           <p:childTnLst>
             <p:seq>
-              <p:cTn id="58" nodeType="mainSeq"/>
+              <p:cTn id="2" nodeType="mainSeq"/>
               <p:prevCondLst>
-                <p:cond delay="0" evt="onPrev">
+                <p:cond evt="onPrev" delay="0">
                   <p:tgtEl>
                     <p:sldTgt/>
                   </p:tgtEl>
                 </p:cond>
               </p:prevCondLst>
               <p:nextCondLst>
-                <p:cond delay="0" evt="onNext">
+                <p:cond evt="onNext" delay="0">
                   <p:tgtEl>
                     <p:sldTgt/>
                   </p:tgtEl>
@@ -6491,7 +7529,7 @@
 </file>
 
 <file path=ppt/slides/slide3.xml><?xml version="1.0" encoding="utf-8"?>
-<p:sld xmlns:a="http://schemas.openxmlformats.org/drawingml/2006/main" xmlns:p="http://schemas.openxmlformats.org/presentationml/2006/main" xmlns:r="http://schemas.openxmlformats.org/officeDocument/2006/relationships">
+<p:sld xmlns:a="http://schemas.openxmlformats.org/drawingml/2006/main" xmlns:r="http://schemas.openxmlformats.org/officeDocument/2006/relationships" xmlns:p="http://schemas.openxmlformats.org/presentationml/2006/main">
   <p:cSld>
     <p:spTree>
       <p:nvGrpSpPr>
@@ -6524,6 +7562,7 @@
         </p:spPr>
         <p:txBody>
           <a:bodyPr anchor="ctr"/>
+          <a:lstStyle/>
           <a:p>
             <a:pPr algn="ctr">
               <a:lnSpc>
@@ -6531,7 +7570,7 @@
               </a:lnSpc>
             </a:pPr>
             <a:r>
-              <a:rPr lang="en-US" sz="4400">
+              <a:rPr lang="en-US" sz="4400" dirty="0">
                 <a:solidFill>
                   <a:srgbClr val="000000"/>
                 </a:solidFill>
@@ -6539,7 +7578,7 @@
               </a:rPr>
               <a:t>Overview</a:t>
             </a:r>
-            <a:endParaRPr/>
+            <a:endParaRPr dirty="0"/>
           </a:p>
         </p:txBody>
       </p:sp>
@@ -6560,6 +7599,7 @@
         </p:spPr>
         <p:txBody>
           <a:bodyPr/>
+          <a:lstStyle/>
           <a:p>
             <a:pPr>
               <a:lnSpc>
@@ -6569,7 +7609,7 @@
               <a:buChar char="•"/>
             </a:pPr>
             <a:r>
-              <a:rPr lang="en-US" sz="3200">
+              <a:rPr lang="en-US" sz="3200" dirty="0">
                 <a:solidFill>
                   <a:srgbClr val="000000"/>
                 </a:solidFill>
@@ -6577,7 +7617,7 @@
               </a:rPr>
               <a:t>Features and work distribution</a:t>
             </a:r>
-            <a:endParaRPr/>
+            <a:endParaRPr dirty="0"/>
           </a:p>
           <a:p>
             <a:pPr>
@@ -6588,7 +7628,7 @@
               <a:buChar char="•"/>
             </a:pPr>
             <a:r>
-              <a:rPr lang="en-US" sz="3200">
+              <a:rPr lang="en-US" sz="3200" dirty="0">
                 <a:solidFill>
                   <a:srgbClr val="000000"/>
                 </a:solidFill>
@@ -6596,7 +7636,7 @@
               </a:rPr>
               <a:t>Picture</a:t>
             </a:r>
-            <a:endParaRPr/>
+            <a:endParaRPr dirty="0"/>
           </a:p>
           <a:p>
             <a:pPr>
@@ -6607,7 +7647,7 @@
               <a:buChar char="•"/>
             </a:pPr>
             <a:r>
-              <a:rPr lang="en-US" sz="3200">
+              <a:rPr lang="en-US" sz="3200" dirty="0">
                 <a:solidFill>
                   <a:srgbClr val="000000"/>
                 </a:solidFill>
@@ -6615,7 +7655,7 @@
               </a:rPr>
               <a:t>Flow of the program</a:t>
             </a:r>
-            <a:endParaRPr/>
+            <a:endParaRPr dirty="0"/>
           </a:p>
           <a:p>
             <a:pPr>
@@ -6626,7 +7666,7 @@
               <a:buChar char="•"/>
             </a:pPr>
             <a:r>
-              <a:rPr lang="en-US" sz="3200">
+              <a:rPr lang="en-US" sz="3200" dirty="0">
                 <a:solidFill>
                   <a:srgbClr val="000000"/>
                 </a:solidFill>
@@ -6634,7 +7674,7 @@
               </a:rPr>
               <a:t>Post processor</a:t>
             </a:r>
-            <a:endParaRPr/>
+            <a:endParaRPr dirty="0"/>
           </a:p>
           <a:p>
             <a:pPr>
@@ -6645,7 +7685,7 @@
               <a:buChar char="•"/>
             </a:pPr>
             <a:r>
-              <a:rPr lang="en-US" sz="3200">
+              <a:rPr lang="en-US" sz="3200" dirty="0">
                 <a:solidFill>
                   <a:srgbClr val="000000"/>
                 </a:solidFill>
@@ -6653,7 +7693,7 @@
               </a:rPr>
               <a:t>Unfinished features</a:t>
             </a:r>
-            <a:endParaRPr/>
+            <a:endParaRPr dirty="0"/>
           </a:p>
           <a:p>
             <a:pPr>
@@ -6664,7 +7704,7 @@
               <a:buChar char="•"/>
             </a:pPr>
             <a:r>
-              <a:rPr lang="en-US" sz="3200">
+              <a:rPr lang="en-US" sz="3200" dirty="0">
                 <a:solidFill>
                   <a:srgbClr val="000000"/>
                 </a:solidFill>
@@ -6672,7 +7712,7 @@
               </a:rPr>
               <a:t>Conclusion</a:t>
             </a:r>
-            <a:endParaRPr/>
+            <a:endParaRPr dirty="0"/>
           </a:p>
           <a:p>
             <a:pPr>
@@ -6683,7 +7723,7 @@
               <a:buChar char="•"/>
             </a:pPr>
             <a:r>
-              <a:rPr lang="en-US" sz="3200">
+              <a:rPr lang="en-US" sz="3200" dirty="0">
                 <a:solidFill>
                   <a:srgbClr val="000000"/>
                 </a:solidFill>
@@ -6691,28 +7731,31 @@
               </a:rPr>
               <a:t>Questions</a:t>
             </a:r>
-            <a:endParaRPr/>
+            <a:endParaRPr dirty="0"/>
           </a:p>
         </p:txBody>
       </p:sp>
     </p:spTree>
   </p:cSld>
+  <p:clrMapOvr>
+    <a:masterClrMapping/>
+  </p:clrMapOvr>
   <p:timing>
     <p:tnLst>
       <p:par>
-        <p:cTn id="5" dur="indefinite" restart="never" nodeType="tmRoot">
+        <p:cTn id="1" dur="indefinite" restart="never" nodeType="tmRoot">
           <p:childTnLst>
             <p:seq>
-              <p:cTn id="6" nodeType="mainSeq"/>
+              <p:cTn id="2" nodeType="mainSeq"/>
               <p:prevCondLst>
-                <p:cond delay="0" evt="onPrev">
+                <p:cond evt="onPrev" delay="0">
                   <p:tgtEl>
                     <p:sldTgt/>
                   </p:tgtEl>
                 </p:cond>
               </p:prevCondLst>
               <p:nextCondLst>
-                <p:cond delay="0" evt="onNext">
+                <p:cond evt="onNext" delay="0">
                   <p:tgtEl>
                     <p:sldTgt/>
                   </p:tgtEl>
@@ -6728,7 +7771,7 @@
 </file>
 
 <file path=ppt/slides/slide4.xml><?xml version="1.0" encoding="utf-8"?>
-<p:sld xmlns:a="http://schemas.openxmlformats.org/drawingml/2006/main" xmlns:p="http://schemas.openxmlformats.org/presentationml/2006/main" xmlns:r="http://schemas.openxmlformats.org/officeDocument/2006/relationships">
+<p:sld xmlns:a="http://schemas.openxmlformats.org/drawingml/2006/main" xmlns:r="http://schemas.openxmlformats.org/officeDocument/2006/relationships" xmlns:p="http://schemas.openxmlformats.org/presentationml/2006/main">
   <p:cSld>
     <p:spTree>
       <p:nvGrpSpPr>
@@ -6761,6 +7804,7 @@
         </p:spPr>
         <p:txBody>
           <a:bodyPr anchor="ctr"/>
+          <a:lstStyle/>
           <a:p>
             <a:pPr algn="ctr">
               <a:lnSpc>
@@ -6768,7 +7812,7 @@
               </a:lnSpc>
             </a:pPr>
             <a:r>
-              <a:rPr lang="en-US" sz="3600">
+              <a:rPr lang="en-US" sz="3600" dirty="0">
                 <a:solidFill>
                   <a:srgbClr val="000000"/>
                 </a:solidFill>
@@ -6776,7 +7820,7 @@
               </a:rPr>
               <a:t>Features achieved</a:t>
             </a:r>
-            <a:endParaRPr/>
+            <a:endParaRPr dirty="0"/>
           </a:p>
         </p:txBody>
       </p:sp>
@@ -6797,6 +7841,7 @@
         </p:spPr>
         <p:txBody>
           <a:bodyPr/>
+          <a:lstStyle/>
           <a:p>
             <a:pPr>
               <a:lnSpc>
@@ -6806,7 +7851,7 @@
               <a:buChar char="•"/>
             </a:pPr>
             <a:r>
-              <a:rPr lang="en-US" sz="3200">
+              <a:rPr lang="en-US" sz="3200" dirty="0">
                 <a:solidFill>
                   <a:srgbClr val="000000"/>
                 </a:solidFill>
@@ -6814,7 +7859,7 @@
               </a:rPr>
               <a:t>Shading</a:t>
             </a:r>
-            <a:endParaRPr/>
+            <a:endParaRPr dirty="0"/>
           </a:p>
           <a:p>
             <a:pPr>
@@ -6825,15 +7870,24 @@
               <a:buChar char="•"/>
             </a:pPr>
             <a:r>
-              <a:rPr lang="en-US" sz="3200">
-                <a:solidFill>
-                  <a:srgbClr val="000000"/>
-                </a:solidFill>
-                <a:latin typeface="Calibri"/>
-              </a:rPr>
-              <a:t>Anti-Aliassing through super sampling</a:t>
-            </a:r>
-            <a:endParaRPr/>
+              <a:rPr lang="en-US" sz="3200" dirty="0" smtClean="0">
+                <a:solidFill>
+                  <a:srgbClr val="000000"/>
+                </a:solidFill>
+                <a:latin typeface="Calibri"/>
+              </a:rPr>
+              <a:t>Anti-Aliasing </a:t>
+            </a:r>
+            <a:r>
+              <a:rPr lang="en-US" sz="3200" dirty="0">
+                <a:solidFill>
+                  <a:srgbClr val="000000"/>
+                </a:solidFill>
+                <a:latin typeface="Calibri"/>
+              </a:rPr>
+              <a:t>through super sampling</a:t>
+            </a:r>
+            <a:endParaRPr dirty="0"/>
           </a:p>
           <a:p>
             <a:pPr>
@@ -6844,7 +7898,7 @@
               <a:buChar char="•"/>
             </a:pPr>
             <a:r>
-              <a:rPr lang="en-US" sz="3200">
+              <a:rPr lang="en-US" sz="3200" dirty="0">
                 <a:solidFill>
                   <a:srgbClr val="000000"/>
                 </a:solidFill>
@@ -6852,7 +7906,7 @@
               </a:rPr>
               <a:t>Soft shadows</a:t>
             </a:r>
-            <a:endParaRPr/>
+            <a:endParaRPr dirty="0"/>
           </a:p>
           <a:p>
             <a:pPr>
@@ -6863,7 +7917,7 @@
               <a:buChar char="•"/>
             </a:pPr>
             <a:r>
-              <a:rPr lang="en-US" sz="3200">
+              <a:rPr lang="en-US" sz="3200" dirty="0">
                 <a:solidFill>
                   <a:srgbClr val="000000"/>
                 </a:solidFill>
@@ -6871,7 +7925,7 @@
               </a:rPr>
               <a:t>Raytraced reflection and refraction</a:t>
             </a:r>
-            <a:endParaRPr/>
+            <a:endParaRPr dirty="0"/>
           </a:p>
           <a:p>
             <a:pPr>
@@ -6882,7 +7936,7 @@
               <a:buChar char="•"/>
             </a:pPr>
             <a:r>
-              <a:rPr lang="en-US" sz="3200">
+              <a:rPr lang="en-US" sz="3200" dirty="0">
                 <a:solidFill>
                   <a:srgbClr val="000000"/>
                 </a:solidFill>
@@ -6890,7 +7944,7 @@
               </a:rPr>
               <a:t>Bounding box optimization</a:t>
             </a:r>
-            <a:endParaRPr/>
+            <a:endParaRPr dirty="0"/>
           </a:p>
           <a:p>
             <a:pPr>
@@ -6901,7 +7955,7 @@
               <a:buChar char="•"/>
             </a:pPr>
             <a:r>
-              <a:rPr lang="en-US" sz="3200">
+              <a:rPr lang="en-US" sz="3200" dirty="0">
                 <a:solidFill>
                   <a:srgbClr val="000000"/>
                 </a:solidFill>
@@ -6909,7 +7963,7 @@
               </a:rPr>
               <a:t>Post processing</a:t>
             </a:r>
-            <a:endParaRPr/>
+            <a:endParaRPr dirty="0"/>
           </a:p>
           <a:p>
             <a:pPr>
@@ -6920,7 +7974,7 @@
               <a:buChar char="•"/>
             </a:pPr>
             <a:r>
-              <a:rPr lang="en-US" sz="3200">
+              <a:rPr lang="en-US" sz="3200" dirty="0">
                 <a:solidFill>
                   <a:srgbClr val="000000"/>
                 </a:solidFill>
@@ -6928,7 +7982,7 @@
               </a:rPr>
               <a:t>Multi-threaded rendering</a:t>
             </a:r>
-            <a:endParaRPr/>
+            <a:endParaRPr dirty="0"/>
           </a:p>
           <a:p>
             <a:pPr>
@@ -6939,7 +7993,7 @@
               <a:buChar char="•"/>
             </a:pPr>
             <a:r>
-              <a:rPr lang="en-US" sz="3200">
+              <a:rPr lang="en-US" sz="3200" dirty="0">
                 <a:solidFill>
                   <a:srgbClr val="000000"/>
                 </a:solidFill>
@@ -6947,28 +8001,31 @@
               </a:rPr>
               <a:t>Dev/Debug tools</a:t>
             </a:r>
-            <a:endParaRPr/>
+            <a:endParaRPr dirty="0"/>
           </a:p>
         </p:txBody>
       </p:sp>
     </p:spTree>
   </p:cSld>
+  <p:clrMapOvr>
+    <a:masterClrMapping/>
+  </p:clrMapOvr>
   <p:timing>
     <p:tnLst>
       <p:par>
-        <p:cTn id="7" dur="indefinite" restart="never" nodeType="tmRoot">
+        <p:cTn id="1" dur="indefinite" restart="never" nodeType="tmRoot">
           <p:childTnLst>
             <p:seq>
-              <p:cTn id="8" nodeType="mainSeq"/>
+              <p:cTn id="2" nodeType="mainSeq"/>
               <p:prevCondLst>
-                <p:cond delay="0" evt="onPrev">
+                <p:cond evt="onPrev" delay="0">
                   <p:tgtEl>
                     <p:sldTgt/>
                   </p:tgtEl>
                 </p:cond>
               </p:prevCondLst>
               <p:nextCondLst>
-                <p:cond delay="0" evt="onNext">
+                <p:cond evt="onNext" delay="0">
                   <p:tgtEl>
                     <p:sldTgt/>
                   </p:tgtEl>
@@ -6984,7 +8041,7 @@
 </file>
 
 <file path=ppt/slides/slide5.xml><?xml version="1.0" encoding="utf-8"?>
-<p:sld xmlns:a="http://schemas.openxmlformats.org/drawingml/2006/main" xmlns:p="http://schemas.openxmlformats.org/presentationml/2006/main" xmlns:r="http://schemas.openxmlformats.org/officeDocument/2006/relationships">
+<p:sld xmlns:a="http://schemas.openxmlformats.org/drawingml/2006/main" xmlns:r="http://schemas.openxmlformats.org/officeDocument/2006/relationships" xmlns:p="http://schemas.openxmlformats.org/presentationml/2006/main">
   <p:cSld>
     <p:spTree>
       <p:nvGrpSpPr>
@@ -7017,6 +8074,7 @@
         </p:spPr>
         <p:txBody>
           <a:bodyPr anchor="ctr"/>
+          <a:lstStyle/>
           <a:p>
             <a:pPr algn="ctr">
               <a:lnSpc>
@@ -7024,7 +8082,7 @@
               </a:lnSpc>
             </a:pPr>
             <a:r>
-              <a:rPr lang="en-US" sz="3600">
+              <a:rPr lang="en-US" sz="3600" dirty="0">
                 <a:solidFill>
                   <a:srgbClr val="000000"/>
                 </a:solidFill>
@@ -7032,7 +8090,7 @@
               </a:rPr>
               <a:t>Unfinished features</a:t>
             </a:r>
-            <a:endParaRPr/>
+            <a:endParaRPr dirty="0"/>
           </a:p>
         </p:txBody>
       </p:sp>
@@ -7053,6 +8111,7 @@
         </p:spPr>
         <p:txBody>
           <a:bodyPr/>
+          <a:lstStyle/>
           <a:p>
             <a:pPr>
               <a:lnSpc>
@@ -7062,7 +8121,7 @@
               <a:buChar char="•"/>
             </a:pPr>
             <a:r>
-              <a:rPr lang="en-US" sz="3200">
+              <a:rPr lang="en-US" sz="3200" dirty="0">
                 <a:solidFill>
                   <a:srgbClr val="000000"/>
                 </a:solidFill>
@@ -7070,7 +8129,7 @@
               </a:rPr>
               <a:t>KD tree optimization</a:t>
             </a:r>
-            <a:endParaRPr/>
+            <a:endParaRPr dirty="0"/>
           </a:p>
           <a:p>
             <a:pPr>
@@ -7081,7 +8140,7 @@
               <a:buChar char="•"/>
             </a:pPr>
             <a:r>
-              <a:rPr lang="en-US" sz="3200">
+              <a:rPr lang="en-US" sz="3200" dirty="0">
                 <a:solidFill>
                   <a:srgbClr val="000000"/>
                 </a:solidFill>
@@ -7089,7 +8148,7 @@
               </a:rPr>
               <a:t>Spheroid shape class</a:t>
             </a:r>
-            <a:endParaRPr/>
+            <a:endParaRPr dirty="0"/>
           </a:p>
           <a:p>
             <a:pPr>
@@ -7100,7 +8159,7 @@
               <a:buChar char="•"/>
             </a:pPr>
             <a:r>
-              <a:rPr lang="en-US" sz="3200">
+              <a:rPr lang="en-US" sz="3200" dirty="0">
                 <a:solidFill>
                   <a:srgbClr val="000000"/>
                 </a:solidFill>
@@ -7108,7 +8167,7 @@
               </a:rPr>
               <a:t>Mass texture import from blender</a:t>
             </a:r>
-            <a:endParaRPr/>
+            <a:endParaRPr dirty="0"/>
           </a:p>
           <a:p>
             <a:pPr>
@@ -7119,7 +8178,7 @@
               <a:buChar char="•"/>
             </a:pPr>
             <a:r>
-              <a:rPr lang="en-US" sz="3200">
+              <a:rPr lang="en-US" sz="3200" dirty="0">
                 <a:solidFill>
                   <a:srgbClr val="000000"/>
                 </a:solidFill>
@@ -7127,7 +8186,7 @@
               </a:rPr>
               <a:t>Triangle intersection</a:t>
             </a:r>
-            <a:endParaRPr/>
+            <a:endParaRPr dirty="0"/>
           </a:p>
           <a:p>
             <a:pPr>
@@ -7138,7 +8197,7 @@
               <a:buChar char="•"/>
             </a:pPr>
             <a:r>
-              <a:rPr lang="en-US" sz="3200">
+              <a:rPr lang="en-US" sz="3200" dirty="0">
                 <a:solidFill>
                   <a:srgbClr val="000000"/>
                 </a:solidFill>
@@ -7146,28 +8205,31 @@
               </a:rPr>
               <a:t>Depth of Field</a:t>
             </a:r>
-            <a:endParaRPr/>
+            <a:endParaRPr dirty="0"/>
           </a:p>
         </p:txBody>
       </p:sp>
     </p:spTree>
   </p:cSld>
+  <p:clrMapOvr>
+    <a:masterClrMapping/>
+  </p:clrMapOvr>
   <p:timing>
     <p:tnLst>
       <p:par>
-        <p:cTn id="9" dur="indefinite" restart="never" nodeType="tmRoot">
+        <p:cTn id="1" dur="indefinite" restart="never" nodeType="tmRoot">
           <p:childTnLst>
             <p:seq>
-              <p:cTn id="10" nodeType="mainSeq"/>
+              <p:cTn id="2" nodeType="mainSeq"/>
               <p:prevCondLst>
-                <p:cond delay="0" evt="onPrev">
+                <p:cond evt="onPrev" delay="0">
                   <p:tgtEl>
                     <p:sldTgt/>
                   </p:tgtEl>
                 </p:cond>
               </p:prevCondLst>
               <p:nextCondLst>
-                <p:cond delay="0" evt="onNext">
+                <p:cond evt="onNext" delay="0">
                   <p:tgtEl>
                     <p:sldTgt/>
                   </p:tgtEl>
@@ -7183,7 +8245,7 @@
 </file>
 
 <file path=ppt/slides/slide6.xml><?xml version="1.0" encoding="utf-8"?>
-<p:sld xmlns:a="http://schemas.openxmlformats.org/drawingml/2006/main" xmlns:p="http://schemas.openxmlformats.org/presentationml/2006/main" xmlns:r="http://schemas.openxmlformats.org/officeDocument/2006/relationships">
+<p:sld xmlns:a="http://schemas.openxmlformats.org/drawingml/2006/main" xmlns:r="http://schemas.openxmlformats.org/officeDocument/2006/relationships" xmlns:p="http://schemas.openxmlformats.org/presentationml/2006/main">
   <p:cSld>
     <p:spTree>
       <p:nvGrpSpPr>
@@ -7216,6 +8278,7 @@
         </p:spPr>
         <p:txBody>
           <a:bodyPr anchor="ctr"/>
+          <a:lstStyle/>
           <a:p>
             <a:pPr algn="ctr">
               <a:lnSpc>
@@ -7223,7 +8286,7 @@
               </a:lnSpc>
             </a:pPr>
             <a:r>
-              <a:rPr lang="en-US" sz="3600">
+              <a:rPr lang="en-US" sz="3600" dirty="0">
                 <a:solidFill>
                   <a:srgbClr val="000000"/>
                 </a:solidFill>
@@ -7231,7 +8294,7 @@
               </a:rPr>
               <a:t>Distribution of work – achieved features</a:t>
             </a:r>
-            <a:endParaRPr/>
+            <a:endParaRPr dirty="0"/>
           </a:p>
         </p:txBody>
       </p:sp>
@@ -7252,6 +8315,7 @@
         </p:spPr>
         <p:txBody>
           <a:bodyPr/>
+          <a:lstStyle/>
           <a:p>
             <a:pPr>
               <a:lnSpc>
@@ -7261,7 +8325,7 @@
               <a:buChar char="•"/>
             </a:pPr>
             <a:r>
-              <a:rPr lang="en-US" sz="3200">
+              <a:rPr lang="en-US" sz="3200" dirty="0">
                 <a:solidFill>
                   <a:srgbClr val="000000"/>
                 </a:solidFill>
@@ -7269,7 +8333,7 @@
               </a:rPr>
               <a:t>Generic shading process</a:t>
             </a:r>
-            <a:endParaRPr/>
+            <a:endParaRPr dirty="0"/>
           </a:p>
           <a:p>
             <a:pPr lvl="1">
@@ -7280,7 +8344,7 @@
               <a:buChar char="–"/>
             </a:pPr>
             <a:r>
-              <a:rPr lang="en-US" sz="2800">
+              <a:rPr lang="en-US" sz="2800" dirty="0">
                 <a:solidFill>
                   <a:srgbClr val="000000"/>
                 </a:solidFill>
@@ -7288,7 +8352,7 @@
               </a:rPr>
               <a:t>Maarten</a:t>
             </a:r>
-            <a:endParaRPr/>
+            <a:endParaRPr dirty="0"/>
           </a:p>
           <a:p>
             <a:pPr>
@@ -7299,15 +8363,24 @@
               <a:buChar char="•"/>
             </a:pPr>
             <a:r>
-              <a:rPr lang="en-US" sz="3200">
-                <a:solidFill>
-                  <a:srgbClr val="000000"/>
-                </a:solidFill>
-                <a:latin typeface="Calibri"/>
-              </a:rPr>
-              <a:t>BlinnPhong shading</a:t>
-            </a:r>
-            <a:endParaRPr/>
+              <a:rPr lang="en-US" sz="3200" dirty="0">
+                <a:solidFill>
+                  <a:srgbClr val="000000"/>
+                </a:solidFill>
+                <a:latin typeface="Calibri"/>
+              </a:rPr>
+              <a:t>BlinnPhong</a:t>
+            </a:r>
+            <a:r>
+              <a:rPr lang="en-US" sz="3200" dirty="0">
+                <a:solidFill>
+                  <a:srgbClr val="000000"/>
+                </a:solidFill>
+                <a:latin typeface="Calibri"/>
+              </a:rPr>
+              <a:t> shading</a:t>
+            </a:r>
+            <a:endParaRPr dirty="0"/>
           </a:p>
           <a:p>
             <a:pPr lvl="1">
@@ -7318,7 +8391,7 @@
               <a:buChar char="–"/>
             </a:pPr>
             <a:r>
-              <a:rPr lang="en-US" sz="2800">
+              <a:rPr lang="en-US" sz="2800" dirty="0">
                 <a:solidFill>
                   <a:srgbClr val="000000"/>
                 </a:solidFill>
@@ -7326,7 +8399,7 @@
               </a:rPr>
               <a:t>Maarten, Thijs, Thomas</a:t>
             </a:r>
-            <a:endParaRPr/>
+            <a:endParaRPr dirty="0"/>
           </a:p>
           <a:p>
             <a:pPr>
@@ -7337,7 +8410,7 @@
               <a:buChar char="•"/>
             </a:pPr>
             <a:r>
-              <a:rPr lang="en-US" sz="3200">
+              <a:rPr lang="en-US" sz="3200" dirty="0">
                 <a:solidFill>
                   <a:srgbClr val="000000"/>
                 </a:solidFill>
@@ -7345,7 +8418,7 @@
               </a:rPr>
               <a:t>Anti-Aliasing by super sampling</a:t>
             </a:r>
-            <a:endParaRPr/>
+            <a:endParaRPr dirty="0"/>
           </a:p>
           <a:p>
             <a:pPr lvl="1">
@@ -7356,24 +8429,15 @@
               <a:buChar char="–"/>
             </a:pPr>
             <a:r>
-              <a:rPr lang="en-US" sz="2800">
-                <a:solidFill>
-                  <a:srgbClr val="000000"/>
-                </a:solidFill>
-                <a:latin typeface="Calibri"/>
-              </a:rPr>
-              <a:t>Maarten</a:t>
-            </a:r>
-            <a:r>
-              <a:rPr lang="en-US" sz="2800">
-                <a:solidFill>
-                  <a:srgbClr val="000000"/>
-                </a:solidFill>
-                <a:latin typeface="Calibri"/>
-              </a:rPr>
-              <a:t>	</a:t>
-            </a:r>
-            <a:endParaRPr/>
+              <a:rPr lang="en-US" sz="2800" dirty="0">
+                <a:solidFill>
+                  <a:srgbClr val="000000"/>
+                </a:solidFill>
+                <a:latin typeface="Calibri"/>
+              </a:rPr>
+              <a:t>Maarten	</a:t>
+            </a:r>
+            <a:endParaRPr dirty="0"/>
           </a:p>
           <a:p>
             <a:pPr>
@@ -7384,7 +8448,7 @@
               <a:buChar char="•"/>
             </a:pPr>
             <a:r>
-              <a:rPr lang="en-US" sz="3200">
+              <a:rPr lang="en-US" sz="3200" dirty="0">
                 <a:solidFill>
                   <a:srgbClr val="000000"/>
                 </a:solidFill>
@@ -7392,7 +8456,7 @@
               </a:rPr>
               <a:t>Soft Shadows (area based directional light)</a:t>
             </a:r>
-            <a:endParaRPr/>
+            <a:endParaRPr dirty="0"/>
           </a:p>
           <a:p>
             <a:pPr lvl="1">
@@ -7403,7 +8467,7 @@
               <a:buChar char="–"/>
             </a:pPr>
             <a:r>
-              <a:rPr lang="en-US" sz="2800">
+              <a:rPr lang="en-US" sz="2800" dirty="0">
                 <a:solidFill>
                   <a:srgbClr val="000000"/>
                 </a:solidFill>
@@ -7411,28 +8475,31 @@
               </a:rPr>
               <a:t>Thijs</a:t>
             </a:r>
-            <a:endParaRPr/>
+            <a:endParaRPr dirty="0"/>
           </a:p>
         </p:txBody>
       </p:sp>
     </p:spTree>
   </p:cSld>
+  <p:clrMapOvr>
+    <a:masterClrMapping/>
+  </p:clrMapOvr>
   <p:timing>
     <p:tnLst>
       <p:par>
-        <p:cTn id="11" dur="indefinite" restart="never" nodeType="tmRoot">
+        <p:cTn id="1" dur="indefinite" restart="never" nodeType="tmRoot">
           <p:childTnLst>
             <p:seq>
-              <p:cTn id="12" nodeType="mainSeq"/>
+              <p:cTn id="2" nodeType="mainSeq"/>
               <p:prevCondLst>
-                <p:cond delay="0" evt="onPrev">
+                <p:cond evt="onPrev" delay="0">
                   <p:tgtEl>
                     <p:sldTgt/>
                   </p:tgtEl>
                 </p:cond>
               </p:prevCondLst>
               <p:nextCondLst>
-                <p:cond delay="0" evt="onNext">
+                <p:cond evt="onNext" delay="0">
                   <p:tgtEl>
                     <p:sldTgt/>
                   </p:tgtEl>
@@ -7448,7 +8515,7 @@
 </file>
 
 <file path=ppt/slides/slide7.xml><?xml version="1.0" encoding="utf-8"?>
-<p:sld xmlns:a="http://schemas.openxmlformats.org/drawingml/2006/main" xmlns:p="http://schemas.openxmlformats.org/presentationml/2006/main" xmlns:r="http://schemas.openxmlformats.org/officeDocument/2006/relationships">
+<p:sld xmlns:a="http://schemas.openxmlformats.org/drawingml/2006/main" xmlns:r="http://schemas.openxmlformats.org/officeDocument/2006/relationships" xmlns:p="http://schemas.openxmlformats.org/presentationml/2006/main">
   <p:cSld>
     <p:spTree>
       <p:nvGrpSpPr>
@@ -7481,6 +8548,7 @@
         </p:spPr>
         <p:txBody>
           <a:bodyPr anchor="ctr"/>
+          <a:lstStyle/>
           <a:p>
             <a:pPr algn="ctr">
               <a:lnSpc>
@@ -7488,7 +8556,7 @@
               </a:lnSpc>
             </a:pPr>
             <a:r>
-              <a:rPr lang="en-US" sz="3600">
+              <a:rPr lang="en-US" sz="3600" dirty="0">
                 <a:solidFill>
                   <a:srgbClr val="000000"/>
                 </a:solidFill>
@@ -7496,7 +8564,7 @@
               </a:rPr>
               <a:t>Distribution of work – achieved features</a:t>
             </a:r>
-            <a:endParaRPr/>
+            <a:endParaRPr dirty="0"/>
           </a:p>
         </p:txBody>
       </p:sp>
@@ -7517,6 +8585,7 @@
         </p:spPr>
         <p:txBody>
           <a:bodyPr/>
+          <a:lstStyle/>
           <a:p>
             <a:pPr>
               <a:lnSpc>
@@ -7526,7 +8595,7 @@
               <a:buChar char="•"/>
             </a:pPr>
             <a:r>
-              <a:rPr lang="en-US" sz="3200">
+              <a:rPr lang="en-US" sz="3200" dirty="0">
                 <a:solidFill>
                   <a:srgbClr val="000000"/>
                 </a:solidFill>
@@ -7534,7 +8603,7 @@
               </a:rPr>
               <a:t>Raytraced reflection</a:t>
             </a:r>
-            <a:endParaRPr/>
+            <a:endParaRPr dirty="0"/>
           </a:p>
           <a:p>
             <a:pPr lvl="1">
@@ -7545,7 +8614,7 @@
               <a:buChar char="–"/>
             </a:pPr>
             <a:r>
-              <a:rPr lang="en-US" sz="2800">
+              <a:rPr lang="en-US" sz="2800" dirty="0">
                 <a:solidFill>
                   <a:srgbClr val="000000"/>
                 </a:solidFill>
@@ -7553,7 +8622,7 @@
               </a:rPr>
               <a:t>Maarten</a:t>
             </a:r>
-            <a:endParaRPr/>
+            <a:endParaRPr dirty="0"/>
           </a:p>
           <a:p>
             <a:pPr>
@@ -7564,7 +8633,7 @@
               <a:buChar char="•"/>
             </a:pPr>
             <a:r>
-              <a:rPr lang="en-US" sz="3200">
+              <a:rPr lang="en-US" sz="3200" dirty="0">
                 <a:solidFill>
                   <a:srgbClr val="000000"/>
                 </a:solidFill>
@@ -7572,7 +8641,7 @@
               </a:rPr>
               <a:t>Raytraced refraction</a:t>
             </a:r>
-            <a:endParaRPr/>
+            <a:endParaRPr dirty="0"/>
           </a:p>
           <a:p>
             <a:pPr lvl="1">
@@ -7583,7 +8652,7 @@
               <a:buChar char="–"/>
             </a:pPr>
             <a:r>
-              <a:rPr lang="en-US" sz="2800">
+              <a:rPr lang="en-US" sz="2800" dirty="0">
                 <a:solidFill>
                   <a:srgbClr val="000000"/>
                 </a:solidFill>
@@ -7591,7 +8660,7 @@
               </a:rPr>
               <a:t>Maarten, Berend</a:t>
             </a:r>
-            <a:endParaRPr/>
+            <a:endParaRPr dirty="0"/>
           </a:p>
           <a:p>
             <a:pPr>
@@ -7602,7 +8671,7 @@
               <a:buChar char="•"/>
             </a:pPr>
             <a:r>
-              <a:rPr lang="en-US" sz="3200">
+              <a:rPr lang="en-US" sz="3200" dirty="0">
                 <a:solidFill>
                   <a:srgbClr val="000000"/>
                 </a:solidFill>
@@ -7610,7 +8679,7 @@
               </a:rPr>
               <a:t>Bitmap textures onto spheres</a:t>
             </a:r>
-            <a:endParaRPr/>
+            <a:endParaRPr dirty="0"/>
           </a:p>
           <a:p>
             <a:pPr lvl="1">
@@ -7621,7 +8690,7 @@
               <a:buChar char="–"/>
             </a:pPr>
             <a:r>
-              <a:rPr lang="en-US" sz="2800">
+              <a:rPr lang="en-US" sz="2800" dirty="0">
                 <a:solidFill>
                   <a:srgbClr val="000000"/>
                 </a:solidFill>
@@ -7629,7 +8698,7 @@
               </a:rPr>
               <a:t>Maarten</a:t>
             </a:r>
-            <a:endParaRPr/>
+            <a:endParaRPr dirty="0"/>
           </a:p>
           <a:p>
             <a:pPr>
@@ -7640,7 +8709,7 @@
               <a:buChar char="•"/>
             </a:pPr>
             <a:r>
-              <a:rPr lang="en-US" sz="3200">
+              <a:rPr lang="en-US" sz="3200" dirty="0">
                 <a:solidFill>
                   <a:srgbClr val="000000"/>
                 </a:solidFill>
@@ -7648,7 +8717,7 @@
               </a:rPr>
               <a:t>Optimization bounding box</a:t>
             </a:r>
-            <a:endParaRPr/>
+            <a:endParaRPr dirty="0"/>
           </a:p>
           <a:p>
             <a:pPr lvl="1">
@@ -7659,7 +8728,7 @@
               <a:buChar char="–"/>
             </a:pPr>
             <a:r>
-              <a:rPr lang="en-US" sz="2800">
+              <a:rPr lang="en-US" sz="2800" dirty="0">
                 <a:solidFill>
                   <a:srgbClr val="000000"/>
                 </a:solidFill>
@@ -7667,28 +8736,31 @@
               </a:rPr>
               <a:t>Felix</a:t>
             </a:r>
-            <a:endParaRPr/>
+            <a:endParaRPr dirty="0"/>
           </a:p>
         </p:txBody>
       </p:sp>
     </p:spTree>
   </p:cSld>
+  <p:clrMapOvr>
+    <a:masterClrMapping/>
+  </p:clrMapOvr>
   <p:timing>
     <p:tnLst>
       <p:par>
-        <p:cTn id="13" dur="indefinite" restart="never" nodeType="tmRoot">
+        <p:cTn id="1" dur="indefinite" restart="never" nodeType="tmRoot">
           <p:childTnLst>
             <p:seq>
-              <p:cTn id="14" nodeType="mainSeq"/>
+              <p:cTn id="2" nodeType="mainSeq"/>
               <p:prevCondLst>
-                <p:cond delay="0" evt="onPrev">
+                <p:cond evt="onPrev" delay="0">
                   <p:tgtEl>
                     <p:sldTgt/>
                   </p:tgtEl>
                 </p:cond>
               </p:prevCondLst>
               <p:nextCondLst>
-                <p:cond delay="0" evt="onNext">
+                <p:cond evt="onNext" delay="0">
                   <p:tgtEl>
                     <p:sldTgt/>
                   </p:tgtEl>
@@ -7704,7 +8776,7 @@
 </file>
 
 <file path=ppt/slides/slide8.xml><?xml version="1.0" encoding="utf-8"?>
-<p:sld xmlns:a="http://schemas.openxmlformats.org/drawingml/2006/main" xmlns:p="http://schemas.openxmlformats.org/presentationml/2006/main" xmlns:r="http://schemas.openxmlformats.org/officeDocument/2006/relationships">
+<p:sld xmlns:a="http://schemas.openxmlformats.org/drawingml/2006/main" xmlns:r="http://schemas.openxmlformats.org/officeDocument/2006/relationships" xmlns:p="http://schemas.openxmlformats.org/presentationml/2006/main">
   <p:cSld>
     <p:spTree>
       <p:nvGrpSpPr>
@@ -7737,6 +8809,7 @@
         </p:spPr>
         <p:txBody>
           <a:bodyPr anchor="ctr"/>
+          <a:lstStyle/>
           <a:p>
             <a:pPr algn="ctr">
               <a:lnSpc>
@@ -7744,7 +8817,7 @@
               </a:lnSpc>
             </a:pPr>
             <a:r>
-              <a:rPr lang="en-US" sz="3600">
+              <a:rPr lang="en-US" sz="3600" dirty="0">
                 <a:solidFill>
                   <a:srgbClr val="000000"/>
                 </a:solidFill>
@@ -7752,7 +8825,7 @@
               </a:rPr>
               <a:t>Distribution of work – achieved features</a:t>
             </a:r>
-            <a:endParaRPr/>
+            <a:endParaRPr dirty="0"/>
           </a:p>
         </p:txBody>
       </p:sp>
@@ -7773,6 +8846,7 @@
         </p:spPr>
         <p:txBody>
           <a:bodyPr/>
+          <a:lstStyle/>
           <a:p>
             <a:pPr>
               <a:lnSpc>
@@ -7782,7 +8856,7 @@
               <a:buChar char="•"/>
             </a:pPr>
             <a:r>
-              <a:rPr lang="en-US" sz="3200">
+              <a:rPr lang="en-US" sz="3200" dirty="0">
                 <a:solidFill>
                   <a:srgbClr val="000000"/>
                 </a:solidFill>
@@ -7790,7 +8864,7 @@
               </a:rPr>
               <a:t>Post processing filters</a:t>
             </a:r>
-            <a:endParaRPr/>
+            <a:endParaRPr dirty="0"/>
           </a:p>
           <a:p>
             <a:pPr lvl="1">
@@ -7801,7 +8875,7 @@
               <a:buChar char="–"/>
             </a:pPr>
             <a:r>
-              <a:rPr lang="en-US" sz="2800">
+              <a:rPr lang="en-US" sz="2800" dirty="0">
                 <a:solidFill>
                   <a:srgbClr val="000000"/>
                 </a:solidFill>
@@ -7809,7 +8883,7 @@
               </a:rPr>
               <a:t>Thijs</a:t>
             </a:r>
-            <a:endParaRPr/>
+            <a:endParaRPr dirty="0"/>
           </a:p>
           <a:p>
             <a:pPr>
@@ -7820,15 +8894,24 @@
               <a:buChar char="•"/>
             </a:pPr>
             <a:r>
-              <a:rPr lang="en-US" sz="3200">
-                <a:solidFill>
-                  <a:srgbClr val="000000"/>
-                </a:solidFill>
-                <a:latin typeface="Calibri"/>
-              </a:rPr>
-              <a:t>Scene datastructures</a:t>
-            </a:r>
-            <a:endParaRPr/>
+              <a:rPr lang="en-US" sz="3200" dirty="0">
+                <a:solidFill>
+                  <a:srgbClr val="000000"/>
+                </a:solidFill>
+                <a:latin typeface="Calibri"/>
+              </a:rPr>
+              <a:t>Scene </a:t>
+            </a:r>
+            <a:r>
+              <a:rPr lang="en-US" sz="3200" dirty="0" smtClean="0">
+                <a:solidFill>
+                  <a:srgbClr val="000000"/>
+                </a:solidFill>
+                <a:latin typeface="Calibri"/>
+              </a:rPr>
+              <a:t>data structures</a:t>
+            </a:r>
+            <a:endParaRPr dirty="0"/>
           </a:p>
           <a:p>
             <a:pPr lvl="1">
@@ -7839,7 +8922,7 @@
               <a:buChar char="–"/>
             </a:pPr>
             <a:r>
-              <a:rPr lang="en-US" sz="2800">
+              <a:rPr lang="en-US" sz="2800" dirty="0">
                 <a:solidFill>
                   <a:srgbClr val="000000"/>
                 </a:solidFill>
@@ -7847,7 +8930,7 @@
               </a:rPr>
               <a:t>Maarten</a:t>
             </a:r>
-            <a:endParaRPr/>
+            <a:endParaRPr dirty="0"/>
           </a:p>
           <a:p>
             <a:pPr>
@@ -7858,7 +8941,7 @@
               <a:buChar char="•"/>
             </a:pPr>
             <a:r>
-              <a:rPr lang="en-US" sz="3200">
+              <a:rPr lang="en-US" sz="3200" dirty="0">
                 <a:solidFill>
                   <a:srgbClr val="000000"/>
                 </a:solidFill>
@@ -7866,7 +8949,7 @@
               </a:rPr>
               <a:t>General structure</a:t>
             </a:r>
-            <a:endParaRPr/>
+            <a:endParaRPr dirty="0"/>
           </a:p>
           <a:p>
             <a:pPr lvl="1">
@@ -7877,7 +8960,7 @@
               <a:buChar char="–"/>
             </a:pPr>
             <a:r>
-              <a:rPr lang="en-US" sz="2800">
+              <a:rPr lang="en-US" sz="2800" dirty="0">
                 <a:solidFill>
                   <a:srgbClr val="000000"/>
                 </a:solidFill>
@@ -7885,7 +8968,7 @@
               </a:rPr>
               <a:t>Thomas, Thijs</a:t>
             </a:r>
-            <a:endParaRPr/>
+            <a:endParaRPr dirty="0"/>
           </a:p>
           <a:p>
             <a:pPr>
@@ -7896,7 +8979,7 @@
               <a:buChar char="•"/>
             </a:pPr>
             <a:r>
-              <a:rPr lang="en-US" sz="3200">
+              <a:rPr lang="en-US" sz="3200" dirty="0">
                 <a:solidFill>
                   <a:srgbClr val="000000"/>
                 </a:solidFill>
@@ -7904,7 +8987,7 @@
               </a:rPr>
               <a:t>Multi-threading</a:t>
             </a:r>
-            <a:endParaRPr/>
+            <a:endParaRPr dirty="0"/>
           </a:p>
           <a:p>
             <a:pPr lvl="1">
@@ -7915,7 +8998,7 @@
               <a:buChar char="–"/>
             </a:pPr>
             <a:r>
-              <a:rPr lang="en-US" sz="2800">
+              <a:rPr lang="en-US" sz="2800" dirty="0">
                 <a:solidFill>
                   <a:srgbClr val="000000"/>
                 </a:solidFill>
@@ -7923,28 +9006,31 @@
               </a:rPr>
               <a:t>Felix</a:t>
             </a:r>
-            <a:endParaRPr/>
+            <a:endParaRPr dirty="0"/>
           </a:p>
         </p:txBody>
       </p:sp>
     </p:spTree>
   </p:cSld>
+  <p:clrMapOvr>
+    <a:masterClrMapping/>
+  </p:clrMapOvr>
   <p:timing>
     <p:tnLst>
       <p:par>
-        <p:cTn id="15" dur="indefinite" restart="never" nodeType="tmRoot">
+        <p:cTn id="1" dur="indefinite" restart="never" nodeType="tmRoot">
           <p:childTnLst>
             <p:seq>
-              <p:cTn id="16" nodeType="mainSeq"/>
+              <p:cTn id="2" nodeType="mainSeq"/>
               <p:prevCondLst>
-                <p:cond delay="0" evt="onPrev">
+                <p:cond evt="onPrev" delay="0">
                   <p:tgtEl>
                     <p:sldTgt/>
                   </p:tgtEl>
                 </p:cond>
               </p:prevCondLst>
               <p:nextCondLst>
-                <p:cond delay="0" evt="onNext">
+                <p:cond evt="onNext" delay="0">
                   <p:tgtEl>
                     <p:sldTgt/>
                   </p:tgtEl>
@@ -7960,7 +9046,7 @@
 </file>
 
 <file path=ppt/slides/slide9.xml><?xml version="1.0" encoding="utf-8"?>
-<p:sld xmlns:a="http://schemas.openxmlformats.org/drawingml/2006/main" xmlns:p="http://schemas.openxmlformats.org/presentationml/2006/main" xmlns:r="http://schemas.openxmlformats.org/officeDocument/2006/relationships">
+<p:sld xmlns:a="http://schemas.openxmlformats.org/drawingml/2006/main" xmlns:r="http://schemas.openxmlformats.org/officeDocument/2006/relationships" xmlns:p="http://schemas.openxmlformats.org/presentationml/2006/main">
   <p:cSld>
     <p:spTree>
       <p:nvGrpSpPr>
@@ -7993,6 +9079,7 @@
         </p:spPr>
         <p:txBody>
           <a:bodyPr anchor="ctr"/>
+          <a:lstStyle/>
           <a:p>
             <a:pPr algn="ctr">
               <a:lnSpc>
@@ -8000,7 +9087,7 @@
               </a:lnSpc>
             </a:pPr>
             <a:r>
-              <a:rPr lang="en-US" sz="3600">
+              <a:rPr lang="en-US" sz="3600" dirty="0">
                 <a:solidFill>
                   <a:srgbClr val="000000"/>
                 </a:solidFill>
@@ -8008,7 +9095,7 @@
               </a:rPr>
               <a:t>Distribution of work – achieved features</a:t>
             </a:r>
-            <a:endParaRPr/>
+            <a:endParaRPr dirty="0"/>
           </a:p>
         </p:txBody>
       </p:sp>
@@ -8029,6 +9116,7 @@
         </p:spPr>
         <p:txBody>
           <a:bodyPr/>
+          <a:lstStyle/>
           <a:p>
             <a:pPr>
               <a:lnSpc>
@@ -8038,7 +9126,7 @@
               <a:buChar char="•"/>
             </a:pPr>
             <a:r>
-              <a:rPr lang="en-US" sz="3200">
+              <a:rPr lang="en-US" sz="3200" dirty="0">
                 <a:solidFill>
                   <a:srgbClr val="000000"/>
                 </a:solidFill>
@@ -8046,7 +9134,7 @@
               </a:rPr>
               <a:t>Dev-Debug tools (render progress indicator)</a:t>
             </a:r>
-            <a:endParaRPr/>
+            <a:endParaRPr dirty="0"/>
           </a:p>
           <a:p>
             <a:pPr lvl="1">
@@ -8057,7 +9145,7 @@
               <a:buChar char="–"/>
             </a:pPr>
             <a:r>
-              <a:rPr lang="en-US" sz="2800">
+              <a:rPr lang="en-US" sz="2800" dirty="0">
                 <a:solidFill>
                   <a:srgbClr val="000000"/>
                 </a:solidFill>
@@ -8065,7 +9153,7 @@
               </a:rPr>
               <a:t>Felix</a:t>
             </a:r>
-            <a:endParaRPr/>
+            <a:endParaRPr dirty="0"/>
           </a:p>
           <a:p>
             <a:pPr>
@@ -8073,7 +9161,7 @@
                 <a:spcPct val="100000"/>
               </a:lnSpc>
             </a:pPr>
-            <a:endParaRPr/>
+            <a:endParaRPr dirty="0"/>
           </a:p>
           <a:p>
             <a:pPr>
@@ -8081,28 +9169,31 @@
                 <a:spcPct val="100000"/>
               </a:lnSpc>
             </a:pPr>
-            <a:endParaRPr/>
+            <a:endParaRPr dirty="0"/>
           </a:p>
         </p:txBody>
       </p:sp>
     </p:spTree>
   </p:cSld>
+  <p:clrMapOvr>
+    <a:masterClrMapping/>
+  </p:clrMapOvr>
   <p:timing>
     <p:tnLst>
       <p:par>
-        <p:cTn id="17" dur="indefinite" restart="never" nodeType="tmRoot">
+        <p:cTn id="1" dur="indefinite" restart="never" nodeType="tmRoot">
           <p:childTnLst>
             <p:seq>
-              <p:cTn id="18" nodeType="mainSeq"/>
+              <p:cTn id="2" nodeType="mainSeq"/>
               <p:prevCondLst>
-                <p:cond delay="0" evt="onPrev">
+                <p:cond evt="onPrev" delay="0">
                   <p:tgtEl>
                     <p:sldTgt/>
                   </p:tgtEl>
                 </p:cond>
               </p:prevCondLst>
               <p:nextCondLst>
-                <p:cond delay="0" evt="onNext">
+                <p:cond evt="onNext" delay="0">
                   <p:tgtEl>
                     <p:sldTgt/>
                   </p:tgtEl>
@@ -8337,6 +9428,8 @@
       </a:bgFillStyleLst>
     </a:fmtScheme>
   </a:themeElements>
+  <a:objectDefaults/>
+  <a:extraClrSchemeLst/>
 </a:theme>
 </file>
 
@@ -8560,5 +9653,7 @@
       </a:bgFillStyleLst>
     </a:fmtScheme>
   </a:themeElements>
+  <a:objectDefaults/>
+  <a:extraClrSchemeLst/>
 </a:theme>
 </file>